--- a/lectures/DJ-08-Login.pptx
+++ b/lectures/DJ-08-Login.pptx
@@ -5,34 +5,35 @@
     <p:sldMasterId id="2147483660" r:id="rId1"/>
   </p:sldMasterIdLst>
   <p:notesMasterIdLst>
-    <p:notesMasterId r:id="rId27"/>
+    <p:notesMasterId r:id="rId28"/>
   </p:notesMasterIdLst>
   <p:sldIdLst>
     <p:sldId id="258" r:id="rId2"/>
-    <p:sldId id="282" r:id="rId3"/>
-    <p:sldId id="283" r:id="rId4"/>
-    <p:sldId id="284" r:id="rId5"/>
-    <p:sldId id="285" r:id="rId6"/>
-    <p:sldId id="286" r:id="rId7"/>
-    <p:sldId id="287" r:id="rId8"/>
-    <p:sldId id="288" r:id="rId9"/>
-    <p:sldId id="289" r:id="rId10"/>
-    <p:sldId id="293" r:id="rId11"/>
-    <p:sldId id="294" r:id="rId12"/>
-    <p:sldId id="305" r:id="rId13"/>
-    <p:sldId id="303" r:id="rId14"/>
-    <p:sldId id="304" r:id="rId15"/>
-    <p:sldId id="295" r:id="rId16"/>
-    <p:sldId id="296" r:id="rId17"/>
-    <p:sldId id="306" r:id="rId18"/>
-    <p:sldId id="290" r:id="rId19"/>
-    <p:sldId id="291" r:id="rId20"/>
-    <p:sldId id="297" r:id="rId21"/>
-    <p:sldId id="298" r:id="rId22"/>
-    <p:sldId id="301" r:id="rId23"/>
-    <p:sldId id="302" r:id="rId24"/>
-    <p:sldId id="300" r:id="rId25"/>
-    <p:sldId id="273" r:id="rId26"/>
+    <p:sldId id="307" r:id="rId3"/>
+    <p:sldId id="282" r:id="rId4"/>
+    <p:sldId id="283" r:id="rId5"/>
+    <p:sldId id="284" r:id="rId6"/>
+    <p:sldId id="285" r:id="rId7"/>
+    <p:sldId id="286" r:id="rId8"/>
+    <p:sldId id="287" r:id="rId9"/>
+    <p:sldId id="288" r:id="rId10"/>
+    <p:sldId id="289" r:id="rId11"/>
+    <p:sldId id="293" r:id="rId12"/>
+    <p:sldId id="294" r:id="rId13"/>
+    <p:sldId id="305" r:id="rId14"/>
+    <p:sldId id="303" r:id="rId15"/>
+    <p:sldId id="304" r:id="rId16"/>
+    <p:sldId id="295" r:id="rId17"/>
+    <p:sldId id="296" r:id="rId18"/>
+    <p:sldId id="306" r:id="rId19"/>
+    <p:sldId id="290" r:id="rId20"/>
+    <p:sldId id="291" r:id="rId21"/>
+    <p:sldId id="297" r:id="rId22"/>
+    <p:sldId id="298" r:id="rId23"/>
+    <p:sldId id="301" r:id="rId24"/>
+    <p:sldId id="302" r:id="rId25"/>
+    <p:sldId id="300" r:id="rId26"/>
+    <p:sldId id="273" r:id="rId27"/>
   </p:sldIdLst>
   <p:sldSz cx="12192000" cy="6858000"/>
   <p:notesSz cx="6858000" cy="9144000"/>
@@ -3305,10 +3306,10 @@
           <p:cNvPr id="10" name="Rectangle 9">
             <a:extLst>
               <a:ext uri="{FF2B5EF4-FFF2-40B4-BE49-F238E27FC236}">
-                <a16:creationId xmlns="" xmlns:a16="http://schemas.microsoft.com/office/drawing/2014/main" id="{E20EB187-900F-4AF5-813B-101456D9FD39}"/>
+                <a16:creationId xmlns:a16="http://schemas.microsoft.com/office/drawing/2014/main" xmlns="" id="{E20EB187-900F-4AF5-813B-101456D9FD39}"/>
               </a:ext>
               <a:ext uri="{C183D7F6-B498-43B3-948B-1728B52AA6E4}">
-                <adec:decorative xmlns="" xmlns:adec="http://schemas.microsoft.com/office/drawing/2017/decorative" val="1"/>
+                <adec:decorative xmlns:adec="http://schemas.microsoft.com/office/drawing/2017/decorative" xmlns="" val="1"/>
               </a:ext>
             </a:extLst>
           </p:cNvPr>
@@ -3452,10 +3453,10 @@
           <p:cNvPr id="12" name="Straight Connector 11">
             <a:extLst>
               <a:ext uri="{FF2B5EF4-FFF2-40B4-BE49-F238E27FC236}">
-                <a16:creationId xmlns="" xmlns:a16="http://schemas.microsoft.com/office/drawing/2014/main" id="{624D17C8-E9C2-48A4-AA36-D7048A6CCC41}"/>
+                <a16:creationId xmlns:a16="http://schemas.microsoft.com/office/drawing/2014/main" xmlns="" id="{624D17C8-E9C2-48A4-AA36-D7048A6CCC41}"/>
               </a:ext>
               <a:ext uri="{C183D7F6-B498-43B3-948B-1728B52AA6E4}">
-                <adec:decorative xmlns="" xmlns:adec="http://schemas.microsoft.com/office/drawing/2017/decorative" val="1"/>
+                <adec:decorative xmlns:adec="http://schemas.microsoft.com/office/drawing/2017/decorative" xmlns="" val="1"/>
               </a:ext>
             </a:extLst>
           </p:cNvPr>
@@ -3652,6 +3653,382 @@
       </p:grpSpPr>
       <p:sp>
         <p:nvSpPr>
+          <p:cNvPr id="2" name="Title 1"/>
+          <p:cNvSpPr>
+            <a:spLocks noGrp="1"/>
+          </p:cNvSpPr>
+          <p:nvPr>
+            <p:ph type="title"/>
+          </p:nvPr>
+        </p:nvSpPr>
+        <p:spPr/>
+        <p:txBody>
+          <a:bodyPr/>
+          <a:lstStyle/>
+          <a:p>
+            <a:r>
+              <a:rPr lang="en-US" dirty="0" smtClean="0"/>
+              <a:t>Sessions, Users, Login, and Django</a:t>
+            </a:r>
+            <a:endParaRPr lang="en-US" dirty="0"/>
+          </a:p>
+        </p:txBody>
+      </p:sp>
+      <p:sp>
+        <p:nvSpPr>
+          <p:cNvPr id="3" name="Content Placeholder 2"/>
+          <p:cNvSpPr>
+            <a:spLocks noGrp="1"/>
+          </p:cNvSpPr>
+          <p:nvPr>
+            <p:ph idx="1"/>
+          </p:nvPr>
+        </p:nvSpPr>
+        <p:spPr>
+          <a:xfrm>
+            <a:off x="838200" y="1625719"/>
+            <a:ext cx="10515600" cy="1451589"/>
+          </a:xfrm>
+        </p:spPr>
+        <p:txBody>
+          <a:bodyPr>
+            <a:normAutofit/>
+          </a:bodyPr>
+          <a:lstStyle/>
+          <a:p>
+            <a:r>
+              <a:rPr lang="en-US" dirty="0" smtClean="0"/>
+              <a:t>We need to add a path to the code that gives us login and logout </a:t>
+            </a:r>
+            <a:r>
+              <a:rPr lang="en-US" dirty="0" err="1" smtClean="0"/>
+              <a:t>urls</a:t>
+            </a:r>
+            <a:endParaRPr lang="en-US" dirty="0" smtClean="0"/>
+          </a:p>
+          <a:p>
+            <a:r>
+              <a:rPr lang="en-US" dirty="0" smtClean="0"/>
+              <a:t>We can reverse lookup these </a:t>
+            </a:r>
+            <a:r>
+              <a:rPr lang="en-US" dirty="0" err="1" smtClean="0"/>
+              <a:t>urls</a:t>
+            </a:r>
+            <a:r>
+              <a:rPr lang="en-US" dirty="0" smtClean="0"/>
+              <a:t> using the 'login' and 'logout' view names</a:t>
+            </a:r>
+            <a:endParaRPr lang="en-US" dirty="0"/>
+          </a:p>
+        </p:txBody>
+      </p:sp>
+      <p:sp>
+        <p:nvSpPr>
+          <p:cNvPr id="4" name="Rectangle 3"/>
+          <p:cNvSpPr/>
+          <p:nvPr/>
+        </p:nvSpPr>
+        <p:spPr>
+          <a:xfrm>
+            <a:off x="838200" y="5542691"/>
+            <a:ext cx="5783058" cy="369332"/>
+          </a:xfrm>
+          <a:prstGeom prst="rect">
+            <a:avLst/>
+          </a:prstGeom>
+        </p:spPr>
+        <p:txBody>
+          <a:bodyPr wrap="none">
+            <a:spAutoFit/>
+          </a:bodyPr>
+          <a:lstStyle/>
+          <a:p>
+            <a:r>
+              <a:rPr lang="en-US" dirty="0"/>
+              <a:t>https://</a:t>
+            </a:r>
+            <a:r>
+              <a:rPr lang="en-US" dirty="0" err="1"/>
+              <a:t>docs.djangoproject.com</a:t>
+            </a:r>
+            <a:r>
+              <a:rPr lang="en-US" dirty="0"/>
+              <a:t>/</a:t>
+            </a:r>
+            <a:r>
+              <a:rPr lang="en-US" dirty="0" err="1"/>
+              <a:t>en</a:t>
+            </a:r>
+            <a:r>
+              <a:rPr lang="en-US" dirty="0"/>
+              <a:t>/2.2/topics/</a:t>
+            </a:r>
+            <a:r>
+              <a:rPr lang="en-US" dirty="0" err="1"/>
+              <a:t>auth</a:t>
+            </a:r>
+            <a:r>
+              <a:rPr lang="en-US" dirty="0"/>
+              <a:t>/default</a:t>
+            </a:r>
+          </a:p>
+        </p:txBody>
+      </p:sp>
+      <p:sp>
+        <p:nvSpPr>
+          <p:cNvPr id="5" name="Rectangle 4"/>
+          <p:cNvSpPr/>
+          <p:nvPr/>
+        </p:nvSpPr>
+        <p:spPr>
+          <a:xfrm>
+            <a:off x="1799166" y="3320614"/>
+            <a:ext cx="8593667" cy="1754326"/>
+          </a:xfrm>
+          <a:prstGeom prst="rect">
+            <a:avLst/>
+          </a:prstGeom>
+        </p:spPr>
+        <p:txBody>
+          <a:bodyPr wrap="square">
+            <a:spAutoFit/>
+          </a:bodyPr>
+          <a:lstStyle/>
+          <a:p>
+            <a:r>
+              <a:rPr lang="en-US" dirty="0" err="1">
+                <a:latin typeface="Courier" charset="0"/>
+                <a:ea typeface="Courier" charset="0"/>
+                <a:cs typeface="Courier" charset="0"/>
+              </a:rPr>
+              <a:t>urlpatterns</a:t>
+            </a:r>
+            <a:r>
+              <a:rPr lang="en-US" dirty="0">
+                <a:latin typeface="Courier" charset="0"/>
+                <a:ea typeface="Courier" charset="0"/>
+                <a:cs typeface="Courier" charset="0"/>
+              </a:rPr>
+              <a:t> = [</a:t>
+            </a:r>
+          </a:p>
+          <a:p>
+            <a:r>
+              <a:rPr lang="en-US" dirty="0">
+                <a:latin typeface="Courier" charset="0"/>
+                <a:ea typeface="Courier" charset="0"/>
+                <a:cs typeface="Courier" charset="0"/>
+              </a:rPr>
+              <a:t>    path('', include('</a:t>
+            </a:r>
+            <a:r>
+              <a:rPr lang="en-US" dirty="0" err="1">
+                <a:latin typeface="Courier" charset="0"/>
+                <a:ea typeface="Courier" charset="0"/>
+                <a:cs typeface="Courier" charset="0"/>
+              </a:rPr>
+              <a:t>home.urls</a:t>
+            </a:r>
+            <a:r>
+              <a:rPr lang="en-US" dirty="0" smtClean="0">
+                <a:latin typeface="Courier" charset="0"/>
+                <a:ea typeface="Courier" charset="0"/>
+                <a:cs typeface="Courier" charset="0"/>
+              </a:rPr>
+              <a:t>')),</a:t>
+            </a:r>
+            <a:endParaRPr lang="en-US" dirty="0">
+              <a:latin typeface="Courier" charset="0"/>
+              <a:ea typeface="Courier" charset="0"/>
+              <a:cs typeface="Courier" charset="0"/>
+            </a:endParaRPr>
+          </a:p>
+          <a:p>
+            <a:r>
+              <a:rPr lang="en-US" dirty="0">
+                <a:latin typeface="Courier" charset="0"/>
+                <a:ea typeface="Courier" charset="0"/>
+                <a:cs typeface="Courier" charset="0"/>
+              </a:rPr>
+              <a:t>    path('admin/', </a:t>
+            </a:r>
+            <a:r>
+              <a:rPr lang="en-US" dirty="0" err="1">
+                <a:latin typeface="Courier" charset="0"/>
+                <a:ea typeface="Courier" charset="0"/>
+                <a:cs typeface="Courier" charset="0"/>
+              </a:rPr>
+              <a:t>admin.site.urls</a:t>
+            </a:r>
+            <a:r>
+              <a:rPr lang="en-US" dirty="0" smtClean="0">
+                <a:latin typeface="Courier" charset="0"/>
+                <a:ea typeface="Courier" charset="0"/>
+                <a:cs typeface="Courier" charset="0"/>
+              </a:rPr>
+              <a:t>),</a:t>
+            </a:r>
+          </a:p>
+          <a:p>
+            <a:r>
+              <a:rPr lang="en-US" dirty="0">
+                <a:solidFill>
+                  <a:srgbClr val="FFFF00"/>
+                </a:solidFill>
+                <a:latin typeface="Courier" charset="0"/>
+                <a:ea typeface="Courier" charset="0"/>
+                <a:cs typeface="Courier" charset="0"/>
+              </a:rPr>
+              <a:t> </a:t>
+            </a:r>
+            <a:r>
+              <a:rPr lang="en-US" dirty="0" smtClean="0">
+                <a:solidFill>
+                  <a:srgbClr val="FFFF00"/>
+                </a:solidFill>
+                <a:latin typeface="Courier" charset="0"/>
+                <a:ea typeface="Courier" charset="0"/>
+                <a:cs typeface="Courier" charset="0"/>
+              </a:rPr>
+              <a:t>   path</a:t>
+            </a:r>
+            <a:r>
+              <a:rPr lang="en-US" dirty="0">
+                <a:solidFill>
+                  <a:srgbClr val="FFFF00"/>
+                </a:solidFill>
+                <a:latin typeface="Courier" charset="0"/>
+                <a:ea typeface="Courier" charset="0"/>
+                <a:cs typeface="Courier" charset="0"/>
+              </a:rPr>
+              <a:t>('accounts/', include('</a:t>
+            </a:r>
+            <a:r>
+              <a:rPr lang="en-US" dirty="0" err="1">
+                <a:solidFill>
+                  <a:srgbClr val="FFFF00"/>
+                </a:solidFill>
+                <a:latin typeface="Courier" charset="0"/>
+                <a:ea typeface="Courier" charset="0"/>
+                <a:cs typeface="Courier" charset="0"/>
+              </a:rPr>
+              <a:t>django.contrib.auth.urls</a:t>
+            </a:r>
+            <a:r>
+              <a:rPr lang="en-US" dirty="0" smtClean="0">
+                <a:solidFill>
+                  <a:srgbClr val="FFFF00"/>
+                </a:solidFill>
+                <a:latin typeface="Courier" charset="0"/>
+                <a:ea typeface="Courier" charset="0"/>
+                <a:cs typeface="Courier" charset="0"/>
+              </a:rPr>
+              <a:t>')),</a:t>
+            </a:r>
+          </a:p>
+          <a:p>
+            <a:endParaRPr lang="en-US" dirty="0">
+              <a:latin typeface="Courier" charset="0"/>
+              <a:ea typeface="Courier" charset="0"/>
+              <a:cs typeface="Courier" charset="0"/>
+            </a:endParaRPr>
+          </a:p>
+          <a:p>
+            <a:r>
+              <a:rPr lang="en-US" dirty="0" smtClean="0">
+                <a:latin typeface="Courier" charset="0"/>
+                <a:ea typeface="Courier" charset="0"/>
+                <a:cs typeface="Courier" charset="0"/>
+              </a:rPr>
+              <a:t>...</a:t>
+            </a:r>
+            <a:endParaRPr lang="en-US" dirty="0">
+              <a:latin typeface="Courier" charset="0"/>
+              <a:ea typeface="Courier" charset="0"/>
+              <a:cs typeface="Courier" charset="0"/>
+            </a:endParaRPr>
+          </a:p>
+        </p:txBody>
+      </p:sp>
+      <p:sp>
+        <p:nvSpPr>
+          <p:cNvPr id="6" name="TextBox 5"/>
+          <p:cNvSpPr txBox="1"/>
+          <p:nvPr/>
+        </p:nvSpPr>
+        <p:spPr>
+          <a:xfrm>
+            <a:off x="7578943" y="2983518"/>
+            <a:ext cx="3479542" cy="369332"/>
+          </a:xfrm>
+          <a:prstGeom prst="rect">
+            <a:avLst/>
+          </a:prstGeom>
+          <a:noFill/>
+        </p:spPr>
+        <p:txBody>
+          <a:bodyPr wrap="none" rtlCol="0">
+            <a:spAutoFit/>
+          </a:bodyPr>
+          <a:lstStyle/>
+          <a:p>
+            <a:r>
+              <a:rPr lang="en-US" dirty="0" smtClean="0">
+                <a:solidFill>
+                  <a:srgbClr val="FFFF00"/>
+                </a:solidFill>
+              </a:rPr>
+              <a:t>dj4e-samples/dj4e-samples/</a:t>
+            </a:r>
+            <a:r>
+              <a:rPr lang="en-US" dirty="0" err="1" smtClean="0">
+                <a:solidFill>
+                  <a:srgbClr val="FFFF00"/>
+                </a:solidFill>
+              </a:rPr>
+              <a:t>urls.py</a:t>
+            </a:r>
+            <a:endParaRPr lang="en-US" dirty="0">
+              <a:solidFill>
+                <a:srgbClr val="FFFF00"/>
+              </a:solidFill>
+            </a:endParaRPr>
+          </a:p>
+        </p:txBody>
+      </p:sp>
+    </p:spTree>
+    <p:extLst>
+      <p:ext uri="{BB962C8B-B14F-4D97-AF65-F5344CB8AC3E}">
+        <p14:creationId xmlns:p14="http://schemas.microsoft.com/office/powerpoint/2010/main" val="646750620"/>
+      </p:ext>
+    </p:extLst>
+  </p:cSld>
+  <p:clrMapOvr>
+    <a:masterClrMapping/>
+  </p:clrMapOvr>
+</p:sld>
+</file>
+
+<file path=ppt/slides/slide11.xml><?xml version="1.0" encoding="utf-8"?>
+<p:sld xmlns:a="http://schemas.openxmlformats.org/drawingml/2006/main" xmlns:r="http://schemas.openxmlformats.org/officeDocument/2006/relationships" xmlns:p="http://schemas.openxmlformats.org/presentationml/2006/main">
+  <p:cSld>
+    <p:spTree>
+      <p:nvGrpSpPr>
+        <p:cNvPr id="1" name=""/>
+        <p:cNvGrpSpPr/>
+        <p:nvPr/>
+      </p:nvGrpSpPr>
+      <p:grpSpPr>
+        <a:xfrm>
+          <a:off x="0" y="0"/>
+          <a:ext cx="0" cy="0"/>
+          <a:chOff x="0" y="0"/>
+          <a:chExt cx="0" cy="0"/>
+        </a:xfrm>
+      </p:grpSpPr>
+      <p:sp>
+        <p:nvSpPr>
           <p:cNvPr id="4" name="Rectangle 3"/>
           <p:cNvSpPr/>
           <p:nvPr/>
@@ -4603,7 +4980,7 @@
 </p:sld>
 </file>
 
-<file path=ppt/slides/slide11.xml><?xml version="1.0" encoding="utf-8"?>
+<file path=ppt/slides/slide12.xml><?xml version="1.0" encoding="utf-8"?>
 <p:sld xmlns:a="http://schemas.openxmlformats.org/drawingml/2006/main" xmlns:r="http://schemas.openxmlformats.org/officeDocument/2006/relationships" xmlns:p="http://schemas.openxmlformats.org/presentationml/2006/main">
   <p:cSld>
     <p:spTree>
@@ -4645,11 +5022,7 @@
             </a:r>
             <a:r>
               <a:rPr lang="en-US" dirty="0" smtClean="0"/>
-              <a:t>ogin </a:t>
-            </a:r>
-            <a:r>
-              <a:rPr lang="en-US" dirty="0" smtClean="0"/>
-              <a:t>/ logout completion</a:t>
+              <a:t>ogin / logout completion</a:t>
             </a:r>
             <a:endParaRPr lang="en-US" dirty="0"/>
           </a:p>
@@ -4677,13 +5050,8 @@
           <a:p>
             <a:r>
               <a:rPr lang="en-US" dirty="0" smtClean="0"/>
-              <a:t>We want to transfer the user to a login page from many pages in our application and when they successfully log in, we want to bring them back to our </a:t>
-            </a:r>
-            <a:r>
-              <a:rPr lang="en-US" dirty="0" smtClean="0"/>
-              <a:t>page or some other page</a:t>
-            </a:r>
-            <a:endParaRPr lang="en-US" dirty="0" smtClean="0"/>
+              <a:t>We want to transfer the user to a login page from many pages in our application and when they successfully log in, we want to bring them back to our page or some other page</a:t>
+            </a:r>
           </a:p>
           <a:p>
             <a:r>
@@ -4727,7 +5095,7 @@
 </p:sld>
 </file>
 
-<file path=ppt/slides/slide12.xml><?xml version="1.0" encoding="utf-8"?>
+<file path=ppt/slides/slide13.xml><?xml version="1.0" encoding="utf-8"?>
 <p:sld xmlns:a="http://schemas.openxmlformats.org/drawingml/2006/main" xmlns:r="http://schemas.openxmlformats.org/officeDocument/2006/relationships" xmlns:p="http://schemas.openxmlformats.org/presentationml/2006/main">
   <p:cSld>
     <p:spTree>
@@ -5485,7 +5853,7 @@
 </p:sld>
 </file>
 
-<file path=ppt/slides/slide13.xml><?xml version="1.0" encoding="utf-8"?>
+<file path=ppt/slides/slide14.xml><?xml version="1.0" encoding="utf-8"?>
 <p:sld xmlns:a="http://schemas.openxmlformats.org/drawingml/2006/main" xmlns:r="http://schemas.openxmlformats.org/officeDocument/2006/relationships" xmlns:p="http://schemas.openxmlformats.org/presentationml/2006/main">
   <p:cSld>
     <p:spTree>
@@ -6746,7 +7114,7 @@
 </p:sld>
 </file>
 
-<file path=ppt/slides/slide14.xml><?xml version="1.0" encoding="utf-8"?>
+<file path=ppt/slides/slide15.xml><?xml version="1.0" encoding="utf-8"?>
 <p:sld xmlns:a="http://schemas.openxmlformats.org/drawingml/2006/main" xmlns:r="http://schemas.openxmlformats.org/officeDocument/2006/relationships" xmlns:p="http://schemas.openxmlformats.org/presentationml/2006/main">
   <p:cSld>
     <p:spTree>
@@ -8947,7 +9315,7 @@
 </p:sld>
 </file>
 
-<file path=ppt/slides/slide15.xml><?xml version="1.0" encoding="utf-8"?>
+<file path=ppt/slides/slide16.xml><?xml version="1.0" encoding="utf-8"?>
 <p:sld xmlns:a="http://schemas.openxmlformats.org/drawingml/2006/main" xmlns:r="http://schemas.openxmlformats.org/officeDocument/2006/relationships" xmlns:p="http://schemas.openxmlformats.org/presentationml/2006/main">
   <p:cSld>
     <p:spTree>
@@ -9850,7 +10218,7 @@
 </p:sld>
 </file>
 
-<file path=ppt/slides/slide16.xml><?xml version="1.0" encoding="utf-8"?>
+<file path=ppt/slides/slide17.xml><?xml version="1.0" encoding="utf-8"?>
 <p:sld xmlns:a="http://schemas.openxmlformats.org/drawingml/2006/main" xmlns:r="http://schemas.openxmlformats.org/officeDocument/2006/relationships" xmlns:p="http://schemas.openxmlformats.org/presentationml/2006/main">
   <p:cSld>
     <p:spTree>
@@ -10756,7 +11124,7 @@
 </p:sld>
 </file>
 
-<file path=ppt/slides/slide17.xml><?xml version="1.0" encoding="utf-8"?>
+<file path=ppt/slides/slide18.xml><?xml version="1.0" encoding="utf-8"?>
 <p:sld xmlns:a="http://schemas.openxmlformats.org/drawingml/2006/main" xmlns:r="http://schemas.openxmlformats.org/officeDocument/2006/relationships" xmlns:p="http://schemas.openxmlformats.org/presentationml/2006/main">
   <p:cSld>
     <p:spTree>
@@ -10828,7 +11196,7 @@
 </p:sld>
 </file>
 
-<file path=ppt/slides/slide18.xml><?xml version="1.0" encoding="utf-8"?>
+<file path=ppt/slides/slide19.xml><?xml version="1.0" encoding="utf-8"?>
 <p:sld xmlns:a="http://schemas.openxmlformats.org/drawingml/2006/main" xmlns:r="http://schemas.openxmlformats.org/officeDocument/2006/relationships" xmlns:p="http://schemas.openxmlformats.org/presentationml/2006/main">
   <p:cSld>
     <p:spTree>
@@ -11076,7 +11444,160 @@
 </p:sld>
 </file>
 
-<file path=ppt/slides/slide19.xml><?xml version="1.0" encoding="utf-8"?>
+<file path=ppt/slides/slide2.xml><?xml version="1.0" encoding="utf-8"?>
+<p:sld xmlns:a="http://schemas.openxmlformats.org/drawingml/2006/main" xmlns:r="http://schemas.openxmlformats.org/officeDocument/2006/relationships" xmlns:p="http://schemas.openxmlformats.org/presentationml/2006/main">
+  <p:cSld>
+    <p:spTree>
+      <p:nvGrpSpPr>
+        <p:cNvPr id="1" name=""/>
+        <p:cNvGrpSpPr/>
+        <p:nvPr/>
+      </p:nvGrpSpPr>
+      <p:grpSpPr>
+        <a:xfrm>
+          <a:off x="0" y="0"/>
+          <a:ext cx="0" cy="0"/>
+          <a:chOff x="0" y="0"/>
+          <a:chExt cx="0" cy="0"/>
+        </a:xfrm>
+      </p:grpSpPr>
+      <p:sp>
+        <p:nvSpPr>
+          <p:cNvPr id="2" name="Title 1"/>
+          <p:cNvSpPr>
+            <a:spLocks noGrp="1"/>
+          </p:cNvSpPr>
+          <p:nvPr>
+            <p:ph type="title"/>
+          </p:nvPr>
+        </p:nvSpPr>
+        <p:spPr>
+          <a:xfrm>
+            <a:off x="698715" y="1565330"/>
+            <a:ext cx="3237854" cy="1985156"/>
+          </a:xfrm>
+        </p:spPr>
+        <p:txBody>
+          <a:bodyPr>
+            <a:normAutofit/>
+          </a:bodyPr>
+          <a:lstStyle/>
+          <a:p>
+            <a:r>
+              <a:rPr lang="en-US" dirty="0" smtClean="0"/>
+              <a:t>Update your dj4e-samples </a:t>
+            </a:r>
+            <a:endParaRPr lang="en-US" dirty="0"/>
+          </a:p>
+        </p:txBody>
+      </p:sp>
+      <p:sp>
+        <p:nvSpPr>
+          <p:cNvPr id="5" name="TextBox 4"/>
+          <p:cNvSpPr txBox="1"/>
+          <p:nvPr/>
+        </p:nvSpPr>
+        <p:spPr>
+          <a:xfrm>
+            <a:off x="698715" y="4060556"/>
+            <a:ext cx="3318537" cy="830997"/>
+          </a:xfrm>
+          <a:prstGeom prst="rect">
+            <a:avLst/>
+          </a:prstGeom>
+          <a:noFill/>
+        </p:spPr>
+        <p:txBody>
+          <a:bodyPr wrap="none" rtlCol="0">
+            <a:spAutoFit/>
+          </a:bodyPr>
+          <a:lstStyle/>
+          <a:p>
+            <a:r>
+              <a:rPr lang="en-US" sz="2400" dirty="0" smtClean="0">
+                <a:latin typeface="Courier" charset="0"/>
+                <a:ea typeface="Courier" charset="0"/>
+                <a:cs typeface="Courier" charset="0"/>
+              </a:rPr>
+              <a:t>cd ~/dj4e-samples</a:t>
+            </a:r>
+          </a:p>
+          <a:p>
+            <a:r>
+              <a:rPr lang="en-US" sz="2400" dirty="0" err="1" smtClean="0">
+                <a:latin typeface="Courier" charset="0"/>
+                <a:ea typeface="Courier" charset="0"/>
+                <a:cs typeface="Courier" charset="0"/>
+              </a:rPr>
+              <a:t>git</a:t>
+            </a:r>
+            <a:r>
+              <a:rPr lang="en-US" sz="2400" dirty="0" smtClean="0">
+                <a:latin typeface="Courier" charset="0"/>
+                <a:ea typeface="Courier" charset="0"/>
+                <a:cs typeface="Courier" charset="0"/>
+              </a:rPr>
+              <a:t> pull</a:t>
+            </a:r>
+            <a:endParaRPr lang="en-US" sz="2400" dirty="0">
+              <a:latin typeface="Courier" charset="0"/>
+              <a:ea typeface="Courier" charset="0"/>
+              <a:cs typeface="Courier" charset="0"/>
+            </a:endParaRPr>
+          </a:p>
+        </p:txBody>
+      </p:sp>
+      <p:pic>
+        <p:nvPicPr>
+          <p:cNvPr id="6" name="Picture 5" descr="cd ~/dj4e-samples&#10;git pull" title="Screen shot of a git pull on PythonAnywhere"/>
+          <p:cNvPicPr>
+            <a:picLocks noChangeAspect="1"/>
+          </p:cNvPicPr>
+          <p:nvPr/>
+        </p:nvPicPr>
+        <p:blipFill>
+          <a:blip r:embed="rId2">
+            <a:extLst>
+              <a:ext uri="{28A0092B-C50C-407E-A947-70E740481C1C}">
+                <a14:useLocalDpi xmlns:a14="http://schemas.microsoft.com/office/drawing/2010/main" val="0"/>
+              </a:ext>
+            </a:extLst>
+          </a:blip>
+          <a:stretch>
+            <a:fillRect/>
+          </a:stretch>
+        </p:blipFill>
+        <p:spPr>
+          <a:xfrm>
+            <a:off x="4525252" y="1177451"/>
+            <a:ext cx="7486656" cy="4746069"/>
+          </a:xfrm>
+          <a:prstGeom prst="rect">
+            <a:avLst/>
+          </a:prstGeom>
+        </p:spPr>
+      </p:pic>
+    </p:spTree>
+    <p:extLst>
+      <p:ext uri="{BB962C8B-B14F-4D97-AF65-F5344CB8AC3E}">
+        <p14:creationId xmlns:p14="http://schemas.microsoft.com/office/powerpoint/2010/main" val="1739125655"/>
+      </p:ext>
+    </p:extLst>
+  </p:cSld>
+  <p:clrMapOvr>
+    <a:masterClrMapping/>
+  </p:clrMapOvr>
+  <p:timing>
+    <p:tnLst>
+      <p:par>
+        <p:cTn id="1" dur="indefinite" restart="never" nodeType="tmRoot"/>
+      </p:par>
+    </p:tnLst>
+  </p:timing>
+</p:sld>
+</file>
+
+<file path=ppt/slides/slide20.xml><?xml version="1.0" encoding="utf-8"?>
 <p:sld xmlns:a="http://schemas.openxmlformats.org/drawingml/2006/main" xmlns:r="http://schemas.openxmlformats.org/officeDocument/2006/relationships" xmlns:p="http://schemas.openxmlformats.org/presentationml/2006/main">
   <p:cSld>
     <p:spTree>
@@ -12704,7 +13225,7 @@
 </p:sld>
 </file>
 
-<file path=ppt/slides/slide2.xml><?xml version="1.0" encoding="utf-8"?>
+<file path=ppt/slides/slide21.xml><?xml version="1.0" encoding="utf-8"?>
 <p:sld xmlns:a="http://schemas.openxmlformats.org/drawingml/2006/main" xmlns:r="http://schemas.openxmlformats.org/officeDocument/2006/relationships" xmlns:p="http://schemas.openxmlformats.org/presentationml/2006/main">
   <p:cSld>
     <p:spTree>
@@ -12737,359 +13258,6 @@
           <a:lstStyle/>
           <a:p>
             <a:r>
-              <a:rPr lang="en-US" dirty="0"/>
-              <a:t>User authentication in </a:t>
-            </a:r>
-            <a:r>
-              <a:rPr lang="en-US" dirty="0" smtClean="0"/>
-              <a:t>Django</a:t>
-            </a:r>
-            <a:endParaRPr lang="en-US" dirty="0"/>
-          </a:p>
-        </p:txBody>
-      </p:sp>
-      <p:sp>
-        <p:nvSpPr>
-          <p:cNvPr id="5" name="Rectangle 4"/>
-          <p:cNvSpPr/>
-          <p:nvPr/>
-        </p:nvSpPr>
-        <p:spPr>
-          <a:xfrm>
-            <a:off x="949035" y="1668125"/>
-            <a:ext cx="10293927" cy="3785652"/>
-          </a:xfrm>
-          <a:prstGeom prst="rect">
-            <a:avLst/>
-          </a:prstGeom>
-          <a:solidFill>
-            <a:schemeClr val="tx1"/>
-          </a:solidFill>
-        </p:spPr>
-        <p:txBody>
-          <a:bodyPr wrap="square">
-            <a:spAutoFit/>
-          </a:bodyPr>
-          <a:lstStyle/>
-          <a:p>
-            <a:r>
-              <a:rPr lang="en-US" sz="2000" dirty="0" smtClean="0">
-                <a:solidFill>
-                  <a:srgbClr val="084429"/>
-                </a:solidFill>
-              </a:rPr>
-              <a:t>Django </a:t>
-            </a:r>
-            <a:r>
-              <a:rPr lang="en-US" sz="2000" dirty="0">
-                <a:solidFill>
-                  <a:srgbClr val="084429"/>
-                </a:solidFill>
-              </a:rPr>
-              <a:t>comes with a user authentication system. It handles user accounts, groups, permissions and cookie-based user sessions</a:t>
-            </a:r>
-            <a:r>
-              <a:rPr lang="en-US" sz="2000" dirty="0" smtClean="0">
-                <a:solidFill>
-                  <a:srgbClr val="084429"/>
-                </a:solidFill>
-              </a:rPr>
-              <a:t>.  The authentication </a:t>
-            </a:r>
-            <a:r>
-              <a:rPr lang="en-US" sz="2000" dirty="0">
-                <a:solidFill>
-                  <a:srgbClr val="084429"/>
-                </a:solidFill>
-              </a:rPr>
-              <a:t>system consists of</a:t>
-            </a:r>
-            <a:r>
-              <a:rPr lang="en-US" sz="2000" dirty="0" smtClean="0">
-                <a:solidFill>
-                  <a:srgbClr val="084429"/>
-                </a:solidFill>
-              </a:rPr>
-              <a:t>:</a:t>
-            </a:r>
-          </a:p>
-          <a:p>
-            <a:endParaRPr lang="en-US" sz="2000" dirty="0">
-              <a:solidFill>
-                <a:srgbClr val="084429"/>
-              </a:solidFill>
-            </a:endParaRPr>
-          </a:p>
-          <a:p>
-            <a:pPr marL="342900" indent="-342900">
-              <a:buFont typeface="Arial" charset="0"/>
-              <a:buChar char="•"/>
-            </a:pPr>
-            <a:r>
-              <a:rPr lang="en-US" sz="2000" dirty="0">
-                <a:solidFill>
-                  <a:srgbClr val="084429"/>
-                </a:solidFill>
-              </a:rPr>
-              <a:t>Users</a:t>
-            </a:r>
-          </a:p>
-          <a:p>
-            <a:pPr marL="342900" indent="-342900">
-              <a:buFont typeface="Arial" charset="0"/>
-              <a:buChar char="•"/>
-            </a:pPr>
-            <a:r>
-              <a:rPr lang="en-US" sz="2000" dirty="0">
-                <a:solidFill>
-                  <a:srgbClr val="084429"/>
-                </a:solidFill>
-              </a:rPr>
-              <a:t>Permissions: Binary (yes/no) flags designating whether a user may perform a certain task.</a:t>
-            </a:r>
-          </a:p>
-          <a:p>
-            <a:pPr marL="342900" indent="-342900">
-              <a:buFont typeface="Arial" charset="0"/>
-              <a:buChar char="•"/>
-            </a:pPr>
-            <a:r>
-              <a:rPr lang="en-US" sz="2000" dirty="0">
-                <a:solidFill>
-                  <a:srgbClr val="084429"/>
-                </a:solidFill>
-              </a:rPr>
-              <a:t>Groups: A generic way of applying labels and permissions to more than one user.</a:t>
-            </a:r>
-          </a:p>
-          <a:p>
-            <a:pPr marL="342900" indent="-342900">
-              <a:buFont typeface="Arial" charset="0"/>
-              <a:buChar char="•"/>
-            </a:pPr>
-            <a:r>
-              <a:rPr lang="en-US" sz="2000" dirty="0">
-                <a:solidFill>
-                  <a:srgbClr val="084429"/>
-                </a:solidFill>
-              </a:rPr>
-              <a:t>A configurable password hashing system</a:t>
-            </a:r>
-          </a:p>
-          <a:p>
-            <a:pPr marL="342900" indent="-342900">
-              <a:buFont typeface="Arial" charset="0"/>
-              <a:buChar char="•"/>
-            </a:pPr>
-            <a:r>
-              <a:rPr lang="en-US" sz="2000" dirty="0">
-                <a:solidFill>
-                  <a:srgbClr val="084429"/>
-                </a:solidFill>
-              </a:rPr>
-              <a:t>Forms and view tools for logging in users, or restricting content</a:t>
-            </a:r>
-          </a:p>
-          <a:p>
-            <a:pPr marL="342900" indent="-342900">
-              <a:buFont typeface="Arial" charset="0"/>
-              <a:buChar char="•"/>
-            </a:pPr>
-            <a:r>
-              <a:rPr lang="en-US" sz="2000" dirty="0">
-                <a:solidFill>
-                  <a:srgbClr val="084429"/>
-                </a:solidFill>
-              </a:rPr>
-              <a:t>A pluggable backend </a:t>
-            </a:r>
-            <a:r>
-              <a:rPr lang="en-US" sz="2000" dirty="0" smtClean="0">
-                <a:solidFill>
-                  <a:srgbClr val="084429"/>
-                </a:solidFill>
-              </a:rPr>
-              <a:t>system</a:t>
-            </a:r>
-          </a:p>
-          <a:p>
-            <a:endParaRPr lang="en-US" sz="2000" dirty="0" smtClean="0">
-              <a:solidFill>
-                <a:srgbClr val="084429"/>
-              </a:solidFill>
-            </a:endParaRPr>
-          </a:p>
-          <a:p>
-            <a:r>
-              <a:rPr lang="en-US" sz="2000" dirty="0" smtClean="0">
-                <a:solidFill>
-                  <a:srgbClr val="084429"/>
-                </a:solidFill>
-              </a:rPr>
-              <a:t>Authentication </a:t>
-            </a:r>
-            <a:r>
-              <a:rPr lang="en-US" sz="2000" dirty="0">
-                <a:solidFill>
-                  <a:srgbClr val="084429"/>
-                </a:solidFill>
-              </a:rPr>
-              <a:t>support is bundled as a Django </a:t>
-            </a:r>
-            <a:r>
-              <a:rPr lang="en-US" sz="2000" b="1" dirty="0" err="1">
-                <a:solidFill>
-                  <a:srgbClr val="084429"/>
-                </a:solidFill>
-              </a:rPr>
-              <a:t>contrib</a:t>
-            </a:r>
-            <a:r>
-              <a:rPr lang="en-US" sz="2000" dirty="0">
-                <a:solidFill>
-                  <a:srgbClr val="084429"/>
-                </a:solidFill>
-              </a:rPr>
-              <a:t> module in </a:t>
-            </a:r>
-            <a:r>
-              <a:rPr lang="en-US" sz="2000" b="1" dirty="0" err="1">
-                <a:solidFill>
-                  <a:srgbClr val="084429"/>
-                </a:solidFill>
-              </a:rPr>
-              <a:t>django.contrib.auth</a:t>
-            </a:r>
-            <a:r>
-              <a:rPr lang="en-US" sz="2000" dirty="0">
-                <a:solidFill>
-                  <a:srgbClr val="084429"/>
-                </a:solidFill>
-              </a:rPr>
-              <a:t>. By default, the required configuration is already included in </a:t>
-            </a:r>
-            <a:r>
-              <a:rPr lang="en-US" sz="2000" b="1" dirty="0" err="1" smtClean="0">
-                <a:solidFill>
-                  <a:srgbClr val="084429"/>
-                </a:solidFill>
-              </a:rPr>
-              <a:t>settings.py</a:t>
-            </a:r>
-            <a:r>
-              <a:rPr lang="en-US" sz="2000" dirty="0">
-                <a:solidFill>
-                  <a:srgbClr val="084429"/>
-                </a:solidFill>
-              </a:rPr>
-              <a:t>.</a:t>
-            </a:r>
-            <a:endParaRPr lang="en-US" sz="2000" dirty="0" smtClean="0">
-              <a:solidFill>
-                <a:srgbClr val="084429"/>
-              </a:solidFill>
-            </a:endParaRPr>
-          </a:p>
-        </p:txBody>
-      </p:sp>
-      <p:sp>
-        <p:nvSpPr>
-          <p:cNvPr id="6" name="Rectangle 5"/>
-          <p:cNvSpPr/>
-          <p:nvPr/>
-        </p:nvSpPr>
-        <p:spPr>
-          <a:xfrm>
-            <a:off x="949035" y="5716600"/>
-            <a:ext cx="5119222" cy="369332"/>
-          </a:xfrm>
-          <a:prstGeom prst="rect">
-            <a:avLst/>
-          </a:prstGeom>
-        </p:spPr>
-        <p:txBody>
-          <a:bodyPr wrap="none">
-            <a:spAutoFit/>
-          </a:bodyPr>
-          <a:lstStyle/>
-          <a:p>
-            <a:r>
-              <a:rPr lang="en-US" dirty="0"/>
-              <a:t>https://</a:t>
-            </a:r>
-            <a:r>
-              <a:rPr lang="en-US" dirty="0" err="1"/>
-              <a:t>docs.djangoproject.com</a:t>
-            </a:r>
-            <a:r>
-              <a:rPr lang="en-US" dirty="0"/>
-              <a:t>/</a:t>
-            </a:r>
-            <a:r>
-              <a:rPr lang="en-US" dirty="0" err="1"/>
-              <a:t>en</a:t>
-            </a:r>
-            <a:r>
-              <a:rPr lang="en-US" dirty="0"/>
-              <a:t>/2.2/topics/</a:t>
-            </a:r>
-            <a:r>
-              <a:rPr lang="en-US" dirty="0" err="1"/>
-              <a:t>auth</a:t>
-            </a:r>
-            <a:r>
-              <a:rPr lang="en-US" dirty="0"/>
-              <a:t>/</a:t>
-            </a:r>
-          </a:p>
-        </p:txBody>
-      </p:sp>
-    </p:spTree>
-    <p:extLst>
-      <p:ext uri="{BB962C8B-B14F-4D97-AF65-F5344CB8AC3E}">
-        <p14:creationId xmlns:p14="http://schemas.microsoft.com/office/powerpoint/2010/main" val="1105176643"/>
-      </p:ext>
-    </p:extLst>
-  </p:cSld>
-  <p:clrMapOvr>
-    <a:masterClrMapping/>
-  </p:clrMapOvr>
-</p:sld>
-</file>
-
-<file path=ppt/slides/slide20.xml><?xml version="1.0" encoding="utf-8"?>
-<p:sld xmlns:a="http://schemas.openxmlformats.org/drawingml/2006/main" xmlns:r="http://schemas.openxmlformats.org/officeDocument/2006/relationships" xmlns:p="http://schemas.openxmlformats.org/presentationml/2006/main">
-  <p:cSld>
-    <p:spTree>
-      <p:nvGrpSpPr>
-        <p:cNvPr id="1" name=""/>
-        <p:cNvGrpSpPr/>
-        <p:nvPr/>
-      </p:nvGrpSpPr>
-      <p:grpSpPr>
-        <a:xfrm>
-          <a:off x="0" y="0"/>
-          <a:ext cx="0" cy="0"/>
-          <a:chOff x="0" y="0"/>
-          <a:chExt cx="0" cy="0"/>
-        </a:xfrm>
-      </p:grpSpPr>
-      <p:sp>
-        <p:nvSpPr>
-          <p:cNvPr id="4" name="Title 3"/>
-          <p:cNvSpPr>
-            <a:spLocks noGrp="1"/>
-          </p:cNvSpPr>
-          <p:nvPr>
-            <p:ph type="title"/>
-          </p:nvPr>
-        </p:nvSpPr>
-        <p:spPr/>
-        <p:txBody>
-          <a:bodyPr/>
-          <a:lstStyle/>
-          <a:p>
-            <a:r>
               <a:rPr lang="en-US" dirty="0" smtClean="0"/>
               <a:t>Data for the logged in user</a:t>
             </a:r>
@@ -14165,2141 +14333,6 @@
     <p:extLst>
       <p:ext uri="{BB962C8B-B14F-4D97-AF65-F5344CB8AC3E}">
         <p14:creationId xmlns:p14="http://schemas.microsoft.com/office/powerpoint/2010/main" val="305503127"/>
-      </p:ext>
-    </p:extLst>
-  </p:cSld>
-  <p:clrMapOvr>
-    <a:masterClrMapping/>
-  </p:clrMapOvr>
-</p:sld>
-</file>
-
-<file path=ppt/slides/slide21.xml><?xml version="1.0" encoding="utf-8"?>
-<p:sld xmlns:a="http://schemas.openxmlformats.org/drawingml/2006/main" xmlns:r="http://schemas.openxmlformats.org/officeDocument/2006/relationships" xmlns:p="http://schemas.openxmlformats.org/presentationml/2006/main">
-  <p:cSld>
-    <p:spTree>
-      <p:nvGrpSpPr>
-        <p:cNvPr id="1" name=""/>
-        <p:cNvGrpSpPr/>
-        <p:nvPr/>
-      </p:nvGrpSpPr>
-      <p:grpSpPr>
-        <a:xfrm>
-          <a:off x="0" y="0"/>
-          <a:ext cx="0" cy="0"/>
-          <a:chOff x="0" y="0"/>
-          <a:chExt cx="0" cy="0"/>
-        </a:xfrm>
-      </p:grpSpPr>
-      <p:sp>
-        <p:nvSpPr>
-          <p:cNvPr id="2" name="Title 1"/>
-          <p:cNvSpPr>
-            <a:spLocks noGrp="1"/>
-          </p:cNvSpPr>
-          <p:nvPr>
-            <p:ph type="title"/>
-          </p:nvPr>
-        </p:nvSpPr>
-        <p:spPr>
-          <a:xfrm>
-            <a:off x="838200" y="675025"/>
-            <a:ext cx="6010072" cy="1325563"/>
-          </a:xfrm>
-        </p:spPr>
-        <p:txBody>
-          <a:bodyPr/>
-          <a:lstStyle/>
-          <a:p>
-            <a:r>
-              <a:rPr lang="en-US" smtClean="0"/>
-              <a:t>Accessing user </a:t>
-            </a:r>
-            <a:r>
-              <a:rPr lang="en-US" dirty="0" smtClean="0"/>
-              <a:t>data in Python</a:t>
-            </a:r>
-            <a:endParaRPr lang="en-US" dirty="0"/>
-          </a:p>
-        </p:txBody>
-      </p:sp>
-      <p:sp>
-        <p:nvSpPr>
-          <p:cNvPr id="4" name="Rectangle 3"/>
-          <p:cNvSpPr/>
-          <p:nvPr/>
-        </p:nvSpPr>
-        <p:spPr>
-          <a:xfrm>
-            <a:off x="838200" y="2870838"/>
-            <a:ext cx="8383621" cy="3323987"/>
-          </a:xfrm>
-          <a:prstGeom prst="rect">
-            <a:avLst/>
-          </a:prstGeom>
-          <a:solidFill>
-            <a:schemeClr val="tx1"/>
-          </a:solidFill>
-        </p:spPr>
-        <p:txBody>
-          <a:bodyPr wrap="square">
-            <a:spAutoFit/>
-          </a:bodyPr>
-          <a:lstStyle/>
-          <a:p>
-            <a:r>
-              <a:rPr lang="en-US" sz="1400" dirty="0" smtClean="0">
-                <a:solidFill>
-                  <a:srgbClr val="C1651C"/>
-                </a:solidFill>
-                <a:latin typeface="Courier" charset="0"/>
-                <a:ea typeface="Courier" charset="0"/>
-                <a:cs typeface="Courier" charset="0"/>
-              </a:rPr>
-              <a:t>class</a:t>
-            </a:r>
-            <a:r>
-              <a:rPr lang="en-US" sz="1400" dirty="0" smtClean="0">
-                <a:solidFill>
-                  <a:srgbClr val="000000"/>
-                </a:solidFill>
-                <a:latin typeface="Courier" charset="0"/>
-                <a:ea typeface="Courier" charset="0"/>
-                <a:cs typeface="Courier" charset="0"/>
-              </a:rPr>
-              <a:t> </a:t>
-            </a:r>
-            <a:r>
-              <a:rPr lang="en-US" sz="1400" dirty="0" err="1" smtClean="0">
-                <a:solidFill>
-                  <a:srgbClr val="2EAEBB"/>
-                </a:solidFill>
-                <a:latin typeface="Courier" charset="0"/>
-                <a:ea typeface="Courier" charset="0"/>
-                <a:cs typeface="Courier" charset="0"/>
-              </a:rPr>
-              <a:t>DumpPython</a:t>
-            </a:r>
-            <a:r>
-              <a:rPr lang="en-US" sz="1400" dirty="0" smtClean="0">
-                <a:solidFill>
-                  <a:srgbClr val="000000"/>
-                </a:solidFill>
-                <a:latin typeface="Courier" charset="0"/>
-                <a:ea typeface="Courier" charset="0"/>
-                <a:cs typeface="Courier" charset="0"/>
-              </a:rPr>
-              <a:t>(View) :</a:t>
-            </a:r>
-          </a:p>
-          <a:p>
-            <a:r>
-              <a:rPr lang="en-US" sz="1400" dirty="0" smtClean="0">
-                <a:solidFill>
-                  <a:srgbClr val="000000"/>
-                </a:solidFill>
-                <a:latin typeface="Courier" charset="0"/>
-                <a:ea typeface="Courier" charset="0"/>
-                <a:cs typeface="Courier" charset="0"/>
-              </a:rPr>
-              <a:t>    </a:t>
-            </a:r>
-            <a:r>
-              <a:rPr lang="en-US" sz="1400" dirty="0" err="1" smtClean="0">
-                <a:solidFill>
-                  <a:srgbClr val="C1651C"/>
-                </a:solidFill>
-                <a:latin typeface="Courier" charset="0"/>
-                <a:ea typeface="Courier" charset="0"/>
-                <a:cs typeface="Courier" charset="0"/>
-              </a:rPr>
-              <a:t>def</a:t>
-            </a:r>
-            <a:r>
-              <a:rPr lang="en-US" sz="1400" dirty="0" smtClean="0">
-                <a:solidFill>
-                  <a:srgbClr val="000000"/>
-                </a:solidFill>
-                <a:latin typeface="Courier" charset="0"/>
-                <a:ea typeface="Courier" charset="0"/>
-                <a:cs typeface="Courier" charset="0"/>
-              </a:rPr>
-              <a:t> </a:t>
-            </a:r>
-            <a:r>
-              <a:rPr lang="en-US" sz="1400" dirty="0" smtClean="0">
-                <a:solidFill>
-                  <a:srgbClr val="2EAEBB"/>
-                </a:solidFill>
-                <a:latin typeface="Courier" charset="0"/>
-                <a:ea typeface="Courier" charset="0"/>
-                <a:cs typeface="Courier" charset="0"/>
-              </a:rPr>
-              <a:t>get</a:t>
-            </a:r>
-            <a:r>
-              <a:rPr lang="en-US" sz="1400" dirty="0" smtClean="0">
-                <a:solidFill>
-                  <a:srgbClr val="000000"/>
-                </a:solidFill>
-                <a:latin typeface="Courier" charset="0"/>
-                <a:ea typeface="Courier" charset="0"/>
-                <a:cs typeface="Courier" charset="0"/>
-              </a:rPr>
-              <a:t>(self, </a:t>
-            </a:r>
-            <a:r>
-              <a:rPr lang="en-US" sz="1400" dirty="0" err="1" smtClean="0">
-                <a:solidFill>
-                  <a:srgbClr val="000000"/>
-                </a:solidFill>
-                <a:latin typeface="Courier" charset="0"/>
-                <a:ea typeface="Courier" charset="0"/>
-                <a:cs typeface="Courier" charset="0"/>
-              </a:rPr>
-              <a:t>req</a:t>
-            </a:r>
-            <a:r>
-              <a:rPr lang="en-US" sz="1400" dirty="0" smtClean="0">
-                <a:solidFill>
-                  <a:srgbClr val="000000"/>
-                </a:solidFill>
-                <a:latin typeface="Courier" charset="0"/>
-                <a:ea typeface="Courier" charset="0"/>
-                <a:cs typeface="Courier" charset="0"/>
-              </a:rPr>
-              <a:t>):</a:t>
-            </a:r>
-          </a:p>
-          <a:p>
-            <a:r>
-              <a:rPr lang="en-US" sz="1400" dirty="0" smtClean="0">
-                <a:solidFill>
-                  <a:srgbClr val="000000"/>
-                </a:solidFill>
-                <a:latin typeface="Courier" charset="0"/>
-                <a:ea typeface="Courier" charset="0"/>
-                <a:cs typeface="Courier" charset="0"/>
-              </a:rPr>
-              <a:t>        </a:t>
-            </a:r>
-            <a:r>
-              <a:rPr lang="en-US" sz="1400" dirty="0" err="1" smtClean="0">
-                <a:solidFill>
-                  <a:srgbClr val="000000"/>
-                </a:solidFill>
-                <a:latin typeface="Courier" charset="0"/>
-                <a:ea typeface="Courier" charset="0"/>
-                <a:cs typeface="Courier" charset="0"/>
-              </a:rPr>
-              <a:t>resp</a:t>
-            </a:r>
-            <a:r>
-              <a:rPr lang="en-US" sz="1400" dirty="0" smtClean="0">
-                <a:solidFill>
-                  <a:srgbClr val="000000"/>
-                </a:solidFill>
-                <a:latin typeface="Courier" charset="0"/>
-                <a:ea typeface="Courier" charset="0"/>
-                <a:cs typeface="Courier" charset="0"/>
-              </a:rPr>
-              <a:t> = </a:t>
-            </a:r>
-            <a:r>
-              <a:rPr lang="en-US" sz="1400" dirty="0" smtClean="0">
-                <a:solidFill>
-                  <a:srgbClr val="B42419"/>
-                </a:solidFill>
-                <a:latin typeface="Courier" charset="0"/>
-                <a:ea typeface="Courier" charset="0"/>
-                <a:cs typeface="Courier" charset="0"/>
-              </a:rPr>
-              <a:t>"&lt;pre&gt;</a:t>
-            </a:r>
-            <a:r>
-              <a:rPr lang="en-US" sz="1400" dirty="0" smtClean="0">
-                <a:solidFill>
-                  <a:srgbClr val="C814C9"/>
-                </a:solidFill>
-                <a:latin typeface="Courier" charset="0"/>
-                <a:ea typeface="Courier" charset="0"/>
-                <a:cs typeface="Courier" charset="0"/>
-              </a:rPr>
-              <a:t>\</a:t>
-            </a:r>
-            <a:r>
-              <a:rPr lang="en-US" sz="1400" dirty="0" err="1" smtClean="0">
-                <a:solidFill>
-                  <a:srgbClr val="C814C9"/>
-                </a:solidFill>
-                <a:latin typeface="Courier" charset="0"/>
-                <a:ea typeface="Courier" charset="0"/>
-                <a:cs typeface="Courier" charset="0"/>
-              </a:rPr>
-              <a:t>n</a:t>
-            </a:r>
-            <a:r>
-              <a:rPr lang="en-US" sz="1400" dirty="0" err="1" smtClean="0">
-                <a:solidFill>
-                  <a:srgbClr val="B42419"/>
-                </a:solidFill>
-                <a:latin typeface="Courier" charset="0"/>
-                <a:ea typeface="Courier" charset="0"/>
-                <a:cs typeface="Courier" charset="0"/>
-              </a:rPr>
-              <a:t>User</a:t>
-            </a:r>
-            <a:r>
-              <a:rPr lang="en-US" sz="1400" dirty="0" smtClean="0">
-                <a:solidFill>
-                  <a:srgbClr val="B42419"/>
-                </a:solidFill>
-                <a:latin typeface="Courier" charset="0"/>
-                <a:ea typeface="Courier" charset="0"/>
-                <a:cs typeface="Courier" charset="0"/>
-              </a:rPr>
-              <a:t> Data in Python:</a:t>
-            </a:r>
-            <a:r>
-              <a:rPr lang="en-US" sz="1400" dirty="0" smtClean="0">
-                <a:solidFill>
-                  <a:srgbClr val="C814C9"/>
-                </a:solidFill>
-                <a:latin typeface="Courier" charset="0"/>
-                <a:ea typeface="Courier" charset="0"/>
-                <a:cs typeface="Courier" charset="0"/>
-              </a:rPr>
-              <a:t>\n\n</a:t>
-            </a:r>
-            <a:r>
-              <a:rPr lang="en-US" sz="1400" dirty="0" smtClean="0">
-                <a:solidFill>
-                  <a:srgbClr val="B42419"/>
-                </a:solidFill>
-                <a:latin typeface="Courier" charset="0"/>
-                <a:ea typeface="Courier" charset="0"/>
-                <a:cs typeface="Courier" charset="0"/>
-              </a:rPr>
-              <a:t>"</a:t>
-            </a:r>
-            <a:endParaRPr lang="en-US" sz="1400" dirty="0" smtClean="0">
-              <a:solidFill>
-                <a:srgbClr val="000000"/>
-              </a:solidFill>
-              <a:latin typeface="Courier" charset="0"/>
-              <a:ea typeface="Courier" charset="0"/>
-              <a:cs typeface="Courier" charset="0"/>
-            </a:endParaRPr>
-          </a:p>
-          <a:p>
-            <a:r>
-              <a:rPr lang="mr-IN" sz="1400" dirty="0" smtClean="0">
-                <a:solidFill>
-                  <a:srgbClr val="000000"/>
-                </a:solidFill>
-                <a:latin typeface="Courier" charset="0"/>
-                <a:ea typeface="Courier" charset="0"/>
-                <a:cs typeface="Courier" charset="0"/>
-              </a:rPr>
-              <a:t>        </a:t>
-            </a:r>
-            <a:r>
-              <a:rPr lang="mr-IN" sz="1400" dirty="0" err="1" smtClean="0">
-                <a:solidFill>
-                  <a:srgbClr val="000000"/>
-                </a:solidFill>
-                <a:latin typeface="Courier" charset="0"/>
-                <a:ea typeface="Courier" charset="0"/>
-                <a:cs typeface="Courier" charset="0"/>
-              </a:rPr>
-              <a:t>resp</a:t>
-            </a:r>
-            <a:r>
-              <a:rPr lang="mr-IN" sz="1400" dirty="0" smtClean="0">
-                <a:solidFill>
-                  <a:srgbClr val="000000"/>
-                </a:solidFill>
-                <a:latin typeface="Courier" charset="0"/>
-                <a:ea typeface="Courier" charset="0"/>
-                <a:cs typeface="Courier" charset="0"/>
-              </a:rPr>
-              <a:t> += </a:t>
-            </a:r>
-            <a:r>
-              <a:rPr lang="mr-IN" sz="1400" dirty="0" smtClean="0">
-                <a:solidFill>
-                  <a:srgbClr val="B42419"/>
-                </a:solidFill>
-                <a:latin typeface="Courier" charset="0"/>
-                <a:ea typeface="Courier" charset="0"/>
-                <a:cs typeface="Courier" charset="0"/>
-              </a:rPr>
-              <a:t>"</a:t>
-            </a:r>
-            <a:r>
-              <a:rPr lang="mr-IN" sz="1400" dirty="0" err="1" smtClean="0">
-                <a:solidFill>
-                  <a:srgbClr val="B42419"/>
-                </a:solidFill>
-                <a:latin typeface="Courier" charset="0"/>
-                <a:ea typeface="Courier" charset="0"/>
-                <a:cs typeface="Courier" charset="0"/>
-              </a:rPr>
-              <a:t>Login</a:t>
-            </a:r>
-            <a:r>
-              <a:rPr lang="mr-IN" sz="1400" dirty="0" smtClean="0">
-                <a:solidFill>
-                  <a:srgbClr val="B42419"/>
-                </a:solidFill>
-                <a:latin typeface="Courier" charset="0"/>
-                <a:ea typeface="Courier" charset="0"/>
-                <a:cs typeface="Courier" charset="0"/>
-              </a:rPr>
-              <a:t> </a:t>
-            </a:r>
-            <a:r>
-              <a:rPr lang="mr-IN" sz="1400" dirty="0" err="1" smtClean="0">
-                <a:solidFill>
-                  <a:srgbClr val="B42419"/>
-                </a:solidFill>
-                <a:latin typeface="Courier" charset="0"/>
-                <a:ea typeface="Courier" charset="0"/>
-                <a:cs typeface="Courier" charset="0"/>
-              </a:rPr>
-              <a:t>url</a:t>
-            </a:r>
-            <a:r>
-              <a:rPr lang="mr-IN" sz="1400" dirty="0" smtClean="0">
-                <a:solidFill>
-                  <a:srgbClr val="B42419"/>
-                </a:solidFill>
-                <a:latin typeface="Courier" charset="0"/>
-                <a:ea typeface="Courier" charset="0"/>
-                <a:cs typeface="Courier" charset="0"/>
-              </a:rPr>
-              <a:t>: "</a:t>
-            </a:r>
-            <a:r>
-              <a:rPr lang="mr-IN" sz="1400" dirty="0" smtClean="0">
-                <a:solidFill>
-                  <a:srgbClr val="000000"/>
-                </a:solidFill>
-                <a:latin typeface="Courier" charset="0"/>
-                <a:ea typeface="Courier" charset="0"/>
-                <a:cs typeface="Courier" charset="0"/>
-              </a:rPr>
-              <a:t> + </a:t>
-            </a:r>
-            <a:r>
-              <a:rPr lang="mr-IN" sz="1400" dirty="0" err="1" smtClean="0">
-                <a:solidFill>
-                  <a:srgbClr val="000000"/>
-                </a:solidFill>
-                <a:latin typeface="Courier" charset="0"/>
-                <a:ea typeface="Courier" charset="0"/>
-                <a:cs typeface="Courier" charset="0"/>
-              </a:rPr>
-              <a:t>reverse</a:t>
-            </a:r>
-            <a:r>
-              <a:rPr lang="mr-IN" sz="1400" dirty="0" smtClean="0">
-                <a:solidFill>
-                  <a:srgbClr val="000000"/>
-                </a:solidFill>
-                <a:latin typeface="Courier" charset="0"/>
-                <a:ea typeface="Courier" charset="0"/>
-                <a:cs typeface="Courier" charset="0"/>
-              </a:rPr>
-              <a:t>(</a:t>
-            </a:r>
-            <a:r>
-              <a:rPr lang="mr-IN" sz="1400" dirty="0" smtClean="0">
-                <a:solidFill>
-                  <a:srgbClr val="B42419"/>
-                </a:solidFill>
-                <a:latin typeface="Courier" charset="0"/>
-                <a:ea typeface="Courier" charset="0"/>
-                <a:cs typeface="Courier" charset="0"/>
-              </a:rPr>
-              <a:t>'</a:t>
-            </a:r>
-            <a:r>
-              <a:rPr lang="mr-IN" sz="1400" dirty="0" err="1" smtClean="0">
-                <a:solidFill>
-                  <a:srgbClr val="B42419"/>
-                </a:solidFill>
-                <a:latin typeface="Courier" charset="0"/>
-                <a:ea typeface="Courier" charset="0"/>
-                <a:cs typeface="Courier" charset="0"/>
-              </a:rPr>
-              <a:t>login</a:t>
-            </a:r>
-            <a:r>
-              <a:rPr lang="mr-IN" sz="1400" dirty="0" smtClean="0">
-                <a:solidFill>
-                  <a:srgbClr val="B42419"/>
-                </a:solidFill>
-                <a:latin typeface="Courier" charset="0"/>
-                <a:ea typeface="Courier" charset="0"/>
-                <a:cs typeface="Courier" charset="0"/>
-              </a:rPr>
-              <a:t>'</a:t>
-            </a:r>
-            <a:r>
-              <a:rPr lang="mr-IN" sz="1400" dirty="0" smtClean="0">
-                <a:solidFill>
-                  <a:srgbClr val="000000"/>
-                </a:solidFill>
-                <a:latin typeface="Courier" charset="0"/>
-                <a:ea typeface="Courier" charset="0"/>
-                <a:cs typeface="Courier" charset="0"/>
-              </a:rPr>
-              <a:t>) + </a:t>
-            </a:r>
-            <a:r>
-              <a:rPr lang="mr-IN" sz="1400" dirty="0" smtClean="0">
-                <a:solidFill>
-                  <a:srgbClr val="B42419"/>
-                </a:solidFill>
-                <a:latin typeface="Courier" charset="0"/>
-                <a:ea typeface="Courier" charset="0"/>
-                <a:cs typeface="Courier" charset="0"/>
-              </a:rPr>
-              <a:t>"</a:t>
-            </a:r>
-            <a:r>
-              <a:rPr lang="mr-IN" sz="1400" dirty="0" smtClean="0">
-                <a:solidFill>
-                  <a:srgbClr val="C814C9"/>
-                </a:solidFill>
-                <a:latin typeface="Courier" charset="0"/>
-                <a:ea typeface="Courier" charset="0"/>
-                <a:cs typeface="Courier" charset="0"/>
-              </a:rPr>
-              <a:t>\</a:t>
-            </a:r>
-            <a:r>
-              <a:rPr lang="mr-IN" sz="1400" dirty="0" err="1" smtClean="0">
-                <a:solidFill>
-                  <a:srgbClr val="C814C9"/>
-                </a:solidFill>
-                <a:latin typeface="Courier" charset="0"/>
-                <a:ea typeface="Courier" charset="0"/>
-                <a:cs typeface="Courier" charset="0"/>
-              </a:rPr>
-              <a:t>n</a:t>
-            </a:r>
-            <a:r>
-              <a:rPr lang="mr-IN" sz="1400" dirty="0" smtClean="0">
-                <a:solidFill>
-                  <a:srgbClr val="B42419"/>
-                </a:solidFill>
-                <a:latin typeface="Courier" charset="0"/>
-                <a:ea typeface="Courier" charset="0"/>
-                <a:cs typeface="Courier" charset="0"/>
-              </a:rPr>
-              <a:t>"</a:t>
-            </a:r>
-            <a:endParaRPr lang="mr-IN" sz="1400" dirty="0" smtClean="0">
-              <a:solidFill>
-                <a:srgbClr val="000000"/>
-              </a:solidFill>
-              <a:latin typeface="Courier" charset="0"/>
-              <a:ea typeface="Courier" charset="0"/>
-              <a:cs typeface="Courier" charset="0"/>
-            </a:endParaRPr>
-          </a:p>
-          <a:p>
-            <a:r>
-              <a:rPr lang="mr-IN" sz="1400" dirty="0" smtClean="0">
-                <a:solidFill>
-                  <a:srgbClr val="000000"/>
-                </a:solidFill>
-                <a:latin typeface="Courier" charset="0"/>
-                <a:ea typeface="Courier" charset="0"/>
-                <a:cs typeface="Courier" charset="0"/>
-              </a:rPr>
-              <a:t>        </a:t>
-            </a:r>
-            <a:r>
-              <a:rPr lang="mr-IN" sz="1400" dirty="0" err="1" smtClean="0">
-                <a:solidFill>
-                  <a:srgbClr val="000000"/>
-                </a:solidFill>
-                <a:latin typeface="Courier" charset="0"/>
-                <a:ea typeface="Courier" charset="0"/>
-                <a:cs typeface="Courier" charset="0"/>
-              </a:rPr>
-              <a:t>resp</a:t>
-            </a:r>
-            <a:r>
-              <a:rPr lang="mr-IN" sz="1400" dirty="0" smtClean="0">
-                <a:solidFill>
-                  <a:srgbClr val="000000"/>
-                </a:solidFill>
-                <a:latin typeface="Courier" charset="0"/>
-                <a:ea typeface="Courier" charset="0"/>
-                <a:cs typeface="Courier" charset="0"/>
-              </a:rPr>
-              <a:t> += </a:t>
-            </a:r>
-            <a:r>
-              <a:rPr lang="mr-IN" sz="1400" dirty="0" smtClean="0">
-                <a:solidFill>
-                  <a:srgbClr val="B42419"/>
-                </a:solidFill>
-                <a:latin typeface="Courier" charset="0"/>
-                <a:ea typeface="Courier" charset="0"/>
-                <a:cs typeface="Courier" charset="0"/>
-              </a:rPr>
-              <a:t>"</a:t>
-            </a:r>
-            <a:r>
-              <a:rPr lang="mr-IN" sz="1400" dirty="0" err="1" smtClean="0">
-                <a:solidFill>
-                  <a:srgbClr val="B42419"/>
-                </a:solidFill>
-                <a:latin typeface="Courier" charset="0"/>
-                <a:ea typeface="Courier" charset="0"/>
-                <a:cs typeface="Courier" charset="0"/>
-              </a:rPr>
-              <a:t>Logout</a:t>
-            </a:r>
-            <a:r>
-              <a:rPr lang="mr-IN" sz="1400" dirty="0" smtClean="0">
-                <a:solidFill>
-                  <a:srgbClr val="B42419"/>
-                </a:solidFill>
-                <a:latin typeface="Courier" charset="0"/>
-                <a:ea typeface="Courier" charset="0"/>
-                <a:cs typeface="Courier" charset="0"/>
-              </a:rPr>
-              <a:t> </a:t>
-            </a:r>
-            <a:r>
-              <a:rPr lang="mr-IN" sz="1400" dirty="0" err="1" smtClean="0">
-                <a:solidFill>
-                  <a:srgbClr val="B42419"/>
-                </a:solidFill>
-                <a:latin typeface="Courier" charset="0"/>
-                <a:ea typeface="Courier" charset="0"/>
-                <a:cs typeface="Courier" charset="0"/>
-              </a:rPr>
-              <a:t>url</a:t>
-            </a:r>
-            <a:r>
-              <a:rPr lang="mr-IN" sz="1400" dirty="0" smtClean="0">
-                <a:solidFill>
-                  <a:srgbClr val="B42419"/>
-                </a:solidFill>
-                <a:latin typeface="Courier" charset="0"/>
-                <a:ea typeface="Courier" charset="0"/>
-                <a:cs typeface="Courier" charset="0"/>
-              </a:rPr>
-              <a:t>: "</a:t>
-            </a:r>
-            <a:r>
-              <a:rPr lang="mr-IN" sz="1400" dirty="0" smtClean="0">
-                <a:solidFill>
-                  <a:srgbClr val="000000"/>
-                </a:solidFill>
-                <a:latin typeface="Courier" charset="0"/>
-                <a:ea typeface="Courier" charset="0"/>
-                <a:cs typeface="Courier" charset="0"/>
-              </a:rPr>
-              <a:t> + </a:t>
-            </a:r>
-            <a:r>
-              <a:rPr lang="mr-IN" sz="1400" dirty="0" err="1" smtClean="0">
-                <a:solidFill>
-                  <a:srgbClr val="000000"/>
-                </a:solidFill>
-                <a:latin typeface="Courier" charset="0"/>
-                <a:ea typeface="Courier" charset="0"/>
-                <a:cs typeface="Courier" charset="0"/>
-              </a:rPr>
-              <a:t>reverse</a:t>
-            </a:r>
-            <a:r>
-              <a:rPr lang="mr-IN" sz="1400" dirty="0" smtClean="0">
-                <a:solidFill>
-                  <a:srgbClr val="000000"/>
-                </a:solidFill>
-                <a:latin typeface="Courier" charset="0"/>
-                <a:ea typeface="Courier" charset="0"/>
-                <a:cs typeface="Courier" charset="0"/>
-              </a:rPr>
-              <a:t>(</a:t>
-            </a:r>
-            <a:r>
-              <a:rPr lang="mr-IN" sz="1400" dirty="0" smtClean="0">
-                <a:solidFill>
-                  <a:srgbClr val="B42419"/>
-                </a:solidFill>
-                <a:latin typeface="Courier" charset="0"/>
-                <a:ea typeface="Courier" charset="0"/>
-                <a:cs typeface="Courier" charset="0"/>
-              </a:rPr>
-              <a:t>'</a:t>
-            </a:r>
-            <a:r>
-              <a:rPr lang="mr-IN" sz="1400" dirty="0" err="1" smtClean="0">
-                <a:solidFill>
-                  <a:srgbClr val="B42419"/>
-                </a:solidFill>
-                <a:latin typeface="Courier" charset="0"/>
-                <a:ea typeface="Courier" charset="0"/>
-                <a:cs typeface="Courier" charset="0"/>
-              </a:rPr>
-              <a:t>logout</a:t>
-            </a:r>
-            <a:r>
-              <a:rPr lang="mr-IN" sz="1400" dirty="0" smtClean="0">
-                <a:solidFill>
-                  <a:srgbClr val="B42419"/>
-                </a:solidFill>
-                <a:latin typeface="Courier" charset="0"/>
-                <a:ea typeface="Courier" charset="0"/>
-                <a:cs typeface="Courier" charset="0"/>
-              </a:rPr>
-              <a:t>'</a:t>
-            </a:r>
-            <a:r>
-              <a:rPr lang="mr-IN" sz="1400" dirty="0" smtClean="0">
-                <a:solidFill>
-                  <a:srgbClr val="000000"/>
-                </a:solidFill>
-                <a:latin typeface="Courier" charset="0"/>
-                <a:ea typeface="Courier" charset="0"/>
-                <a:cs typeface="Courier" charset="0"/>
-              </a:rPr>
-              <a:t>) + </a:t>
-            </a:r>
-            <a:r>
-              <a:rPr lang="mr-IN" sz="1400" dirty="0" smtClean="0">
-                <a:solidFill>
-                  <a:srgbClr val="B42419"/>
-                </a:solidFill>
-                <a:latin typeface="Courier" charset="0"/>
-                <a:ea typeface="Courier" charset="0"/>
-                <a:cs typeface="Courier" charset="0"/>
-              </a:rPr>
-              <a:t>"</a:t>
-            </a:r>
-            <a:r>
-              <a:rPr lang="mr-IN" sz="1400" dirty="0" smtClean="0">
-                <a:solidFill>
-                  <a:srgbClr val="C814C9"/>
-                </a:solidFill>
-                <a:latin typeface="Courier" charset="0"/>
-                <a:ea typeface="Courier" charset="0"/>
-                <a:cs typeface="Courier" charset="0"/>
-              </a:rPr>
-              <a:t>\</a:t>
-            </a:r>
-            <a:r>
-              <a:rPr lang="mr-IN" sz="1400" dirty="0" err="1" smtClean="0">
-                <a:solidFill>
-                  <a:srgbClr val="C814C9"/>
-                </a:solidFill>
-                <a:latin typeface="Courier" charset="0"/>
-                <a:ea typeface="Courier" charset="0"/>
-                <a:cs typeface="Courier" charset="0"/>
-              </a:rPr>
-              <a:t>n</a:t>
-            </a:r>
-            <a:r>
-              <a:rPr lang="mr-IN" sz="1400" dirty="0" smtClean="0">
-                <a:solidFill>
-                  <a:srgbClr val="C814C9"/>
-                </a:solidFill>
-                <a:latin typeface="Courier" charset="0"/>
-                <a:ea typeface="Courier" charset="0"/>
-                <a:cs typeface="Courier" charset="0"/>
-              </a:rPr>
-              <a:t>\</a:t>
-            </a:r>
-            <a:r>
-              <a:rPr lang="mr-IN" sz="1400" dirty="0" err="1" smtClean="0">
-                <a:solidFill>
-                  <a:srgbClr val="C814C9"/>
-                </a:solidFill>
-                <a:latin typeface="Courier" charset="0"/>
-                <a:ea typeface="Courier" charset="0"/>
-                <a:cs typeface="Courier" charset="0"/>
-              </a:rPr>
-              <a:t>n</a:t>
-            </a:r>
-            <a:r>
-              <a:rPr lang="mr-IN" sz="1400" dirty="0" smtClean="0">
-                <a:solidFill>
-                  <a:srgbClr val="B42419"/>
-                </a:solidFill>
-                <a:latin typeface="Courier" charset="0"/>
-                <a:ea typeface="Courier" charset="0"/>
-                <a:cs typeface="Courier" charset="0"/>
-              </a:rPr>
-              <a:t>"</a:t>
-            </a:r>
-            <a:endParaRPr lang="mr-IN" sz="1400" dirty="0" smtClean="0">
-              <a:solidFill>
-                <a:srgbClr val="000000"/>
-              </a:solidFill>
-              <a:latin typeface="Courier" charset="0"/>
-              <a:ea typeface="Courier" charset="0"/>
-              <a:cs typeface="Courier" charset="0"/>
-            </a:endParaRPr>
-          </a:p>
-          <a:p>
-            <a:r>
-              <a:rPr lang="en-US" sz="1400" dirty="0" smtClean="0">
-                <a:solidFill>
-                  <a:srgbClr val="000000"/>
-                </a:solidFill>
-                <a:latin typeface="Courier" charset="0"/>
-                <a:ea typeface="Courier" charset="0"/>
-                <a:cs typeface="Courier" charset="0"/>
-              </a:rPr>
-              <a:t>        </a:t>
-            </a:r>
-            <a:r>
-              <a:rPr lang="en-US" sz="1400" dirty="0" smtClean="0">
-                <a:solidFill>
-                  <a:srgbClr val="C1651C"/>
-                </a:solidFill>
-                <a:latin typeface="Courier" charset="0"/>
-                <a:ea typeface="Courier" charset="0"/>
-                <a:cs typeface="Courier" charset="0"/>
-              </a:rPr>
-              <a:t>if</a:t>
-            </a:r>
-            <a:r>
-              <a:rPr lang="en-US" sz="1400" dirty="0" smtClean="0">
-                <a:solidFill>
-                  <a:srgbClr val="000000"/>
-                </a:solidFill>
-                <a:latin typeface="Courier" charset="0"/>
-                <a:ea typeface="Courier" charset="0"/>
-                <a:cs typeface="Courier" charset="0"/>
-              </a:rPr>
-              <a:t> </a:t>
-            </a:r>
-            <a:r>
-              <a:rPr lang="en-US" sz="1400" dirty="0" err="1" smtClean="0">
-                <a:solidFill>
-                  <a:srgbClr val="000000"/>
-                </a:solidFill>
-                <a:latin typeface="Courier" charset="0"/>
-                <a:ea typeface="Courier" charset="0"/>
-                <a:cs typeface="Courier" charset="0"/>
-              </a:rPr>
-              <a:t>req.user.is_authenticated</a:t>
-            </a:r>
-            <a:r>
-              <a:rPr lang="en-US" sz="1400" dirty="0" smtClean="0">
-                <a:solidFill>
-                  <a:srgbClr val="000000"/>
-                </a:solidFill>
-                <a:latin typeface="Courier" charset="0"/>
-                <a:ea typeface="Courier" charset="0"/>
-                <a:cs typeface="Courier" charset="0"/>
-              </a:rPr>
-              <a:t>:</a:t>
-            </a:r>
-          </a:p>
-          <a:p>
-            <a:r>
-              <a:rPr lang="mr-IN" sz="1400" dirty="0" smtClean="0">
-                <a:solidFill>
-                  <a:srgbClr val="000000"/>
-                </a:solidFill>
-                <a:latin typeface="Courier" charset="0"/>
-                <a:ea typeface="Courier" charset="0"/>
-                <a:cs typeface="Courier" charset="0"/>
-              </a:rPr>
-              <a:t>            </a:t>
-            </a:r>
-            <a:r>
-              <a:rPr lang="mr-IN" sz="1400" dirty="0" err="1" smtClean="0">
-                <a:solidFill>
-                  <a:srgbClr val="000000"/>
-                </a:solidFill>
-                <a:latin typeface="Courier" charset="0"/>
-                <a:ea typeface="Courier" charset="0"/>
-                <a:cs typeface="Courier" charset="0"/>
-              </a:rPr>
-              <a:t>resp</a:t>
-            </a:r>
-            <a:r>
-              <a:rPr lang="mr-IN" sz="1400" dirty="0" smtClean="0">
-                <a:solidFill>
-                  <a:srgbClr val="000000"/>
-                </a:solidFill>
-                <a:latin typeface="Courier" charset="0"/>
-                <a:ea typeface="Courier" charset="0"/>
-                <a:cs typeface="Courier" charset="0"/>
-              </a:rPr>
-              <a:t> += </a:t>
-            </a:r>
-            <a:r>
-              <a:rPr lang="mr-IN" sz="1400" dirty="0" smtClean="0">
-                <a:solidFill>
-                  <a:srgbClr val="B42419"/>
-                </a:solidFill>
-                <a:latin typeface="Courier" charset="0"/>
-                <a:ea typeface="Courier" charset="0"/>
-                <a:cs typeface="Courier" charset="0"/>
-              </a:rPr>
-              <a:t>"</a:t>
-            </a:r>
-            <a:r>
-              <a:rPr lang="mr-IN" sz="1400" dirty="0" err="1" smtClean="0">
-                <a:solidFill>
-                  <a:srgbClr val="B42419"/>
-                </a:solidFill>
-                <a:latin typeface="Courier" charset="0"/>
-                <a:ea typeface="Courier" charset="0"/>
-                <a:cs typeface="Courier" charset="0"/>
-              </a:rPr>
-              <a:t>User</a:t>
-            </a:r>
-            <a:r>
-              <a:rPr lang="mr-IN" sz="1400" dirty="0" smtClean="0">
-                <a:solidFill>
-                  <a:srgbClr val="B42419"/>
-                </a:solidFill>
-                <a:latin typeface="Courier" charset="0"/>
-                <a:ea typeface="Courier" charset="0"/>
-                <a:cs typeface="Courier" charset="0"/>
-              </a:rPr>
-              <a:t>: "</a:t>
-            </a:r>
-            <a:r>
-              <a:rPr lang="mr-IN" sz="1400" dirty="0" smtClean="0">
-                <a:solidFill>
-                  <a:srgbClr val="000000"/>
-                </a:solidFill>
-                <a:latin typeface="Courier" charset="0"/>
-                <a:ea typeface="Courier" charset="0"/>
-                <a:cs typeface="Courier" charset="0"/>
-              </a:rPr>
-              <a:t> + </a:t>
-            </a:r>
-            <a:r>
-              <a:rPr lang="mr-IN" sz="1400" dirty="0" err="1" smtClean="0">
-                <a:solidFill>
-                  <a:srgbClr val="000000"/>
-                </a:solidFill>
-                <a:latin typeface="Courier" charset="0"/>
-                <a:ea typeface="Courier" charset="0"/>
-                <a:cs typeface="Courier" charset="0"/>
-              </a:rPr>
-              <a:t>req.user.username</a:t>
-            </a:r>
-            <a:r>
-              <a:rPr lang="mr-IN" sz="1400" dirty="0" smtClean="0">
-                <a:solidFill>
-                  <a:srgbClr val="000000"/>
-                </a:solidFill>
-                <a:latin typeface="Courier" charset="0"/>
-                <a:ea typeface="Courier" charset="0"/>
-                <a:cs typeface="Courier" charset="0"/>
-              </a:rPr>
-              <a:t> + </a:t>
-            </a:r>
-            <a:r>
-              <a:rPr lang="mr-IN" sz="1400" dirty="0" smtClean="0">
-                <a:solidFill>
-                  <a:srgbClr val="B42419"/>
-                </a:solidFill>
-                <a:latin typeface="Courier" charset="0"/>
-                <a:ea typeface="Courier" charset="0"/>
-                <a:cs typeface="Courier" charset="0"/>
-              </a:rPr>
-              <a:t>"</a:t>
-            </a:r>
-            <a:r>
-              <a:rPr lang="mr-IN" sz="1400" dirty="0" smtClean="0">
-                <a:solidFill>
-                  <a:srgbClr val="C814C9"/>
-                </a:solidFill>
-                <a:latin typeface="Courier" charset="0"/>
-                <a:ea typeface="Courier" charset="0"/>
-                <a:cs typeface="Courier" charset="0"/>
-              </a:rPr>
-              <a:t>\</a:t>
-            </a:r>
-            <a:r>
-              <a:rPr lang="mr-IN" sz="1400" dirty="0" err="1" smtClean="0">
-                <a:solidFill>
-                  <a:srgbClr val="C814C9"/>
-                </a:solidFill>
-                <a:latin typeface="Courier" charset="0"/>
-                <a:ea typeface="Courier" charset="0"/>
-                <a:cs typeface="Courier" charset="0"/>
-              </a:rPr>
-              <a:t>n</a:t>
-            </a:r>
-            <a:r>
-              <a:rPr lang="mr-IN" sz="1400" dirty="0" smtClean="0">
-                <a:solidFill>
-                  <a:srgbClr val="B42419"/>
-                </a:solidFill>
-                <a:latin typeface="Courier" charset="0"/>
-                <a:ea typeface="Courier" charset="0"/>
-                <a:cs typeface="Courier" charset="0"/>
-              </a:rPr>
-              <a:t>"</a:t>
-            </a:r>
-            <a:endParaRPr lang="mr-IN" sz="1400" dirty="0" smtClean="0">
-              <a:solidFill>
-                <a:srgbClr val="000000"/>
-              </a:solidFill>
-              <a:latin typeface="Courier" charset="0"/>
-              <a:ea typeface="Courier" charset="0"/>
-              <a:cs typeface="Courier" charset="0"/>
-            </a:endParaRPr>
-          </a:p>
-          <a:p>
-            <a:r>
-              <a:rPr lang="mr-IN" sz="1400" dirty="0" smtClean="0">
-                <a:solidFill>
-                  <a:srgbClr val="000000"/>
-                </a:solidFill>
-                <a:latin typeface="Courier" charset="0"/>
-                <a:ea typeface="Courier" charset="0"/>
-                <a:cs typeface="Courier" charset="0"/>
-              </a:rPr>
-              <a:t>            </a:t>
-            </a:r>
-            <a:r>
-              <a:rPr lang="mr-IN" sz="1400" dirty="0" err="1" smtClean="0">
-                <a:solidFill>
-                  <a:srgbClr val="000000"/>
-                </a:solidFill>
-                <a:latin typeface="Courier" charset="0"/>
-                <a:ea typeface="Courier" charset="0"/>
-                <a:cs typeface="Courier" charset="0"/>
-              </a:rPr>
-              <a:t>resp</a:t>
-            </a:r>
-            <a:r>
-              <a:rPr lang="mr-IN" sz="1400" dirty="0" smtClean="0">
-                <a:solidFill>
-                  <a:srgbClr val="000000"/>
-                </a:solidFill>
-                <a:latin typeface="Courier" charset="0"/>
-                <a:ea typeface="Courier" charset="0"/>
-                <a:cs typeface="Courier" charset="0"/>
-              </a:rPr>
-              <a:t> += </a:t>
-            </a:r>
-            <a:r>
-              <a:rPr lang="mr-IN" sz="1400" dirty="0" smtClean="0">
-                <a:solidFill>
-                  <a:srgbClr val="B42419"/>
-                </a:solidFill>
-                <a:latin typeface="Courier" charset="0"/>
-                <a:ea typeface="Courier" charset="0"/>
-                <a:cs typeface="Courier" charset="0"/>
-              </a:rPr>
-              <a:t>"</a:t>
-            </a:r>
-            <a:r>
-              <a:rPr lang="mr-IN" sz="1400" dirty="0" err="1" smtClean="0">
-                <a:solidFill>
-                  <a:srgbClr val="B42419"/>
-                </a:solidFill>
-                <a:latin typeface="Courier" charset="0"/>
-                <a:ea typeface="Courier" charset="0"/>
-                <a:cs typeface="Courier" charset="0"/>
-              </a:rPr>
-              <a:t>Email</a:t>
-            </a:r>
-            <a:r>
-              <a:rPr lang="mr-IN" sz="1400" dirty="0" smtClean="0">
-                <a:solidFill>
-                  <a:srgbClr val="B42419"/>
-                </a:solidFill>
-                <a:latin typeface="Courier" charset="0"/>
-                <a:ea typeface="Courier" charset="0"/>
-                <a:cs typeface="Courier" charset="0"/>
-              </a:rPr>
-              <a:t>: "</a:t>
-            </a:r>
-            <a:r>
-              <a:rPr lang="mr-IN" sz="1400" dirty="0" smtClean="0">
-                <a:solidFill>
-                  <a:srgbClr val="000000"/>
-                </a:solidFill>
-                <a:latin typeface="Courier" charset="0"/>
-                <a:ea typeface="Courier" charset="0"/>
-                <a:cs typeface="Courier" charset="0"/>
-              </a:rPr>
-              <a:t> + </a:t>
-            </a:r>
-            <a:r>
-              <a:rPr lang="mr-IN" sz="1400" dirty="0" err="1" smtClean="0">
-                <a:solidFill>
-                  <a:srgbClr val="000000"/>
-                </a:solidFill>
-                <a:latin typeface="Courier" charset="0"/>
-                <a:ea typeface="Courier" charset="0"/>
-                <a:cs typeface="Courier" charset="0"/>
-              </a:rPr>
-              <a:t>req.user.email</a:t>
-            </a:r>
-            <a:r>
-              <a:rPr lang="mr-IN" sz="1400" dirty="0" smtClean="0">
-                <a:solidFill>
-                  <a:srgbClr val="000000"/>
-                </a:solidFill>
-                <a:latin typeface="Courier" charset="0"/>
-                <a:ea typeface="Courier" charset="0"/>
-                <a:cs typeface="Courier" charset="0"/>
-              </a:rPr>
-              <a:t> + </a:t>
-            </a:r>
-            <a:r>
-              <a:rPr lang="mr-IN" sz="1400" dirty="0" smtClean="0">
-                <a:solidFill>
-                  <a:srgbClr val="B42419"/>
-                </a:solidFill>
-                <a:latin typeface="Courier" charset="0"/>
-                <a:ea typeface="Courier" charset="0"/>
-                <a:cs typeface="Courier" charset="0"/>
-              </a:rPr>
-              <a:t>"</a:t>
-            </a:r>
-            <a:r>
-              <a:rPr lang="mr-IN" sz="1400" dirty="0" smtClean="0">
-                <a:solidFill>
-                  <a:srgbClr val="C814C9"/>
-                </a:solidFill>
-                <a:latin typeface="Courier" charset="0"/>
-                <a:ea typeface="Courier" charset="0"/>
-                <a:cs typeface="Courier" charset="0"/>
-              </a:rPr>
-              <a:t>\</a:t>
-            </a:r>
-            <a:r>
-              <a:rPr lang="mr-IN" sz="1400" dirty="0" err="1" smtClean="0">
-                <a:solidFill>
-                  <a:srgbClr val="C814C9"/>
-                </a:solidFill>
-                <a:latin typeface="Courier" charset="0"/>
-                <a:ea typeface="Courier" charset="0"/>
-                <a:cs typeface="Courier" charset="0"/>
-              </a:rPr>
-              <a:t>n</a:t>
-            </a:r>
-            <a:r>
-              <a:rPr lang="mr-IN" sz="1400" dirty="0" smtClean="0">
-                <a:solidFill>
-                  <a:srgbClr val="B42419"/>
-                </a:solidFill>
-                <a:latin typeface="Courier" charset="0"/>
-                <a:ea typeface="Courier" charset="0"/>
-                <a:cs typeface="Courier" charset="0"/>
-              </a:rPr>
-              <a:t>"</a:t>
-            </a:r>
-            <a:endParaRPr lang="mr-IN" sz="1400" dirty="0" smtClean="0">
-              <a:solidFill>
-                <a:srgbClr val="000000"/>
-              </a:solidFill>
-              <a:latin typeface="Courier" charset="0"/>
-              <a:ea typeface="Courier" charset="0"/>
-              <a:cs typeface="Courier" charset="0"/>
-            </a:endParaRPr>
-          </a:p>
-          <a:p>
-            <a:r>
-              <a:rPr lang="mr-IN" sz="1400" dirty="0" smtClean="0">
-                <a:solidFill>
-                  <a:srgbClr val="000000"/>
-                </a:solidFill>
-                <a:latin typeface="Courier" charset="0"/>
-                <a:ea typeface="Courier" charset="0"/>
-                <a:cs typeface="Courier" charset="0"/>
-              </a:rPr>
-              <a:t>        </a:t>
-            </a:r>
-            <a:r>
-              <a:rPr lang="mr-IN" sz="1400" dirty="0" err="1" smtClean="0">
-                <a:solidFill>
-                  <a:srgbClr val="C1651C"/>
-                </a:solidFill>
-                <a:latin typeface="Courier" charset="0"/>
-                <a:ea typeface="Courier" charset="0"/>
-                <a:cs typeface="Courier" charset="0"/>
-              </a:rPr>
-              <a:t>else</a:t>
-            </a:r>
-            <a:r>
-              <a:rPr lang="mr-IN" sz="1400" dirty="0" smtClean="0">
-                <a:solidFill>
-                  <a:srgbClr val="000000"/>
-                </a:solidFill>
-                <a:latin typeface="Courier" charset="0"/>
-                <a:ea typeface="Courier" charset="0"/>
-                <a:cs typeface="Courier" charset="0"/>
-              </a:rPr>
-              <a:t>:</a:t>
-            </a:r>
-          </a:p>
-          <a:p>
-            <a:r>
-              <a:rPr lang="mr-IN" sz="1400" dirty="0" smtClean="0">
-                <a:solidFill>
-                  <a:srgbClr val="000000"/>
-                </a:solidFill>
-                <a:latin typeface="Courier" charset="0"/>
-                <a:ea typeface="Courier" charset="0"/>
-                <a:cs typeface="Courier" charset="0"/>
-              </a:rPr>
-              <a:t>            </a:t>
-            </a:r>
-            <a:r>
-              <a:rPr lang="mr-IN" sz="1400" dirty="0" err="1" smtClean="0">
-                <a:solidFill>
-                  <a:srgbClr val="000000"/>
-                </a:solidFill>
-                <a:latin typeface="Courier" charset="0"/>
-                <a:ea typeface="Courier" charset="0"/>
-                <a:cs typeface="Courier" charset="0"/>
-              </a:rPr>
-              <a:t>resp</a:t>
-            </a:r>
-            <a:r>
-              <a:rPr lang="mr-IN" sz="1400" dirty="0" smtClean="0">
-                <a:solidFill>
-                  <a:srgbClr val="000000"/>
-                </a:solidFill>
-                <a:latin typeface="Courier" charset="0"/>
-                <a:ea typeface="Courier" charset="0"/>
-                <a:cs typeface="Courier" charset="0"/>
-              </a:rPr>
-              <a:t> += </a:t>
-            </a:r>
-            <a:r>
-              <a:rPr lang="mr-IN" sz="1400" dirty="0" smtClean="0">
-                <a:solidFill>
-                  <a:srgbClr val="B42419"/>
-                </a:solidFill>
-                <a:latin typeface="Courier" charset="0"/>
-                <a:ea typeface="Courier" charset="0"/>
-                <a:cs typeface="Courier" charset="0"/>
-              </a:rPr>
-              <a:t>"</a:t>
-            </a:r>
-            <a:r>
-              <a:rPr lang="mr-IN" sz="1400" dirty="0" err="1" smtClean="0">
-                <a:solidFill>
-                  <a:srgbClr val="B42419"/>
-                </a:solidFill>
-                <a:latin typeface="Courier" charset="0"/>
-                <a:ea typeface="Courier" charset="0"/>
-                <a:cs typeface="Courier" charset="0"/>
-              </a:rPr>
-              <a:t>User</a:t>
-            </a:r>
-            <a:r>
-              <a:rPr lang="mr-IN" sz="1400" dirty="0" smtClean="0">
-                <a:solidFill>
-                  <a:srgbClr val="B42419"/>
-                </a:solidFill>
-                <a:latin typeface="Courier" charset="0"/>
-                <a:ea typeface="Courier" charset="0"/>
-                <a:cs typeface="Courier" charset="0"/>
-              </a:rPr>
-              <a:t> </a:t>
-            </a:r>
-            <a:r>
-              <a:rPr lang="mr-IN" sz="1400" dirty="0" err="1" smtClean="0">
-                <a:solidFill>
-                  <a:srgbClr val="B42419"/>
-                </a:solidFill>
-                <a:latin typeface="Courier" charset="0"/>
-                <a:ea typeface="Courier" charset="0"/>
-                <a:cs typeface="Courier" charset="0"/>
-              </a:rPr>
-              <a:t>is</a:t>
-            </a:r>
-            <a:r>
-              <a:rPr lang="mr-IN" sz="1400" dirty="0" smtClean="0">
-                <a:solidFill>
-                  <a:srgbClr val="B42419"/>
-                </a:solidFill>
-                <a:latin typeface="Courier" charset="0"/>
-                <a:ea typeface="Courier" charset="0"/>
-                <a:cs typeface="Courier" charset="0"/>
-              </a:rPr>
-              <a:t> </a:t>
-            </a:r>
-            <a:r>
-              <a:rPr lang="mr-IN" sz="1400" dirty="0" err="1" smtClean="0">
-                <a:solidFill>
-                  <a:srgbClr val="B42419"/>
-                </a:solidFill>
-                <a:latin typeface="Courier" charset="0"/>
-                <a:ea typeface="Courier" charset="0"/>
-                <a:cs typeface="Courier" charset="0"/>
-              </a:rPr>
-              <a:t>not</a:t>
-            </a:r>
-            <a:r>
-              <a:rPr lang="mr-IN" sz="1400" dirty="0" smtClean="0">
-                <a:solidFill>
-                  <a:srgbClr val="B42419"/>
-                </a:solidFill>
-                <a:latin typeface="Courier" charset="0"/>
-                <a:ea typeface="Courier" charset="0"/>
-                <a:cs typeface="Courier" charset="0"/>
-              </a:rPr>
-              <a:t> </a:t>
-            </a:r>
-            <a:r>
-              <a:rPr lang="mr-IN" sz="1400" dirty="0" err="1" smtClean="0">
-                <a:solidFill>
-                  <a:srgbClr val="B42419"/>
-                </a:solidFill>
-                <a:latin typeface="Courier" charset="0"/>
-                <a:ea typeface="Courier" charset="0"/>
-                <a:cs typeface="Courier" charset="0"/>
-              </a:rPr>
-              <a:t>logged</a:t>
-            </a:r>
-            <a:r>
-              <a:rPr lang="mr-IN" sz="1400" dirty="0" smtClean="0">
-                <a:solidFill>
-                  <a:srgbClr val="B42419"/>
-                </a:solidFill>
-                <a:latin typeface="Courier" charset="0"/>
-                <a:ea typeface="Courier" charset="0"/>
-                <a:cs typeface="Courier" charset="0"/>
-              </a:rPr>
-              <a:t> </a:t>
-            </a:r>
-            <a:r>
-              <a:rPr lang="mr-IN" sz="1400" dirty="0" err="1" smtClean="0">
-                <a:solidFill>
-                  <a:srgbClr val="B42419"/>
-                </a:solidFill>
-                <a:latin typeface="Courier" charset="0"/>
-                <a:ea typeface="Courier" charset="0"/>
-                <a:cs typeface="Courier" charset="0"/>
-              </a:rPr>
-              <a:t>in</a:t>
-            </a:r>
-            <a:r>
-              <a:rPr lang="mr-IN" sz="1400" dirty="0" smtClean="0">
-                <a:solidFill>
-                  <a:srgbClr val="C814C9"/>
-                </a:solidFill>
-                <a:latin typeface="Courier" charset="0"/>
-                <a:ea typeface="Courier" charset="0"/>
-                <a:cs typeface="Courier" charset="0"/>
-              </a:rPr>
-              <a:t>\</a:t>
-            </a:r>
-            <a:r>
-              <a:rPr lang="mr-IN" sz="1400" dirty="0" err="1" smtClean="0">
-                <a:solidFill>
-                  <a:srgbClr val="C814C9"/>
-                </a:solidFill>
-                <a:latin typeface="Courier" charset="0"/>
-                <a:ea typeface="Courier" charset="0"/>
-                <a:cs typeface="Courier" charset="0"/>
-              </a:rPr>
-              <a:t>n</a:t>
-            </a:r>
-            <a:r>
-              <a:rPr lang="mr-IN" sz="1400" dirty="0" smtClean="0">
-                <a:solidFill>
-                  <a:srgbClr val="B42419"/>
-                </a:solidFill>
-                <a:latin typeface="Courier" charset="0"/>
-                <a:ea typeface="Courier" charset="0"/>
-                <a:cs typeface="Courier" charset="0"/>
-              </a:rPr>
-              <a:t>"</a:t>
-            </a:r>
-            <a:endParaRPr lang="mr-IN" sz="1400" dirty="0" smtClean="0">
-              <a:solidFill>
-                <a:srgbClr val="000000"/>
-              </a:solidFill>
-              <a:latin typeface="Courier" charset="0"/>
-              <a:ea typeface="Courier" charset="0"/>
-              <a:cs typeface="Courier" charset="0"/>
-            </a:endParaRPr>
-          </a:p>
-          <a:p>
-            <a:endParaRPr lang="mr-IN" sz="1400" dirty="0" smtClean="0">
-              <a:solidFill>
-                <a:srgbClr val="000000"/>
-              </a:solidFill>
-              <a:latin typeface="Courier" charset="0"/>
-              <a:ea typeface="Courier" charset="0"/>
-              <a:cs typeface="Courier" charset="0"/>
-            </a:endParaRPr>
-          </a:p>
-          <a:p>
-            <a:r>
-              <a:rPr lang="mr-IN" sz="1400" dirty="0" smtClean="0">
-                <a:solidFill>
-                  <a:srgbClr val="000000"/>
-                </a:solidFill>
-                <a:latin typeface="Courier" charset="0"/>
-                <a:ea typeface="Courier" charset="0"/>
-                <a:cs typeface="Courier" charset="0"/>
-              </a:rPr>
-              <a:t>        </a:t>
-            </a:r>
-            <a:r>
-              <a:rPr lang="mr-IN" sz="1400" dirty="0" err="1" smtClean="0">
-                <a:solidFill>
-                  <a:srgbClr val="000000"/>
-                </a:solidFill>
-                <a:latin typeface="Courier" charset="0"/>
-                <a:ea typeface="Courier" charset="0"/>
-                <a:cs typeface="Courier" charset="0"/>
-              </a:rPr>
-              <a:t>resp</a:t>
-            </a:r>
-            <a:r>
-              <a:rPr lang="mr-IN" sz="1400" dirty="0" smtClean="0">
-                <a:solidFill>
-                  <a:srgbClr val="000000"/>
-                </a:solidFill>
-                <a:latin typeface="Courier" charset="0"/>
-                <a:ea typeface="Courier" charset="0"/>
-                <a:cs typeface="Courier" charset="0"/>
-              </a:rPr>
-              <a:t> += </a:t>
-            </a:r>
-            <a:r>
-              <a:rPr lang="mr-IN" sz="1400" dirty="0" smtClean="0">
-                <a:solidFill>
-                  <a:srgbClr val="B42419"/>
-                </a:solidFill>
-                <a:latin typeface="Courier" charset="0"/>
-                <a:ea typeface="Courier" charset="0"/>
-                <a:cs typeface="Courier" charset="0"/>
-              </a:rPr>
-              <a:t>"</a:t>
-            </a:r>
-            <a:r>
-              <a:rPr lang="mr-IN" sz="1400" dirty="0" smtClean="0">
-                <a:solidFill>
-                  <a:srgbClr val="C814C9"/>
-                </a:solidFill>
-                <a:latin typeface="Courier" charset="0"/>
-                <a:ea typeface="Courier" charset="0"/>
-                <a:cs typeface="Courier" charset="0"/>
-              </a:rPr>
-              <a:t>\</a:t>
-            </a:r>
-            <a:r>
-              <a:rPr lang="mr-IN" sz="1400" dirty="0" err="1" smtClean="0">
-                <a:solidFill>
-                  <a:srgbClr val="C814C9"/>
-                </a:solidFill>
-                <a:latin typeface="Courier" charset="0"/>
-                <a:ea typeface="Courier" charset="0"/>
-                <a:cs typeface="Courier" charset="0"/>
-              </a:rPr>
-              <a:t>n</a:t>
-            </a:r>
-            <a:r>
-              <a:rPr lang="mr-IN" sz="1400" dirty="0" smtClean="0">
-                <a:solidFill>
-                  <a:srgbClr val="B42419"/>
-                </a:solidFill>
-                <a:latin typeface="Courier" charset="0"/>
-                <a:ea typeface="Courier" charset="0"/>
-                <a:cs typeface="Courier" charset="0"/>
-              </a:rPr>
-              <a:t>"</a:t>
-            </a:r>
-            <a:endParaRPr lang="mr-IN" sz="1400" dirty="0" smtClean="0">
-              <a:solidFill>
-                <a:srgbClr val="000000"/>
-              </a:solidFill>
-              <a:latin typeface="Courier" charset="0"/>
-              <a:ea typeface="Courier" charset="0"/>
-              <a:cs typeface="Courier" charset="0"/>
-            </a:endParaRPr>
-          </a:p>
-          <a:p>
-            <a:r>
-              <a:rPr lang="mr-IN" sz="1400" dirty="0" smtClean="0">
-                <a:solidFill>
-                  <a:srgbClr val="000000"/>
-                </a:solidFill>
-                <a:latin typeface="Courier" charset="0"/>
-                <a:ea typeface="Courier" charset="0"/>
-                <a:cs typeface="Courier" charset="0"/>
-              </a:rPr>
-              <a:t>        </a:t>
-            </a:r>
-            <a:r>
-              <a:rPr lang="mr-IN" sz="1400" dirty="0" err="1" smtClean="0">
-                <a:solidFill>
-                  <a:srgbClr val="000000"/>
-                </a:solidFill>
-                <a:latin typeface="Courier" charset="0"/>
-                <a:ea typeface="Courier" charset="0"/>
-                <a:cs typeface="Courier" charset="0"/>
-              </a:rPr>
-              <a:t>resp</a:t>
-            </a:r>
-            <a:r>
-              <a:rPr lang="mr-IN" sz="1400" dirty="0" smtClean="0">
-                <a:solidFill>
-                  <a:srgbClr val="000000"/>
-                </a:solidFill>
-                <a:latin typeface="Courier" charset="0"/>
-                <a:ea typeface="Courier" charset="0"/>
-                <a:cs typeface="Courier" charset="0"/>
-              </a:rPr>
-              <a:t> += </a:t>
-            </a:r>
-            <a:r>
-              <a:rPr lang="mr-IN" sz="1400" dirty="0" smtClean="0">
-                <a:solidFill>
-                  <a:srgbClr val="B42419"/>
-                </a:solidFill>
-                <a:latin typeface="Courier" charset="0"/>
-                <a:ea typeface="Courier" charset="0"/>
-                <a:cs typeface="Courier" charset="0"/>
-              </a:rPr>
-              <a:t>"&lt;/</a:t>
-            </a:r>
-            <a:r>
-              <a:rPr lang="mr-IN" sz="1400" dirty="0" err="1" smtClean="0">
-                <a:solidFill>
-                  <a:srgbClr val="B42419"/>
-                </a:solidFill>
-                <a:latin typeface="Courier" charset="0"/>
-                <a:ea typeface="Courier" charset="0"/>
-                <a:cs typeface="Courier" charset="0"/>
-              </a:rPr>
-              <a:t>pre</a:t>
-            </a:r>
-            <a:r>
-              <a:rPr lang="mr-IN" sz="1400" dirty="0" smtClean="0">
-                <a:solidFill>
-                  <a:srgbClr val="B42419"/>
-                </a:solidFill>
-                <a:latin typeface="Courier" charset="0"/>
-                <a:ea typeface="Courier" charset="0"/>
-                <a:cs typeface="Courier" charset="0"/>
-              </a:rPr>
-              <a:t>&gt;</a:t>
-            </a:r>
-            <a:r>
-              <a:rPr lang="mr-IN" sz="1400" dirty="0" smtClean="0">
-                <a:solidFill>
-                  <a:srgbClr val="C814C9"/>
-                </a:solidFill>
-                <a:latin typeface="Courier" charset="0"/>
-                <a:ea typeface="Courier" charset="0"/>
-                <a:cs typeface="Courier" charset="0"/>
-              </a:rPr>
-              <a:t>\</a:t>
-            </a:r>
-            <a:r>
-              <a:rPr lang="mr-IN" sz="1400" dirty="0" err="1" smtClean="0">
-                <a:solidFill>
-                  <a:srgbClr val="C814C9"/>
-                </a:solidFill>
-                <a:latin typeface="Courier" charset="0"/>
-                <a:ea typeface="Courier" charset="0"/>
-                <a:cs typeface="Courier" charset="0"/>
-              </a:rPr>
-              <a:t>n</a:t>
-            </a:r>
-            <a:r>
-              <a:rPr lang="mr-IN" sz="1400" dirty="0" smtClean="0">
-                <a:solidFill>
-                  <a:srgbClr val="B42419"/>
-                </a:solidFill>
-                <a:latin typeface="Courier" charset="0"/>
-                <a:ea typeface="Courier" charset="0"/>
-                <a:cs typeface="Courier" charset="0"/>
-              </a:rPr>
-              <a:t>"</a:t>
-            </a:r>
-            <a:endParaRPr lang="mr-IN" sz="1400" dirty="0" smtClean="0">
-              <a:solidFill>
-                <a:srgbClr val="000000"/>
-              </a:solidFill>
-              <a:latin typeface="Courier" charset="0"/>
-              <a:ea typeface="Courier" charset="0"/>
-              <a:cs typeface="Courier" charset="0"/>
-            </a:endParaRPr>
-          </a:p>
-          <a:p>
-            <a:r>
-              <a:rPr lang="mr-IN" sz="1400" dirty="0" smtClean="0">
-                <a:solidFill>
-                  <a:srgbClr val="000000"/>
-                </a:solidFill>
-                <a:latin typeface="Courier" charset="0"/>
-                <a:ea typeface="Courier" charset="0"/>
-                <a:cs typeface="Courier" charset="0"/>
-              </a:rPr>
-              <a:t>        </a:t>
-            </a:r>
-            <a:r>
-              <a:rPr lang="mr-IN" sz="1400" dirty="0" err="1" smtClean="0">
-                <a:solidFill>
-                  <a:srgbClr val="000000"/>
-                </a:solidFill>
-                <a:latin typeface="Courier" charset="0"/>
-                <a:ea typeface="Courier" charset="0"/>
-                <a:cs typeface="Courier" charset="0"/>
-              </a:rPr>
-              <a:t>resp</a:t>
-            </a:r>
-            <a:r>
-              <a:rPr lang="mr-IN" sz="1400" dirty="0" smtClean="0">
-                <a:solidFill>
-                  <a:srgbClr val="000000"/>
-                </a:solidFill>
-                <a:latin typeface="Courier" charset="0"/>
-                <a:ea typeface="Courier" charset="0"/>
-                <a:cs typeface="Courier" charset="0"/>
-              </a:rPr>
-              <a:t> += </a:t>
-            </a:r>
-            <a:r>
-              <a:rPr lang="mr-IN" sz="1400" dirty="0" smtClean="0">
-                <a:solidFill>
-                  <a:srgbClr val="B42419"/>
-                </a:solidFill>
-                <a:latin typeface="Courier" charset="0"/>
-                <a:ea typeface="Courier" charset="0"/>
-                <a:cs typeface="Courier" charset="0"/>
-              </a:rPr>
-              <a:t>"""&lt;</a:t>
-            </a:r>
-            <a:r>
-              <a:rPr lang="mr-IN" sz="1400" dirty="0" err="1" smtClean="0">
-                <a:solidFill>
-                  <a:srgbClr val="B42419"/>
-                </a:solidFill>
-                <a:latin typeface="Courier" charset="0"/>
-                <a:ea typeface="Courier" charset="0"/>
-                <a:cs typeface="Courier" charset="0"/>
-              </a:rPr>
-              <a:t>a</a:t>
-            </a:r>
-            <a:r>
-              <a:rPr lang="mr-IN" sz="1400" dirty="0" smtClean="0">
-                <a:solidFill>
-                  <a:srgbClr val="B42419"/>
-                </a:solidFill>
-                <a:latin typeface="Courier" charset="0"/>
-                <a:ea typeface="Courier" charset="0"/>
-                <a:cs typeface="Courier" charset="0"/>
-              </a:rPr>
-              <a:t> </a:t>
-            </a:r>
-            <a:r>
-              <a:rPr lang="mr-IN" sz="1400" dirty="0" err="1" smtClean="0">
-                <a:solidFill>
-                  <a:srgbClr val="B42419"/>
-                </a:solidFill>
-                <a:latin typeface="Courier" charset="0"/>
-                <a:ea typeface="Courier" charset="0"/>
-                <a:cs typeface="Courier" charset="0"/>
-              </a:rPr>
-              <a:t>href</a:t>
-            </a:r>
-            <a:r>
-              <a:rPr lang="mr-IN" sz="1400" dirty="0" smtClean="0">
-                <a:solidFill>
-                  <a:srgbClr val="B42419"/>
-                </a:solidFill>
-                <a:latin typeface="Courier" charset="0"/>
-                <a:ea typeface="Courier" charset="0"/>
-                <a:cs typeface="Courier" charset="0"/>
-              </a:rPr>
-              <a:t>="/</a:t>
-            </a:r>
-            <a:r>
-              <a:rPr lang="mr-IN" sz="1400" dirty="0" err="1" smtClean="0">
-                <a:solidFill>
-                  <a:srgbClr val="B42419"/>
-                </a:solidFill>
-                <a:latin typeface="Courier" charset="0"/>
-                <a:ea typeface="Courier" charset="0"/>
-                <a:cs typeface="Courier" charset="0"/>
-              </a:rPr>
-              <a:t>authz</a:t>
-            </a:r>
-            <a:r>
-              <a:rPr lang="mr-IN" sz="1400" dirty="0" smtClean="0">
-                <a:solidFill>
-                  <a:srgbClr val="B42419"/>
-                </a:solidFill>
-                <a:latin typeface="Courier" charset="0"/>
-                <a:ea typeface="Courier" charset="0"/>
-                <a:cs typeface="Courier" charset="0"/>
-              </a:rPr>
-              <a:t>"&gt;</a:t>
-            </a:r>
-            <a:r>
-              <a:rPr lang="mr-IN" sz="1400" dirty="0" err="1" smtClean="0">
-                <a:solidFill>
-                  <a:srgbClr val="B42419"/>
-                </a:solidFill>
-                <a:latin typeface="Courier" charset="0"/>
-                <a:ea typeface="Courier" charset="0"/>
-                <a:cs typeface="Courier" charset="0"/>
-              </a:rPr>
-              <a:t>Go</a:t>
-            </a:r>
-            <a:r>
-              <a:rPr lang="mr-IN" sz="1400" dirty="0" smtClean="0">
-                <a:solidFill>
-                  <a:srgbClr val="B42419"/>
-                </a:solidFill>
-                <a:latin typeface="Courier" charset="0"/>
-                <a:ea typeface="Courier" charset="0"/>
-                <a:cs typeface="Courier" charset="0"/>
-              </a:rPr>
-              <a:t> </a:t>
-            </a:r>
-            <a:r>
-              <a:rPr lang="mr-IN" sz="1400" dirty="0" err="1" smtClean="0">
-                <a:solidFill>
-                  <a:srgbClr val="B42419"/>
-                </a:solidFill>
-                <a:latin typeface="Courier" charset="0"/>
-                <a:ea typeface="Courier" charset="0"/>
-                <a:cs typeface="Courier" charset="0"/>
-              </a:rPr>
-              <a:t>back</a:t>
-            </a:r>
-            <a:r>
-              <a:rPr lang="mr-IN" sz="1400" dirty="0" smtClean="0">
-                <a:solidFill>
-                  <a:srgbClr val="B42419"/>
-                </a:solidFill>
-                <a:latin typeface="Courier" charset="0"/>
-                <a:ea typeface="Courier" charset="0"/>
-                <a:cs typeface="Courier" charset="0"/>
-              </a:rPr>
-              <a:t>&lt;/</a:t>
-            </a:r>
-            <a:r>
-              <a:rPr lang="mr-IN" sz="1400" dirty="0" err="1" smtClean="0">
-                <a:solidFill>
-                  <a:srgbClr val="B42419"/>
-                </a:solidFill>
-                <a:latin typeface="Courier" charset="0"/>
-                <a:ea typeface="Courier" charset="0"/>
-                <a:cs typeface="Courier" charset="0"/>
-              </a:rPr>
-              <a:t>a</a:t>
-            </a:r>
-            <a:r>
-              <a:rPr lang="mr-IN" sz="1400" dirty="0" smtClean="0">
-                <a:solidFill>
-                  <a:srgbClr val="B42419"/>
-                </a:solidFill>
-                <a:latin typeface="Courier" charset="0"/>
-                <a:ea typeface="Courier" charset="0"/>
-                <a:cs typeface="Courier" charset="0"/>
-              </a:rPr>
-              <a:t>&gt;"""</a:t>
-            </a:r>
-            <a:endParaRPr lang="mr-IN" sz="1400" dirty="0" smtClean="0">
-              <a:solidFill>
-                <a:srgbClr val="000000"/>
-              </a:solidFill>
-              <a:latin typeface="Courier" charset="0"/>
-              <a:ea typeface="Courier" charset="0"/>
-              <a:cs typeface="Courier" charset="0"/>
-            </a:endParaRPr>
-          </a:p>
-          <a:p>
-            <a:r>
-              <a:rPr lang="en-US" sz="1400" dirty="0" smtClean="0">
-                <a:solidFill>
-                  <a:srgbClr val="000000"/>
-                </a:solidFill>
-                <a:latin typeface="Courier" charset="0"/>
-                <a:ea typeface="Courier" charset="0"/>
-                <a:cs typeface="Courier" charset="0"/>
-              </a:rPr>
-              <a:t>        </a:t>
-            </a:r>
-            <a:r>
-              <a:rPr lang="en-US" sz="1400" dirty="0" smtClean="0">
-                <a:solidFill>
-                  <a:srgbClr val="C1651C"/>
-                </a:solidFill>
-                <a:latin typeface="Courier" charset="0"/>
-                <a:ea typeface="Courier" charset="0"/>
-                <a:cs typeface="Courier" charset="0"/>
-              </a:rPr>
-              <a:t>return</a:t>
-            </a:r>
-            <a:r>
-              <a:rPr lang="en-US" sz="1400" dirty="0" smtClean="0">
-                <a:solidFill>
-                  <a:srgbClr val="000000"/>
-                </a:solidFill>
-                <a:latin typeface="Courier" charset="0"/>
-                <a:ea typeface="Courier" charset="0"/>
-                <a:cs typeface="Courier" charset="0"/>
-              </a:rPr>
-              <a:t> </a:t>
-            </a:r>
-            <a:r>
-              <a:rPr lang="en-US" sz="1400" dirty="0" err="1" smtClean="0">
-                <a:solidFill>
-                  <a:srgbClr val="000000"/>
-                </a:solidFill>
-                <a:latin typeface="Courier" charset="0"/>
-                <a:ea typeface="Courier" charset="0"/>
-                <a:cs typeface="Courier" charset="0"/>
-              </a:rPr>
-              <a:t>HttpResponse</a:t>
-            </a:r>
-            <a:r>
-              <a:rPr lang="en-US" sz="1400" dirty="0" smtClean="0">
-                <a:solidFill>
-                  <a:srgbClr val="000000"/>
-                </a:solidFill>
-                <a:latin typeface="Courier" charset="0"/>
-                <a:ea typeface="Courier" charset="0"/>
-                <a:cs typeface="Courier" charset="0"/>
-              </a:rPr>
-              <a:t>(</a:t>
-            </a:r>
-            <a:r>
-              <a:rPr lang="en-US" sz="1400" dirty="0" err="1" smtClean="0">
-                <a:solidFill>
-                  <a:srgbClr val="000000"/>
-                </a:solidFill>
-                <a:latin typeface="Courier" charset="0"/>
-                <a:ea typeface="Courier" charset="0"/>
-                <a:cs typeface="Courier" charset="0"/>
-              </a:rPr>
-              <a:t>resp</a:t>
-            </a:r>
-            <a:r>
-              <a:rPr lang="en-US" sz="1400" dirty="0" smtClean="0">
-                <a:solidFill>
-                  <a:srgbClr val="000000"/>
-                </a:solidFill>
-                <a:latin typeface="Courier" charset="0"/>
-                <a:ea typeface="Courier" charset="0"/>
-                <a:cs typeface="Courier" charset="0"/>
-              </a:rPr>
-              <a:t>)</a:t>
-            </a:r>
-            <a:endParaRPr lang="en-US" sz="1400" dirty="0">
-              <a:latin typeface="Courier" charset="0"/>
-              <a:ea typeface="Courier" charset="0"/>
-              <a:cs typeface="Courier" charset="0"/>
-            </a:endParaRPr>
-          </a:p>
-        </p:txBody>
-      </p:sp>
-      <p:sp>
-        <p:nvSpPr>
-          <p:cNvPr id="5" name="Rectangle 4">
-            <a:hlinkClick r:id="rId2"/>
-          </p:cNvPr>
-          <p:cNvSpPr/>
-          <p:nvPr/>
-        </p:nvSpPr>
-        <p:spPr>
-          <a:xfrm>
-            <a:off x="7448142" y="1604716"/>
-            <a:ext cx="4302870" cy="2031325"/>
-          </a:xfrm>
-          <a:prstGeom prst="rect">
-            <a:avLst/>
-          </a:prstGeom>
-          <a:solidFill>
-            <a:schemeClr val="tx2"/>
-          </a:solidFill>
-        </p:spPr>
-        <p:txBody>
-          <a:bodyPr wrap="square">
-            <a:spAutoFit/>
-          </a:bodyPr>
-          <a:lstStyle/>
-          <a:p>
-            <a:r>
-              <a:rPr lang="en-US" dirty="0" smtClean="0">
-                <a:solidFill>
-                  <a:schemeClr val="bg1"/>
-                </a:solidFill>
-                <a:latin typeface="Courier" charset="0"/>
-              </a:rPr>
-              <a:t>User Data in Python:</a:t>
-            </a:r>
-          </a:p>
-          <a:p>
-            <a:endParaRPr lang="en-US" dirty="0" smtClean="0">
-              <a:solidFill>
-                <a:schemeClr val="bg1"/>
-              </a:solidFill>
-              <a:latin typeface="Courier" charset="0"/>
-            </a:endParaRPr>
-          </a:p>
-          <a:p>
-            <a:r>
-              <a:rPr lang="en-US" dirty="0" smtClean="0">
-                <a:solidFill>
-                  <a:schemeClr val="bg1"/>
-                </a:solidFill>
-                <a:latin typeface="Courier" charset="0"/>
-              </a:rPr>
-              <a:t>Login </a:t>
-            </a:r>
-            <a:r>
-              <a:rPr lang="en-US" dirty="0" err="1" smtClean="0">
-                <a:solidFill>
-                  <a:schemeClr val="bg1"/>
-                </a:solidFill>
-                <a:latin typeface="Courier" charset="0"/>
-              </a:rPr>
-              <a:t>url</a:t>
-            </a:r>
-            <a:r>
-              <a:rPr lang="en-US" dirty="0" smtClean="0">
-                <a:solidFill>
-                  <a:schemeClr val="bg1"/>
-                </a:solidFill>
-                <a:latin typeface="Courier" charset="0"/>
-              </a:rPr>
-              <a:t>: /accounts/login/</a:t>
-            </a:r>
-          </a:p>
-          <a:p>
-            <a:r>
-              <a:rPr lang="en-US" dirty="0" smtClean="0">
-                <a:solidFill>
-                  <a:schemeClr val="bg1"/>
-                </a:solidFill>
-                <a:latin typeface="Courier" charset="0"/>
-              </a:rPr>
-              <a:t>Logout </a:t>
-            </a:r>
-            <a:r>
-              <a:rPr lang="en-US" dirty="0" err="1" smtClean="0">
-                <a:solidFill>
-                  <a:schemeClr val="bg1"/>
-                </a:solidFill>
-                <a:latin typeface="Courier" charset="0"/>
-              </a:rPr>
-              <a:t>url</a:t>
-            </a:r>
-            <a:r>
-              <a:rPr lang="en-US" dirty="0" smtClean="0">
-                <a:solidFill>
-                  <a:schemeClr val="bg1"/>
-                </a:solidFill>
-                <a:latin typeface="Courier" charset="0"/>
-              </a:rPr>
-              <a:t>: /accounts/logout/</a:t>
-            </a:r>
-          </a:p>
-          <a:p>
-            <a:endParaRPr lang="en-US" dirty="0" smtClean="0">
-              <a:solidFill>
-                <a:schemeClr val="bg1"/>
-              </a:solidFill>
-              <a:latin typeface="Courier" charset="0"/>
-            </a:endParaRPr>
-          </a:p>
-          <a:p>
-            <a:r>
-              <a:rPr lang="en-US" dirty="0" smtClean="0">
-                <a:solidFill>
-                  <a:schemeClr val="bg1"/>
-                </a:solidFill>
-                <a:latin typeface="Courier" charset="0"/>
-              </a:rPr>
-              <a:t>User: dj4e-samples</a:t>
-            </a:r>
-          </a:p>
-          <a:p>
-            <a:r>
-              <a:rPr lang="en-US" dirty="0" smtClean="0">
-                <a:solidFill>
-                  <a:schemeClr val="bg1"/>
-                </a:solidFill>
-                <a:latin typeface="Courier" charset="0"/>
-              </a:rPr>
-              <a:t>Email: </a:t>
-            </a:r>
-            <a:r>
-              <a:rPr lang="en-US" dirty="0" err="1" smtClean="0">
-                <a:solidFill>
-                  <a:schemeClr val="bg1"/>
-                </a:solidFill>
-                <a:latin typeface="Courier" charset="0"/>
-              </a:rPr>
-              <a:t>csev@umich.edu</a:t>
-            </a:r>
-            <a:endParaRPr lang="en-US" dirty="0">
-              <a:solidFill>
-                <a:schemeClr val="bg1"/>
-              </a:solidFill>
-              <a:latin typeface="Courier" charset="0"/>
-            </a:endParaRPr>
-          </a:p>
-        </p:txBody>
-      </p:sp>
-      <p:sp>
-        <p:nvSpPr>
-          <p:cNvPr id="6" name="Rectangle 5"/>
-          <p:cNvSpPr/>
-          <p:nvPr/>
-        </p:nvSpPr>
-        <p:spPr>
-          <a:xfrm>
-            <a:off x="838200" y="2251047"/>
-            <a:ext cx="3906839" cy="369332"/>
-          </a:xfrm>
-          <a:prstGeom prst="rect">
-            <a:avLst/>
-          </a:prstGeom>
-        </p:spPr>
-        <p:txBody>
-          <a:bodyPr wrap="none">
-            <a:spAutoFit/>
-          </a:bodyPr>
-          <a:lstStyle/>
-          <a:p>
-            <a:r>
-              <a:rPr lang="en-US" dirty="0" smtClean="0">
-                <a:solidFill>
-                  <a:srgbClr val="FFFF00"/>
-                </a:solidFill>
-                <a:latin typeface="Courier" charset="0"/>
-                <a:ea typeface="Courier" charset="0"/>
-                <a:cs typeface="Courier" charset="0"/>
-              </a:rPr>
-              <a:t>dj4e-samples/</a:t>
-            </a:r>
-            <a:r>
-              <a:rPr lang="en-US" dirty="0" err="1" smtClean="0">
-                <a:solidFill>
-                  <a:srgbClr val="FFFF00"/>
-                </a:solidFill>
-                <a:latin typeface="Courier" charset="0"/>
-                <a:ea typeface="Courier" charset="0"/>
-                <a:cs typeface="Courier" charset="0"/>
-              </a:rPr>
-              <a:t>authz</a:t>
-            </a:r>
-            <a:r>
-              <a:rPr lang="en-US" dirty="0" smtClean="0">
-                <a:solidFill>
-                  <a:srgbClr val="FFFF00"/>
-                </a:solidFill>
-                <a:latin typeface="Courier" charset="0"/>
-                <a:ea typeface="Courier" charset="0"/>
-                <a:cs typeface="Courier" charset="0"/>
-              </a:rPr>
-              <a:t>/</a:t>
-            </a:r>
-            <a:r>
-              <a:rPr lang="en-US" dirty="0" err="1" smtClean="0">
-                <a:solidFill>
-                  <a:srgbClr val="FFFF00"/>
-                </a:solidFill>
-                <a:latin typeface="Courier" charset="0"/>
-                <a:ea typeface="Courier" charset="0"/>
-                <a:cs typeface="Courier" charset="0"/>
-              </a:rPr>
-              <a:t>views.py</a:t>
-            </a:r>
-            <a:endParaRPr lang="en-US" dirty="0">
-              <a:solidFill>
-                <a:srgbClr val="FFFF00"/>
-              </a:solidFill>
-              <a:effectLst/>
-              <a:latin typeface="Courier" charset="0"/>
-              <a:ea typeface="Courier" charset="0"/>
-              <a:cs typeface="Courier" charset="0"/>
-            </a:endParaRPr>
-          </a:p>
-        </p:txBody>
-      </p:sp>
-      <p:sp>
-        <p:nvSpPr>
-          <p:cNvPr id="7" name="Rectangle 6"/>
-          <p:cNvSpPr/>
-          <p:nvPr/>
-        </p:nvSpPr>
-        <p:spPr>
-          <a:xfrm>
-            <a:off x="6579110" y="968474"/>
-            <a:ext cx="5285421" cy="369332"/>
-          </a:xfrm>
-          <a:prstGeom prst="rect">
-            <a:avLst/>
-          </a:prstGeom>
-        </p:spPr>
-        <p:txBody>
-          <a:bodyPr wrap="none">
-            <a:spAutoFit/>
-          </a:bodyPr>
-          <a:lstStyle/>
-          <a:p>
-            <a:r>
-              <a:rPr lang="en-US" dirty="0">
-                <a:solidFill>
-                  <a:srgbClr val="FFFF00"/>
-                </a:solidFill>
-                <a:latin typeface="Courier" charset="0"/>
-                <a:ea typeface="Courier" charset="0"/>
-                <a:cs typeface="Courier" charset="0"/>
-              </a:rPr>
-              <a:t>https://samples.dj4e.com/</a:t>
-            </a:r>
-            <a:r>
-              <a:rPr lang="en-US" dirty="0" err="1">
-                <a:solidFill>
-                  <a:srgbClr val="FFFF00"/>
-                </a:solidFill>
-                <a:latin typeface="Courier" charset="0"/>
-                <a:ea typeface="Courier" charset="0"/>
-                <a:cs typeface="Courier" charset="0"/>
-              </a:rPr>
-              <a:t>authz</a:t>
-            </a:r>
-            <a:r>
-              <a:rPr lang="en-US" dirty="0">
-                <a:solidFill>
-                  <a:srgbClr val="FFFF00"/>
-                </a:solidFill>
-                <a:latin typeface="Courier" charset="0"/>
-                <a:ea typeface="Courier" charset="0"/>
-                <a:cs typeface="Courier" charset="0"/>
-              </a:rPr>
-              <a:t>/python</a:t>
-            </a:r>
-          </a:p>
-        </p:txBody>
-      </p:sp>
-    </p:spTree>
-    <p:extLst>
-      <p:ext uri="{BB962C8B-B14F-4D97-AF65-F5344CB8AC3E}">
-        <p14:creationId xmlns:p14="http://schemas.microsoft.com/office/powerpoint/2010/main" val="668741108"/>
       </p:ext>
     </p:extLst>
   </p:cSld>
@@ -16336,6 +14369,2141 @@
             <p:ph type="title"/>
           </p:nvPr>
         </p:nvSpPr>
+        <p:spPr>
+          <a:xfrm>
+            <a:off x="838200" y="675025"/>
+            <a:ext cx="6010072" cy="1325563"/>
+          </a:xfrm>
+        </p:spPr>
+        <p:txBody>
+          <a:bodyPr/>
+          <a:lstStyle/>
+          <a:p>
+            <a:r>
+              <a:rPr lang="en-US" smtClean="0"/>
+              <a:t>Accessing user </a:t>
+            </a:r>
+            <a:r>
+              <a:rPr lang="en-US" dirty="0" smtClean="0"/>
+              <a:t>data in Python</a:t>
+            </a:r>
+            <a:endParaRPr lang="en-US" dirty="0"/>
+          </a:p>
+        </p:txBody>
+      </p:sp>
+      <p:sp>
+        <p:nvSpPr>
+          <p:cNvPr id="4" name="Rectangle 3"/>
+          <p:cNvSpPr/>
+          <p:nvPr/>
+        </p:nvSpPr>
+        <p:spPr>
+          <a:xfrm>
+            <a:off x="838200" y="2870838"/>
+            <a:ext cx="8383621" cy="3323987"/>
+          </a:xfrm>
+          <a:prstGeom prst="rect">
+            <a:avLst/>
+          </a:prstGeom>
+          <a:solidFill>
+            <a:schemeClr val="tx1"/>
+          </a:solidFill>
+        </p:spPr>
+        <p:txBody>
+          <a:bodyPr wrap="square">
+            <a:spAutoFit/>
+          </a:bodyPr>
+          <a:lstStyle/>
+          <a:p>
+            <a:r>
+              <a:rPr lang="en-US" sz="1400" dirty="0" smtClean="0">
+                <a:solidFill>
+                  <a:srgbClr val="C1651C"/>
+                </a:solidFill>
+                <a:latin typeface="Courier" charset="0"/>
+                <a:ea typeface="Courier" charset="0"/>
+                <a:cs typeface="Courier" charset="0"/>
+              </a:rPr>
+              <a:t>class</a:t>
+            </a:r>
+            <a:r>
+              <a:rPr lang="en-US" sz="1400" dirty="0" smtClean="0">
+                <a:solidFill>
+                  <a:srgbClr val="000000"/>
+                </a:solidFill>
+                <a:latin typeface="Courier" charset="0"/>
+                <a:ea typeface="Courier" charset="0"/>
+                <a:cs typeface="Courier" charset="0"/>
+              </a:rPr>
+              <a:t> </a:t>
+            </a:r>
+            <a:r>
+              <a:rPr lang="en-US" sz="1400" dirty="0" err="1" smtClean="0">
+                <a:solidFill>
+                  <a:srgbClr val="2EAEBB"/>
+                </a:solidFill>
+                <a:latin typeface="Courier" charset="0"/>
+                <a:ea typeface="Courier" charset="0"/>
+                <a:cs typeface="Courier" charset="0"/>
+              </a:rPr>
+              <a:t>DumpPython</a:t>
+            </a:r>
+            <a:r>
+              <a:rPr lang="en-US" sz="1400" dirty="0" smtClean="0">
+                <a:solidFill>
+                  <a:srgbClr val="000000"/>
+                </a:solidFill>
+                <a:latin typeface="Courier" charset="0"/>
+                <a:ea typeface="Courier" charset="0"/>
+                <a:cs typeface="Courier" charset="0"/>
+              </a:rPr>
+              <a:t>(View) :</a:t>
+            </a:r>
+          </a:p>
+          <a:p>
+            <a:r>
+              <a:rPr lang="en-US" sz="1400" dirty="0" smtClean="0">
+                <a:solidFill>
+                  <a:srgbClr val="000000"/>
+                </a:solidFill>
+                <a:latin typeface="Courier" charset="0"/>
+                <a:ea typeface="Courier" charset="0"/>
+                <a:cs typeface="Courier" charset="0"/>
+              </a:rPr>
+              <a:t>    </a:t>
+            </a:r>
+            <a:r>
+              <a:rPr lang="en-US" sz="1400" dirty="0" err="1" smtClean="0">
+                <a:solidFill>
+                  <a:srgbClr val="C1651C"/>
+                </a:solidFill>
+                <a:latin typeface="Courier" charset="0"/>
+                <a:ea typeface="Courier" charset="0"/>
+                <a:cs typeface="Courier" charset="0"/>
+              </a:rPr>
+              <a:t>def</a:t>
+            </a:r>
+            <a:r>
+              <a:rPr lang="en-US" sz="1400" dirty="0" smtClean="0">
+                <a:solidFill>
+                  <a:srgbClr val="000000"/>
+                </a:solidFill>
+                <a:latin typeface="Courier" charset="0"/>
+                <a:ea typeface="Courier" charset="0"/>
+                <a:cs typeface="Courier" charset="0"/>
+              </a:rPr>
+              <a:t> </a:t>
+            </a:r>
+            <a:r>
+              <a:rPr lang="en-US" sz="1400" dirty="0" smtClean="0">
+                <a:solidFill>
+                  <a:srgbClr val="2EAEBB"/>
+                </a:solidFill>
+                <a:latin typeface="Courier" charset="0"/>
+                <a:ea typeface="Courier" charset="0"/>
+                <a:cs typeface="Courier" charset="0"/>
+              </a:rPr>
+              <a:t>get</a:t>
+            </a:r>
+            <a:r>
+              <a:rPr lang="en-US" sz="1400" dirty="0" smtClean="0">
+                <a:solidFill>
+                  <a:srgbClr val="000000"/>
+                </a:solidFill>
+                <a:latin typeface="Courier" charset="0"/>
+                <a:ea typeface="Courier" charset="0"/>
+                <a:cs typeface="Courier" charset="0"/>
+              </a:rPr>
+              <a:t>(self, </a:t>
+            </a:r>
+            <a:r>
+              <a:rPr lang="en-US" sz="1400" dirty="0" err="1" smtClean="0">
+                <a:solidFill>
+                  <a:srgbClr val="000000"/>
+                </a:solidFill>
+                <a:latin typeface="Courier" charset="0"/>
+                <a:ea typeface="Courier" charset="0"/>
+                <a:cs typeface="Courier" charset="0"/>
+              </a:rPr>
+              <a:t>req</a:t>
+            </a:r>
+            <a:r>
+              <a:rPr lang="en-US" sz="1400" dirty="0" smtClean="0">
+                <a:solidFill>
+                  <a:srgbClr val="000000"/>
+                </a:solidFill>
+                <a:latin typeface="Courier" charset="0"/>
+                <a:ea typeface="Courier" charset="0"/>
+                <a:cs typeface="Courier" charset="0"/>
+              </a:rPr>
+              <a:t>):</a:t>
+            </a:r>
+          </a:p>
+          <a:p>
+            <a:r>
+              <a:rPr lang="en-US" sz="1400" dirty="0" smtClean="0">
+                <a:solidFill>
+                  <a:srgbClr val="000000"/>
+                </a:solidFill>
+                <a:latin typeface="Courier" charset="0"/>
+                <a:ea typeface="Courier" charset="0"/>
+                <a:cs typeface="Courier" charset="0"/>
+              </a:rPr>
+              <a:t>        </a:t>
+            </a:r>
+            <a:r>
+              <a:rPr lang="en-US" sz="1400" dirty="0" err="1" smtClean="0">
+                <a:solidFill>
+                  <a:srgbClr val="000000"/>
+                </a:solidFill>
+                <a:latin typeface="Courier" charset="0"/>
+                <a:ea typeface="Courier" charset="0"/>
+                <a:cs typeface="Courier" charset="0"/>
+              </a:rPr>
+              <a:t>resp</a:t>
+            </a:r>
+            <a:r>
+              <a:rPr lang="en-US" sz="1400" dirty="0" smtClean="0">
+                <a:solidFill>
+                  <a:srgbClr val="000000"/>
+                </a:solidFill>
+                <a:latin typeface="Courier" charset="0"/>
+                <a:ea typeface="Courier" charset="0"/>
+                <a:cs typeface="Courier" charset="0"/>
+              </a:rPr>
+              <a:t> = </a:t>
+            </a:r>
+            <a:r>
+              <a:rPr lang="en-US" sz="1400" dirty="0" smtClean="0">
+                <a:solidFill>
+                  <a:srgbClr val="B42419"/>
+                </a:solidFill>
+                <a:latin typeface="Courier" charset="0"/>
+                <a:ea typeface="Courier" charset="0"/>
+                <a:cs typeface="Courier" charset="0"/>
+              </a:rPr>
+              <a:t>"&lt;pre&gt;</a:t>
+            </a:r>
+            <a:r>
+              <a:rPr lang="en-US" sz="1400" dirty="0" smtClean="0">
+                <a:solidFill>
+                  <a:srgbClr val="C814C9"/>
+                </a:solidFill>
+                <a:latin typeface="Courier" charset="0"/>
+                <a:ea typeface="Courier" charset="0"/>
+                <a:cs typeface="Courier" charset="0"/>
+              </a:rPr>
+              <a:t>\</a:t>
+            </a:r>
+            <a:r>
+              <a:rPr lang="en-US" sz="1400" dirty="0" err="1" smtClean="0">
+                <a:solidFill>
+                  <a:srgbClr val="C814C9"/>
+                </a:solidFill>
+                <a:latin typeface="Courier" charset="0"/>
+                <a:ea typeface="Courier" charset="0"/>
+                <a:cs typeface="Courier" charset="0"/>
+              </a:rPr>
+              <a:t>n</a:t>
+            </a:r>
+            <a:r>
+              <a:rPr lang="en-US" sz="1400" dirty="0" err="1" smtClean="0">
+                <a:solidFill>
+                  <a:srgbClr val="B42419"/>
+                </a:solidFill>
+                <a:latin typeface="Courier" charset="0"/>
+                <a:ea typeface="Courier" charset="0"/>
+                <a:cs typeface="Courier" charset="0"/>
+              </a:rPr>
+              <a:t>User</a:t>
+            </a:r>
+            <a:r>
+              <a:rPr lang="en-US" sz="1400" dirty="0" smtClean="0">
+                <a:solidFill>
+                  <a:srgbClr val="B42419"/>
+                </a:solidFill>
+                <a:latin typeface="Courier" charset="0"/>
+                <a:ea typeface="Courier" charset="0"/>
+                <a:cs typeface="Courier" charset="0"/>
+              </a:rPr>
+              <a:t> Data in Python:</a:t>
+            </a:r>
+            <a:r>
+              <a:rPr lang="en-US" sz="1400" dirty="0" smtClean="0">
+                <a:solidFill>
+                  <a:srgbClr val="C814C9"/>
+                </a:solidFill>
+                <a:latin typeface="Courier" charset="0"/>
+                <a:ea typeface="Courier" charset="0"/>
+                <a:cs typeface="Courier" charset="0"/>
+              </a:rPr>
+              <a:t>\n\n</a:t>
+            </a:r>
+            <a:r>
+              <a:rPr lang="en-US" sz="1400" dirty="0" smtClean="0">
+                <a:solidFill>
+                  <a:srgbClr val="B42419"/>
+                </a:solidFill>
+                <a:latin typeface="Courier" charset="0"/>
+                <a:ea typeface="Courier" charset="0"/>
+                <a:cs typeface="Courier" charset="0"/>
+              </a:rPr>
+              <a:t>"</a:t>
+            </a:r>
+            <a:endParaRPr lang="en-US" sz="1400" dirty="0" smtClean="0">
+              <a:solidFill>
+                <a:srgbClr val="000000"/>
+              </a:solidFill>
+              <a:latin typeface="Courier" charset="0"/>
+              <a:ea typeface="Courier" charset="0"/>
+              <a:cs typeface="Courier" charset="0"/>
+            </a:endParaRPr>
+          </a:p>
+          <a:p>
+            <a:r>
+              <a:rPr lang="mr-IN" sz="1400" dirty="0" smtClean="0">
+                <a:solidFill>
+                  <a:srgbClr val="000000"/>
+                </a:solidFill>
+                <a:latin typeface="Courier" charset="0"/>
+                <a:ea typeface="Courier" charset="0"/>
+                <a:cs typeface="Courier" charset="0"/>
+              </a:rPr>
+              <a:t>        </a:t>
+            </a:r>
+            <a:r>
+              <a:rPr lang="mr-IN" sz="1400" dirty="0" err="1" smtClean="0">
+                <a:solidFill>
+                  <a:srgbClr val="000000"/>
+                </a:solidFill>
+                <a:latin typeface="Courier" charset="0"/>
+                <a:ea typeface="Courier" charset="0"/>
+                <a:cs typeface="Courier" charset="0"/>
+              </a:rPr>
+              <a:t>resp</a:t>
+            </a:r>
+            <a:r>
+              <a:rPr lang="mr-IN" sz="1400" dirty="0" smtClean="0">
+                <a:solidFill>
+                  <a:srgbClr val="000000"/>
+                </a:solidFill>
+                <a:latin typeface="Courier" charset="0"/>
+                <a:ea typeface="Courier" charset="0"/>
+                <a:cs typeface="Courier" charset="0"/>
+              </a:rPr>
+              <a:t> += </a:t>
+            </a:r>
+            <a:r>
+              <a:rPr lang="mr-IN" sz="1400" dirty="0" smtClean="0">
+                <a:solidFill>
+                  <a:srgbClr val="B42419"/>
+                </a:solidFill>
+                <a:latin typeface="Courier" charset="0"/>
+                <a:ea typeface="Courier" charset="0"/>
+                <a:cs typeface="Courier" charset="0"/>
+              </a:rPr>
+              <a:t>"</a:t>
+            </a:r>
+            <a:r>
+              <a:rPr lang="mr-IN" sz="1400" dirty="0" err="1" smtClean="0">
+                <a:solidFill>
+                  <a:srgbClr val="B42419"/>
+                </a:solidFill>
+                <a:latin typeface="Courier" charset="0"/>
+                <a:ea typeface="Courier" charset="0"/>
+                <a:cs typeface="Courier" charset="0"/>
+              </a:rPr>
+              <a:t>Login</a:t>
+            </a:r>
+            <a:r>
+              <a:rPr lang="mr-IN" sz="1400" dirty="0" smtClean="0">
+                <a:solidFill>
+                  <a:srgbClr val="B42419"/>
+                </a:solidFill>
+                <a:latin typeface="Courier" charset="0"/>
+                <a:ea typeface="Courier" charset="0"/>
+                <a:cs typeface="Courier" charset="0"/>
+              </a:rPr>
+              <a:t> </a:t>
+            </a:r>
+            <a:r>
+              <a:rPr lang="mr-IN" sz="1400" dirty="0" err="1" smtClean="0">
+                <a:solidFill>
+                  <a:srgbClr val="B42419"/>
+                </a:solidFill>
+                <a:latin typeface="Courier" charset="0"/>
+                <a:ea typeface="Courier" charset="0"/>
+                <a:cs typeface="Courier" charset="0"/>
+              </a:rPr>
+              <a:t>url</a:t>
+            </a:r>
+            <a:r>
+              <a:rPr lang="mr-IN" sz="1400" dirty="0" smtClean="0">
+                <a:solidFill>
+                  <a:srgbClr val="B42419"/>
+                </a:solidFill>
+                <a:latin typeface="Courier" charset="0"/>
+                <a:ea typeface="Courier" charset="0"/>
+                <a:cs typeface="Courier" charset="0"/>
+              </a:rPr>
+              <a:t>: "</a:t>
+            </a:r>
+            <a:r>
+              <a:rPr lang="mr-IN" sz="1400" dirty="0" smtClean="0">
+                <a:solidFill>
+                  <a:srgbClr val="000000"/>
+                </a:solidFill>
+                <a:latin typeface="Courier" charset="0"/>
+                <a:ea typeface="Courier" charset="0"/>
+                <a:cs typeface="Courier" charset="0"/>
+              </a:rPr>
+              <a:t> + </a:t>
+            </a:r>
+            <a:r>
+              <a:rPr lang="mr-IN" sz="1400" dirty="0" err="1" smtClean="0">
+                <a:solidFill>
+                  <a:srgbClr val="000000"/>
+                </a:solidFill>
+                <a:latin typeface="Courier" charset="0"/>
+                <a:ea typeface="Courier" charset="0"/>
+                <a:cs typeface="Courier" charset="0"/>
+              </a:rPr>
+              <a:t>reverse</a:t>
+            </a:r>
+            <a:r>
+              <a:rPr lang="mr-IN" sz="1400" dirty="0" smtClean="0">
+                <a:solidFill>
+                  <a:srgbClr val="000000"/>
+                </a:solidFill>
+                <a:latin typeface="Courier" charset="0"/>
+                <a:ea typeface="Courier" charset="0"/>
+                <a:cs typeface="Courier" charset="0"/>
+              </a:rPr>
+              <a:t>(</a:t>
+            </a:r>
+            <a:r>
+              <a:rPr lang="mr-IN" sz="1400" dirty="0" smtClean="0">
+                <a:solidFill>
+                  <a:srgbClr val="B42419"/>
+                </a:solidFill>
+                <a:latin typeface="Courier" charset="0"/>
+                <a:ea typeface="Courier" charset="0"/>
+                <a:cs typeface="Courier" charset="0"/>
+              </a:rPr>
+              <a:t>'</a:t>
+            </a:r>
+            <a:r>
+              <a:rPr lang="mr-IN" sz="1400" dirty="0" err="1" smtClean="0">
+                <a:solidFill>
+                  <a:srgbClr val="B42419"/>
+                </a:solidFill>
+                <a:latin typeface="Courier" charset="0"/>
+                <a:ea typeface="Courier" charset="0"/>
+                <a:cs typeface="Courier" charset="0"/>
+              </a:rPr>
+              <a:t>login</a:t>
+            </a:r>
+            <a:r>
+              <a:rPr lang="mr-IN" sz="1400" dirty="0" smtClean="0">
+                <a:solidFill>
+                  <a:srgbClr val="B42419"/>
+                </a:solidFill>
+                <a:latin typeface="Courier" charset="0"/>
+                <a:ea typeface="Courier" charset="0"/>
+                <a:cs typeface="Courier" charset="0"/>
+              </a:rPr>
+              <a:t>'</a:t>
+            </a:r>
+            <a:r>
+              <a:rPr lang="mr-IN" sz="1400" dirty="0" smtClean="0">
+                <a:solidFill>
+                  <a:srgbClr val="000000"/>
+                </a:solidFill>
+                <a:latin typeface="Courier" charset="0"/>
+                <a:ea typeface="Courier" charset="0"/>
+                <a:cs typeface="Courier" charset="0"/>
+              </a:rPr>
+              <a:t>) + </a:t>
+            </a:r>
+            <a:r>
+              <a:rPr lang="mr-IN" sz="1400" dirty="0" smtClean="0">
+                <a:solidFill>
+                  <a:srgbClr val="B42419"/>
+                </a:solidFill>
+                <a:latin typeface="Courier" charset="0"/>
+                <a:ea typeface="Courier" charset="0"/>
+                <a:cs typeface="Courier" charset="0"/>
+              </a:rPr>
+              <a:t>"</a:t>
+            </a:r>
+            <a:r>
+              <a:rPr lang="mr-IN" sz="1400" dirty="0" smtClean="0">
+                <a:solidFill>
+                  <a:srgbClr val="C814C9"/>
+                </a:solidFill>
+                <a:latin typeface="Courier" charset="0"/>
+                <a:ea typeface="Courier" charset="0"/>
+                <a:cs typeface="Courier" charset="0"/>
+              </a:rPr>
+              <a:t>\</a:t>
+            </a:r>
+            <a:r>
+              <a:rPr lang="mr-IN" sz="1400" dirty="0" err="1" smtClean="0">
+                <a:solidFill>
+                  <a:srgbClr val="C814C9"/>
+                </a:solidFill>
+                <a:latin typeface="Courier" charset="0"/>
+                <a:ea typeface="Courier" charset="0"/>
+                <a:cs typeface="Courier" charset="0"/>
+              </a:rPr>
+              <a:t>n</a:t>
+            </a:r>
+            <a:r>
+              <a:rPr lang="mr-IN" sz="1400" dirty="0" smtClean="0">
+                <a:solidFill>
+                  <a:srgbClr val="B42419"/>
+                </a:solidFill>
+                <a:latin typeface="Courier" charset="0"/>
+                <a:ea typeface="Courier" charset="0"/>
+                <a:cs typeface="Courier" charset="0"/>
+              </a:rPr>
+              <a:t>"</a:t>
+            </a:r>
+            <a:endParaRPr lang="mr-IN" sz="1400" dirty="0" smtClean="0">
+              <a:solidFill>
+                <a:srgbClr val="000000"/>
+              </a:solidFill>
+              <a:latin typeface="Courier" charset="0"/>
+              <a:ea typeface="Courier" charset="0"/>
+              <a:cs typeface="Courier" charset="0"/>
+            </a:endParaRPr>
+          </a:p>
+          <a:p>
+            <a:r>
+              <a:rPr lang="mr-IN" sz="1400" dirty="0" smtClean="0">
+                <a:solidFill>
+                  <a:srgbClr val="000000"/>
+                </a:solidFill>
+                <a:latin typeface="Courier" charset="0"/>
+                <a:ea typeface="Courier" charset="0"/>
+                <a:cs typeface="Courier" charset="0"/>
+              </a:rPr>
+              <a:t>        </a:t>
+            </a:r>
+            <a:r>
+              <a:rPr lang="mr-IN" sz="1400" dirty="0" err="1" smtClean="0">
+                <a:solidFill>
+                  <a:srgbClr val="000000"/>
+                </a:solidFill>
+                <a:latin typeface="Courier" charset="0"/>
+                <a:ea typeface="Courier" charset="0"/>
+                <a:cs typeface="Courier" charset="0"/>
+              </a:rPr>
+              <a:t>resp</a:t>
+            </a:r>
+            <a:r>
+              <a:rPr lang="mr-IN" sz="1400" dirty="0" smtClean="0">
+                <a:solidFill>
+                  <a:srgbClr val="000000"/>
+                </a:solidFill>
+                <a:latin typeface="Courier" charset="0"/>
+                <a:ea typeface="Courier" charset="0"/>
+                <a:cs typeface="Courier" charset="0"/>
+              </a:rPr>
+              <a:t> += </a:t>
+            </a:r>
+            <a:r>
+              <a:rPr lang="mr-IN" sz="1400" dirty="0" smtClean="0">
+                <a:solidFill>
+                  <a:srgbClr val="B42419"/>
+                </a:solidFill>
+                <a:latin typeface="Courier" charset="0"/>
+                <a:ea typeface="Courier" charset="0"/>
+                <a:cs typeface="Courier" charset="0"/>
+              </a:rPr>
+              <a:t>"</a:t>
+            </a:r>
+            <a:r>
+              <a:rPr lang="mr-IN" sz="1400" dirty="0" err="1" smtClean="0">
+                <a:solidFill>
+                  <a:srgbClr val="B42419"/>
+                </a:solidFill>
+                <a:latin typeface="Courier" charset="0"/>
+                <a:ea typeface="Courier" charset="0"/>
+                <a:cs typeface="Courier" charset="0"/>
+              </a:rPr>
+              <a:t>Logout</a:t>
+            </a:r>
+            <a:r>
+              <a:rPr lang="mr-IN" sz="1400" dirty="0" smtClean="0">
+                <a:solidFill>
+                  <a:srgbClr val="B42419"/>
+                </a:solidFill>
+                <a:latin typeface="Courier" charset="0"/>
+                <a:ea typeface="Courier" charset="0"/>
+                <a:cs typeface="Courier" charset="0"/>
+              </a:rPr>
+              <a:t> </a:t>
+            </a:r>
+            <a:r>
+              <a:rPr lang="mr-IN" sz="1400" dirty="0" err="1" smtClean="0">
+                <a:solidFill>
+                  <a:srgbClr val="B42419"/>
+                </a:solidFill>
+                <a:latin typeface="Courier" charset="0"/>
+                <a:ea typeface="Courier" charset="0"/>
+                <a:cs typeface="Courier" charset="0"/>
+              </a:rPr>
+              <a:t>url</a:t>
+            </a:r>
+            <a:r>
+              <a:rPr lang="mr-IN" sz="1400" dirty="0" smtClean="0">
+                <a:solidFill>
+                  <a:srgbClr val="B42419"/>
+                </a:solidFill>
+                <a:latin typeface="Courier" charset="0"/>
+                <a:ea typeface="Courier" charset="0"/>
+                <a:cs typeface="Courier" charset="0"/>
+              </a:rPr>
+              <a:t>: "</a:t>
+            </a:r>
+            <a:r>
+              <a:rPr lang="mr-IN" sz="1400" dirty="0" smtClean="0">
+                <a:solidFill>
+                  <a:srgbClr val="000000"/>
+                </a:solidFill>
+                <a:latin typeface="Courier" charset="0"/>
+                <a:ea typeface="Courier" charset="0"/>
+                <a:cs typeface="Courier" charset="0"/>
+              </a:rPr>
+              <a:t> + </a:t>
+            </a:r>
+            <a:r>
+              <a:rPr lang="mr-IN" sz="1400" dirty="0" err="1" smtClean="0">
+                <a:solidFill>
+                  <a:srgbClr val="000000"/>
+                </a:solidFill>
+                <a:latin typeface="Courier" charset="0"/>
+                <a:ea typeface="Courier" charset="0"/>
+                <a:cs typeface="Courier" charset="0"/>
+              </a:rPr>
+              <a:t>reverse</a:t>
+            </a:r>
+            <a:r>
+              <a:rPr lang="mr-IN" sz="1400" dirty="0" smtClean="0">
+                <a:solidFill>
+                  <a:srgbClr val="000000"/>
+                </a:solidFill>
+                <a:latin typeface="Courier" charset="0"/>
+                <a:ea typeface="Courier" charset="0"/>
+                <a:cs typeface="Courier" charset="0"/>
+              </a:rPr>
+              <a:t>(</a:t>
+            </a:r>
+            <a:r>
+              <a:rPr lang="mr-IN" sz="1400" dirty="0" smtClean="0">
+                <a:solidFill>
+                  <a:srgbClr val="B42419"/>
+                </a:solidFill>
+                <a:latin typeface="Courier" charset="0"/>
+                <a:ea typeface="Courier" charset="0"/>
+                <a:cs typeface="Courier" charset="0"/>
+              </a:rPr>
+              <a:t>'</a:t>
+            </a:r>
+            <a:r>
+              <a:rPr lang="mr-IN" sz="1400" dirty="0" err="1" smtClean="0">
+                <a:solidFill>
+                  <a:srgbClr val="B42419"/>
+                </a:solidFill>
+                <a:latin typeface="Courier" charset="0"/>
+                <a:ea typeface="Courier" charset="0"/>
+                <a:cs typeface="Courier" charset="0"/>
+              </a:rPr>
+              <a:t>logout</a:t>
+            </a:r>
+            <a:r>
+              <a:rPr lang="mr-IN" sz="1400" dirty="0" smtClean="0">
+                <a:solidFill>
+                  <a:srgbClr val="B42419"/>
+                </a:solidFill>
+                <a:latin typeface="Courier" charset="0"/>
+                <a:ea typeface="Courier" charset="0"/>
+                <a:cs typeface="Courier" charset="0"/>
+              </a:rPr>
+              <a:t>'</a:t>
+            </a:r>
+            <a:r>
+              <a:rPr lang="mr-IN" sz="1400" dirty="0" smtClean="0">
+                <a:solidFill>
+                  <a:srgbClr val="000000"/>
+                </a:solidFill>
+                <a:latin typeface="Courier" charset="0"/>
+                <a:ea typeface="Courier" charset="0"/>
+                <a:cs typeface="Courier" charset="0"/>
+              </a:rPr>
+              <a:t>) + </a:t>
+            </a:r>
+            <a:r>
+              <a:rPr lang="mr-IN" sz="1400" dirty="0" smtClean="0">
+                <a:solidFill>
+                  <a:srgbClr val="B42419"/>
+                </a:solidFill>
+                <a:latin typeface="Courier" charset="0"/>
+                <a:ea typeface="Courier" charset="0"/>
+                <a:cs typeface="Courier" charset="0"/>
+              </a:rPr>
+              <a:t>"</a:t>
+            </a:r>
+            <a:r>
+              <a:rPr lang="mr-IN" sz="1400" dirty="0" smtClean="0">
+                <a:solidFill>
+                  <a:srgbClr val="C814C9"/>
+                </a:solidFill>
+                <a:latin typeface="Courier" charset="0"/>
+                <a:ea typeface="Courier" charset="0"/>
+                <a:cs typeface="Courier" charset="0"/>
+              </a:rPr>
+              <a:t>\</a:t>
+            </a:r>
+            <a:r>
+              <a:rPr lang="mr-IN" sz="1400" dirty="0" err="1" smtClean="0">
+                <a:solidFill>
+                  <a:srgbClr val="C814C9"/>
+                </a:solidFill>
+                <a:latin typeface="Courier" charset="0"/>
+                <a:ea typeface="Courier" charset="0"/>
+                <a:cs typeface="Courier" charset="0"/>
+              </a:rPr>
+              <a:t>n</a:t>
+            </a:r>
+            <a:r>
+              <a:rPr lang="mr-IN" sz="1400" dirty="0" smtClean="0">
+                <a:solidFill>
+                  <a:srgbClr val="C814C9"/>
+                </a:solidFill>
+                <a:latin typeface="Courier" charset="0"/>
+                <a:ea typeface="Courier" charset="0"/>
+                <a:cs typeface="Courier" charset="0"/>
+              </a:rPr>
+              <a:t>\</a:t>
+            </a:r>
+            <a:r>
+              <a:rPr lang="mr-IN" sz="1400" dirty="0" err="1" smtClean="0">
+                <a:solidFill>
+                  <a:srgbClr val="C814C9"/>
+                </a:solidFill>
+                <a:latin typeface="Courier" charset="0"/>
+                <a:ea typeface="Courier" charset="0"/>
+                <a:cs typeface="Courier" charset="0"/>
+              </a:rPr>
+              <a:t>n</a:t>
+            </a:r>
+            <a:r>
+              <a:rPr lang="mr-IN" sz="1400" dirty="0" smtClean="0">
+                <a:solidFill>
+                  <a:srgbClr val="B42419"/>
+                </a:solidFill>
+                <a:latin typeface="Courier" charset="0"/>
+                <a:ea typeface="Courier" charset="0"/>
+                <a:cs typeface="Courier" charset="0"/>
+              </a:rPr>
+              <a:t>"</a:t>
+            </a:r>
+            <a:endParaRPr lang="mr-IN" sz="1400" dirty="0" smtClean="0">
+              <a:solidFill>
+                <a:srgbClr val="000000"/>
+              </a:solidFill>
+              <a:latin typeface="Courier" charset="0"/>
+              <a:ea typeface="Courier" charset="0"/>
+              <a:cs typeface="Courier" charset="0"/>
+            </a:endParaRPr>
+          </a:p>
+          <a:p>
+            <a:r>
+              <a:rPr lang="en-US" sz="1400" dirty="0" smtClean="0">
+                <a:solidFill>
+                  <a:srgbClr val="000000"/>
+                </a:solidFill>
+                <a:latin typeface="Courier" charset="0"/>
+                <a:ea typeface="Courier" charset="0"/>
+                <a:cs typeface="Courier" charset="0"/>
+              </a:rPr>
+              <a:t>        </a:t>
+            </a:r>
+            <a:r>
+              <a:rPr lang="en-US" sz="1400" dirty="0" smtClean="0">
+                <a:solidFill>
+                  <a:srgbClr val="C1651C"/>
+                </a:solidFill>
+                <a:latin typeface="Courier" charset="0"/>
+                <a:ea typeface="Courier" charset="0"/>
+                <a:cs typeface="Courier" charset="0"/>
+              </a:rPr>
+              <a:t>if</a:t>
+            </a:r>
+            <a:r>
+              <a:rPr lang="en-US" sz="1400" dirty="0" smtClean="0">
+                <a:solidFill>
+                  <a:srgbClr val="000000"/>
+                </a:solidFill>
+                <a:latin typeface="Courier" charset="0"/>
+                <a:ea typeface="Courier" charset="0"/>
+                <a:cs typeface="Courier" charset="0"/>
+              </a:rPr>
+              <a:t> </a:t>
+            </a:r>
+            <a:r>
+              <a:rPr lang="en-US" sz="1400" dirty="0" err="1" smtClean="0">
+                <a:solidFill>
+                  <a:srgbClr val="000000"/>
+                </a:solidFill>
+                <a:latin typeface="Courier" charset="0"/>
+                <a:ea typeface="Courier" charset="0"/>
+                <a:cs typeface="Courier" charset="0"/>
+              </a:rPr>
+              <a:t>req.user.is_authenticated</a:t>
+            </a:r>
+            <a:r>
+              <a:rPr lang="en-US" sz="1400" dirty="0" smtClean="0">
+                <a:solidFill>
+                  <a:srgbClr val="000000"/>
+                </a:solidFill>
+                <a:latin typeface="Courier" charset="0"/>
+                <a:ea typeface="Courier" charset="0"/>
+                <a:cs typeface="Courier" charset="0"/>
+              </a:rPr>
+              <a:t>:</a:t>
+            </a:r>
+          </a:p>
+          <a:p>
+            <a:r>
+              <a:rPr lang="mr-IN" sz="1400" dirty="0" smtClean="0">
+                <a:solidFill>
+                  <a:srgbClr val="000000"/>
+                </a:solidFill>
+                <a:latin typeface="Courier" charset="0"/>
+                <a:ea typeface="Courier" charset="0"/>
+                <a:cs typeface="Courier" charset="0"/>
+              </a:rPr>
+              <a:t>            </a:t>
+            </a:r>
+            <a:r>
+              <a:rPr lang="mr-IN" sz="1400" dirty="0" err="1" smtClean="0">
+                <a:solidFill>
+                  <a:srgbClr val="000000"/>
+                </a:solidFill>
+                <a:latin typeface="Courier" charset="0"/>
+                <a:ea typeface="Courier" charset="0"/>
+                <a:cs typeface="Courier" charset="0"/>
+              </a:rPr>
+              <a:t>resp</a:t>
+            </a:r>
+            <a:r>
+              <a:rPr lang="mr-IN" sz="1400" dirty="0" smtClean="0">
+                <a:solidFill>
+                  <a:srgbClr val="000000"/>
+                </a:solidFill>
+                <a:latin typeface="Courier" charset="0"/>
+                <a:ea typeface="Courier" charset="0"/>
+                <a:cs typeface="Courier" charset="0"/>
+              </a:rPr>
+              <a:t> += </a:t>
+            </a:r>
+            <a:r>
+              <a:rPr lang="mr-IN" sz="1400" dirty="0" smtClean="0">
+                <a:solidFill>
+                  <a:srgbClr val="B42419"/>
+                </a:solidFill>
+                <a:latin typeface="Courier" charset="0"/>
+                <a:ea typeface="Courier" charset="0"/>
+                <a:cs typeface="Courier" charset="0"/>
+              </a:rPr>
+              <a:t>"</a:t>
+            </a:r>
+            <a:r>
+              <a:rPr lang="mr-IN" sz="1400" dirty="0" err="1" smtClean="0">
+                <a:solidFill>
+                  <a:srgbClr val="B42419"/>
+                </a:solidFill>
+                <a:latin typeface="Courier" charset="0"/>
+                <a:ea typeface="Courier" charset="0"/>
+                <a:cs typeface="Courier" charset="0"/>
+              </a:rPr>
+              <a:t>User</a:t>
+            </a:r>
+            <a:r>
+              <a:rPr lang="mr-IN" sz="1400" dirty="0" smtClean="0">
+                <a:solidFill>
+                  <a:srgbClr val="B42419"/>
+                </a:solidFill>
+                <a:latin typeface="Courier" charset="0"/>
+                <a:ea typeface="Courier" charset="0"/>
+                <a:cs typeface="Courier" charset="0"/>
+              </a:rPr>
+              <a:t>: "</a:t>
+            </a:r>
+            <a:r>
+              <a:rPr lang="mr-IN" sz="1400" dirty="0" smtClean="0">
+                <a:solidFill>
+                  <a:srgbClr val="000000"/>
+                </a:solidFill>
+                <a:latin typeface="Courier" charset="0"/>
+                <a:ea typeface="Courier" charset="0"/>
+                <a:cs typeface="Courier" charset="0"/>
+              </a:rPr>
+              <a:t> + </a:t>
+            </a:r>
+            <a:r>
+              <a:rPr lang="mr-IN" sz="1400" dirty="0" err="1" smtClean="0">
+                <a:solidFill>
+                  <a:srgbClr val="000000"/>
+                </a:solidFill>
+                <a:latin typeface="Courier" charset="0"/>
+                <a:ea typeface="Courier" charset="0"/>
+                <a:cs typeface="Courier" charset="0"/>
+              </a:rPr>
+              <a:t>req.user.username</a:t>
+            </a:r>
+            <a:r>
+              <a:rPr lang="mr-IN" sz="1400" dirty="0" smtClean="0">
+                <a:solidFill>
+                  <a:srgbClr val="000000"/>
+                </a:solidFill>
+                <a:latin typeface="Courier" charset="0"/>
+                <a:ea typeface="Courier" charset="0"/>
+                <a:cs typeface="Courier" charset="0"/>
+              </a:rPr>
+              <a:t> + </a:t>
+            </a:r>
+            <a:r>
+              <a:rPr lang="mr-IN" sz="1400" dirty="0" smtClean="0">
+                <a:solidFill>
+                  <a:srgbClr val="B42419"/>
+                </a:solidFill>
+                <a:latin typeface="Courier" charset="0"/>
+                <a:ea typeface="Courier" charset="0"/>
+                <a:cs typeface="Courier" charset="0"/>
+              </a:rPr>
+              <a:t>"</a:t>
+            </a:r>
+            <a:r>
+              <a:rPr lang="mr-IN" sz="1400" dirty="0" smtClean="0">
+                <a:solidFill>
+                  <a:srgbClr val="C814C9"/>
+                </a:solidFill>
+                <a:latin typeface="Courier" charset="0"/>
+                <a:ea typeface="Courier" charset="0"/>
+                <a:cs typeface="Courier" charset="0"/>
+              </a:rPr>
+              <a:t>\</a:t>
+            </a:r>
+            <a:r>
+              <a:rPr lang="mr-IN" sz="1400" dirty="0" err="1" smtClean="0">
+                <a:solidFill>
+                  <a:srgbClr val="C814C9"/>
+                </a:solidFill>
+                <a:latin typeface="Courier" charset="0"/>
+                <a:ea typeface="Courier" charset="0"/>
+                <a:cs typeface="Courier" charset="0"/>
+              </a:rPr>
+              <a:t>n</a:t>
+            </a:r>
+            <a:r>
+              <a:rPr lang="mr-IN" sz="1400" dirty="0" smtClean="0">
+                <a:solidFill>
+                  <a:srgbClr val="B42419"/>
+                </a:solidFill>
+                <a:latin typeface="Courier" charset="0"/>
+                <a:ea typeface="Courier" charset="0"/>
+                <a:cs typeface="Courier" charset="0"/>
+              </a:rPr>
+              <a:t>"</a:t>
+            </a:r>
+            <a:endParaRPr lang="mr-IN" sz="1400" dirty="0" smtClean="0">
+              <a:solidFill>
+                <a:srgbClr val="000000"/>
+              </a:solidFill>
+              <a:latin typeface="Courier" charset="0"/>
+              <a:ea typeface="Courier" charset="0"/>
+              <a:cs typeface="Courier" charset="0"/>
+            </a:endParaRPr>
+          </a:p>
+          <a:p>
+            <a:r>
+              <a:rPr lang="mr-IN" sz="1400" dirty="0" smtClean="0">
+                <a:solidFill>
+                  <a:srgbClr val="000000"/>
+                </a:solidFill>
+                <a:latin typeface="Courier" charset="0"/>
+                <a:ea typeface="Courier" charset="0"/>
+                <a:cs typeface="Courier" charset="0"/>
+              </a:rPr>
+              <a:t>            </a:t>
+            </a:r>
+            <a:r>
+              <a:rPr lang="mr-IN" sz="1400" dirty="0" err="1" smtClean="0">
+                <a:solidFill>
+                  <a:srgbClr val="000000"/>
+                </a:solidFill>
+                <a:latin typeface="Courier" charset="0"/>
+                <a:ea typeface="Courier" charset="0"/>
+                <a:cs typeface="Courier" charset="0"/>
+              </a:rPr>
+              <a:t>resp</a:t>
+            </a:r>
+            <a:r>
+              <a:rPr lang="mr-IN" sz="1400" dirty="0" smtClean="0">
+                <a:solidFill>
+                  <a:srgbClr val="000000"/>
+                </a:solidFill>
+                <a:latin typeface="Courier" charset="0"/>
+                <a:ea typeface="Courier" charset="0"/>
+                <a:cs typeface="Courier" charset="0"/>
+              </a:rPr>
+              <a:t> += </a:t>
+            </a:r>
+            <a:r>
+              <a:rPr lang="mr-IN" sz="1400" dirty="0" smtClean="0">
+                <a:solidFill>
+                  <a:srgbClr val="B42419"/>
+                </a:solidFill>
+                <a:latin typeface="Courier" charset="0"/>
+                <a:ea typeface="Courier" charset="0"/>
+                <a:cs typeface="Courier" charset="0"/>
+              </a:rPr>
+              <a:t>"</a:t>
+            </a:r>
+            <a:r>
+              <a:rPr lang="mr-IN" sz="1400" dirty="0" err="1" smtClean="0">
+                <a:solidFill>
+                  <a:srgbClr val="B42419"/>
+                </a:solidFill>
+                <a:latin typeface="Courier" charset="0"/>
+                <a:ea typeface="Courier" charset="0"/>
+                <a:cs typeface="Courier" charset="0"/>
+              </a:rPr>
+              <a:t>Email</a:t>
+            </a:r>
+            <a:r>
+              <a:rPr lang="mr-IN" sz="1400" dirty="0" smtClean="0">
+                <a:solidFill>
+                  <a:srgbClr val="B42419"/>
+                </a:solidFill>
+                <a:latin typeface="Courier" charset="0"/>
+                <a:ea typeface="Courier" charset="0"/>
+                <a:cs typeface="Courier" charset="0"/>
+              </a:rPr>
+              <a:t>: "</a:t>
+            </a:r>
+            <a:r>
+              <a:rPr lang="mr-IN" sz="1400" dirty="0" smtClean="0">
+                <a:solidFill>
+                  <a:srgbClr val="000000"/>
+                </a:solidFill>
+                <a:latin typeface="Courier" charset="0"/>
+                <a:ea typeface="Courier" charset="0"/>
+                <a:cs typeface="Courier" charset="0"/>
+              </a:rPr>
+              <a:t> + </a:t>
+            </a:r>
+            <a:r>
+              <a:rPr lang="mr-IN" sz="1400" dirty="0" err="1" smtClean="0">
+                <a:solidFill>
+                  <a:srgbClr val="000000"/>
+                </a:solidFill>
+                <a:latin typeface="Courier" charset="0"/>
+                <a:ea typeface="Courier" charset="0"/>
+                <a:cs typeface="Courier" charset="0"/>
+              </a:rPr>
+              <a:t>req.user.email</a:t>
+            </a:r>
+            <a:r>
+              <a:rPr lang="mr-IN" sz="1400" dirty="0" smtClean="0">
+                <a:solidFill>
+                  <a:srgbClr val="000000"/>
+                </a:solidFill>
+                <a:latin typeface="Courier" charset="0"/>
+                <a:ea typeface="Courier" charset="0"/>
+                <a:cs typeface="Courier" charset="0"/>
+              </a:rPr>
+              <a:t> + </a:t>
+            </a:r>
+            <a:r>
+              <a:rPr lang="mr-IN" sz="1400" dirty="0" smtClean="0">
+                <a:solidFill>
+                  <a:srgbClr val="B42419"/>
+                </a:solidFill>
+                <a:latin typeface="Courier" charset="0"/>
+                <a:ea typeface="Courier" charset="0"/>
+                <a:cs typeface="Courier" charset="0"/>
+              </a:rPr>
+              <a:t>"</a:t>
+            </a:r>
+            <a:r>
+              <a:rPr lang="mr-IN" sz="1400" dirty="0" smtClean="0">
+                <a:solidFill>
+                  <a:srgbClr val="C814C9"/>
+                </a:solidFill>
+                <a:latin typeface="Courier" charset="0"/>
+                <a:ea typeface="Courier" charset="0"/>
+                <a:cs typeface="Courier" charset="0"/>
+              </a:rPr>
+              <a:t>\</a:t>
+            </a:r>
+            <a:r>
+              <a:rPr lang="mr-IN" sz="1400" dirty="0" err="1" smtClean="0">
+                <a:solidFill>
+                  <a:srgbClr val="C814C9"/>
+                </a:solidFill>
+                <a:latin typeface="Courier" charset="0"/>
+                <a:ea typeface="Courier" charset="0"/>
+                <a:cs typeface="Courier" charset="0"/>
+              </a:rPr>
+              <a:t>n</a:t>
+            </a:r>
+            <a:r>
+              <a:rPr lang="mr-IN" sz="1400" dirty="0" smtClean="0">
+                <a:solidFill>
+                  <a:srgbClr val="B42419"/>
+                </a:solidFill>
+                <a:latin typeface="Courier" charset="0"/>
+                <a:ea typeface="Courier" charset="0"/>
+                <a:cs typeface="Courier" charset="0"/>
+              </a:rPr>
+              <a:t>"</a:t>
+            </a:r>
+            <a:endParaRPr lang="mr-IN" sz="1400" dirty="0" smtClean="0">
+              <a:solidFill>
+                <a:srgbClr val="000000"/>
+              </a:solidFill>
+              <a:latin typeface="Courier" charset="0"/>
+              <a:ea typeface="Courier" charset="0"/>
+              <a:cs typeface="Courier" charset="0"/>
+            </a:endParaRPr>
+          </a:p>
+          <a:p>
+            <a:r>
+              <a:rPr lang="mr-IN" sz="1400" dirty="0" smtClean="0">
+                <a:solidFill>
+                  <a:srgbClr val="000000"/>
+                </a:solidFill>
+                <a:latin typeface="Courier" charset="0"/>
+                <a:ea typeface="Courier" charset="0"/>
+                <a:cs typeface="Courier" charset="0"/>
+              </a:rPr>
+              <a:t>        </a:t>
+            </a:r>
+            <a:r>
+              <a:rPr lang="mr-IN" sz="1400" dirty="0" err="1" smtClean="0">
+                <a:solidFill>
+                  <a:srgbClr val="C1651C"/>
+                </a:solidFill>
+                <a:latin typeface="Courier" charset="0"/>
+                <a:ea typeface="Courier" charset="0"/>
+                <a:cs typeface="Courier" charset="0"/>
+              </a:rPr>
+              <a:t>else</a:t>
+            </a:r>
+            <a:r>
+              <a:rPr lang="mr-IN" sz="1400" dirty="0" smtClean="0">
+                <a:solidFill>
+                  <a:srgbClr val="000000"/>
+                </a:solidFill>
+                <a:latin typeface="Courier" charset="0"/>
+                <a:ea typeface="Courier" charset="0"/>
+                <a:cs typeface="Courier" charset="0"/>
+              </a:rPr>
+              <a:t>:</a:t>
+            </a:r>
+          </a:p>
+          <a:p>
+            <a:r>
+              <a:rPr lang="mr-IN" sz="1400" dirty="0" smtClean="0">
+                <a:solidFill>
+                  <a:srgbClr val="000000"/>
+                </a:solidFill>
+                <a:latin typeface="Courier" charset="0"/>
+                <a:ea typeface="Courier" charset="0"/>
+                <a:cs typeface="Courier" charset="0"/>
+              </a:rPr>
+              <a:t>            </a:t>
+            </a:r>
+            <a:r>
+              <a:rPr lang="mr-IN" sz="1400" dirty="0" err="1" smtClean="0">
+                <a:solidFill>
+                  <a:srgbClr val="000000"/>
+                </a:solidFill>
+                <a:latin typeface="Courier" charset="0"/>
+                <a:ea typeface="Courier" charset="0"/>
+                <a:cs typeface="Courier" charset="0"/>
+              </a:rPr>
+              <a:t>resp</a:t>
+            </a:r>
+            <a:r>
+              <a:rPr lang="mr-IN" sz="1400" dirty="0" smtClean="0">
+                <a:solidFill>
+                  <a:srgbClr val="000000"/>
+                </a:solidFill>
+                <a:latin typeface="Courier" charset="0"/>
+                <a:ea typeface="Courier" charset="0"/>
+                <a:cs typeface="Courier" charset="0"/>
+              </a:rPr>
+              <a:t> += </a:t>
+            </a:r>
+            <a:r>
+              <a:rPr lang="mr-IN" sz="1400" dirty="0" smtClean="0">
+                <a:solidFill>
+                  <a:srgbClr val="B42419"/>
+                </a:solidFill>
+                <a:latin typeface="Courier" charset="0"/>
+                <a:ea typeface="Courier" charset="0"/>
+                <a:cs typeface="Courier" charset="0"/>
+              </a:rPr>
+              <a:t>"</a:t>
+            </a:r>
+            <a:r>
+              <a:rPr lang="mr-IN" sz="1400" dirty="0" err="1" smtClean="0">
+                <a:solidFill>
+                  <a:srgbClr val="B42419"/>
+                </a:solidFill>
+                <a:latin typeface="Courier" charset="0"/>
+                <a:ea typeface="Courier" charset="0"/>
+                <a:cs typeface="Courier" charset="0"/>
+              </a:rPr>
+              <a:t>User</a:t>
+            </a:r>
+            <a:r>
+              <a:rPr lang="mr-IN" sz="1400" dirty="0" smtClean="0">
+                <a:solidFill>
+                  <a:srgbClr val="B42419"/>
+                </a:solidFill>
+                <a:latin typeface="Courier" charset="0"/>
+                <a:ea typeface="Courier" charset="0"/>
+                <a:cs typeface="Courier" charset="0"/>
+              </a:rPr>
+              <a:t> </a:t>
+            </a:r>
+            <a:r>
+              <a:rPr lang="mr-IN" sz="1400" dirty="0" err="1" smtClean="0">
+                <a:solidFill>
+                  <a:srgbClr val="B42419"/>
+                </a:solidFill>
+                <a:latin typeface="Courier" charset="0"/>
+                <a:ea typeface="Courier" charset="0"/>
+                <a:cs typeface="Courier" charset="0"/>
+              </a:rPr>
+              <a:t>is</a:t>
+            </a:r>
+            <a:r>
+              <a:rPr lang="mr-IN" sz="1400" dirty="0" smtClean="0">
+                <a:solidFill>
+                  <a:srgbClr val="B42419"/>
+                </a:solidFill>
+                <a:latin typeface="Courier" charset="0"/>
+                <a:ea typeface="Courier" charset="0"/>
+                <a:cs typeface="Courier" charset="0"/>
+              </a:rPr>
+              <a:t> </a:t>
+            </a:r>
+            <a:r>
+              <a:rPr lang="mr-IN" sz="1400" dirty="0" err="1" smtClean="0">
+                <a:solidFill>
+                  <a:srgbClr val="B42419"/>
+                </a:solidFill>
+                <a:latin typeface="Courier" charset="0"/>
+                <a:ea typeface="Courier" charset="0"/>
+                <a:cs typeface="Courier" charset="0"/>
+              </a:rPr>
+              <a:t>not</a:t>
+            </a:r>
+            <a:r>
+              <a:rPr lang="mr-IN" sz="1400" dirty="0" smtClean="0">
+                <a:solidFill>
+                  <a:srgbClr val="B42419"/>
+                </a:solidFill>
+                <a:latin typeface="Courier" charset="0"/>
+                <a:ea typeface="Courier" charset="0"/>
+                <a:cs typeface="Courier" charset="0"/>
+              </a:rPr>
+              <a:t> </a:t>
+            </a:r>
+            <a:r>
+              <a:rPr lang="mr-IN" sz="1400" dirty="0" err="1" smtClean="0">
+                <a:solidFill>
+                  <a:srgbClr val="B42419"/>
+                </a:solidFill>
+                <a:latin typeface="Courier" charset="0"/>
+                <a:ea typeface="Courier" charset="0"/>
+                <a:cs typeface="Courier" charset="0"/>
+              </a:rPr>
+              <a:t>logged</a:t>
+            </a:r>
+            <a:r>
+              <a:rPr lang="mr-IN" sz="1400" dirty="0" smtClean="0">
+                <a:solidFill>
+                  <a:srgbClr val="B42419"/>
+                </a:solidFill>
+                <a:latin typeface="Courier" charset="0"/>
+                <a:ea typeface="Courier" charset="0"/>
+                <a:cs typeface="Courier" charset="0"/>
+              </a:rPr>
+              <a:t> </a:t>
+            </a:r>
+            <a:r>
+              <a:rPr lang="mr-IN" sz="1400" dirty="0" err="1" smtClean="0">
+                <a:solidFill>
+                  <a:srgbClr val="B42419"/>
+                </a:solidFill>
+                <a:latin typeface="Courier" charset="0"/>
+                <a:ea typeface="Courier" charset="0"/>
+                <a:cs typeface="Courier" charset="0"/>
+              </a:rPr>
+              <a:t>in</a:t>
+            </a:r>
+            <a:r>
+              <a:rPr lang="mr-IN" sz="1400" dirty="0" smtClean="0">
+                <a:solidFill>
+                  <a:srgbClr val="C814C9"/>
+                </a:solidFill>
+                <a:latin typeface="Courier" charset="0"/>
+                <a:ea typeface="Courier" charset="0"/>
+                <a:cs typeface="Courier" charset="0"/>
+              </a:rPr>
+              <a:t>\</a:t>
+            </a:r>
+            <a:r>
+              <a:rPr lang="mr-IN" sz="1400" dirty="0" err="1" smtClean="0">
+                <a:solidFill>
+                  <a:srgbClr val="C814C9"/>
+                </a:solidFill>
+                <a:latin typeface="Courier" charset="0"/>
+                <a:ea typeface="Courier" charset="0"/>
+                <a:cs typeface="Courier" charset="0"/>
+              </a:rPr>
+              <a:t>n</a:t>
+            </a:r>
+            <a:r>
+              <a:rPr lang="mr-IN" sz="1400" dirty="0" smtClean="0">
+                <a:solidFill>
+                  <a:srgbClr val="B42419"/>
+                </a:solidFill>
+                <a:latin typeface="Courier" charset="0"/>
+                <a:ea typeface="Courier" charset="0"/>
+                <a:cs typeface="Courier" charset="0"/>
+              </a:rPr>
+              <a:t>"</a:t>
+            </a:r>
+            <a:endParaRPr lang="mr-IN" sz="1400" dirty="0" smtClean="0">
+              <a:solidFill>
+                <a:srgbClr val="000000"/>
+              </a:solidFill>
+              <a:latin typeface="Courier" charset="0"/>
+              <a:ea typeface="Courier" charset="0"/>
+              <a:cs typeface="Courier" charset="0"/>
+            </a:endParaRPr>
+          </a:p>
+          <a:p>
+            <a:endParaRPr lang="mr-IN" sz="1400" dirty="0" smtClean="0">
+              <a:solidFill>
+                <a:srgbClr val="000000"/>
+              </a:solidFill>
+              <a:latin typeface="Courier" charset="0"/>
+              <a:ea typeface="Courier" charset="0"/>
+              <a:cs typeface="Courier" charset="0"/>
+            </a:endParaRPr>
+          </a:p>
+          <a:p>
+            <a:r>
+              <a:rPr lang="mr-IN" sz="1400" dirty="0" smtClean="0">
+                <a:solidFill>
+                  <a:srgbClr val="000000"/>
+                </a:solidFill>
+                <a:latin typeface="Courier" charset="0"/>
+                <a:ea typeface="Courier" charset="0"/>
+                <a:cs typeface="Courier" charset="0"/>
+              </a:rPr>
+              <a:t>        </a:t>
+            </a:r>
+            <a:r>
+              <a:rPr lang="mr-IN" sz="1400" dirty="0" err="1" smtClean="0">
+                <a:solidFill>
+                  <a:srgbClr val="000000"/>
+                </a:solidFill>
+                <a:latin typeface="Courier" charset="0"/>
+                <a:ea typeface="Courier" charset="0"/>
+                <a:cs typeface="Courier" charset="0"/>
+              </a:rPr>
+              <a:t>resp</a:t>
+            </a:r>
+            <a:r>
+              <a:rPr lang="mr-IN" sz="1400" dirty="0" smtClean="0">
+                <a:solidFill>
+                  <a:srgbClr val="000000"/>
+                </a:solidFill>
+                <a:latin typeface="Courier" charset="0"/>
+                <a:ea typeface="Courier" charset="0"/>
+                <a:cs typeface="Courier" charset="0"/>
+              </a:rPr>
+              <a:t> += </a:t>
+            </a:r>
+            <a:r>
+              <a:rPr lang="mr-IN" sz="1400" dirty="0" smtClean="0">
+                <a:solidFill>
+                  <a:srgbClr val="B42419"/>
+                </a:solidFill>
+                <a:latin typeface="Courier" charset="0"/>
+                <a:ea typeface="Courier" charset="0"/>
+                <a:cs typeface="Courier" charset="0"/>
+              </a:rPr>
+              <a:t>"</a:t>
+            </a:r>
+            <a:r>
+              <a:rPr lang="mr-IN" sz="1400" dirty="0" smtClean="0">
+                <a:solidFill>
+                  <a:srgbClr val="C814C9"/>
+                </a:solidFill>
+                <a:latin typeface="Courier" charset="0"/>
+                <a:ea typeface="Courier" charset="0"/>
+                <a:cs typeface="Courier" charset="0"/>
+              </a:rPr>
+              <a:t>\</a:t>
+            </a:r>
+            <a:r>
+              <a:rPr lang="mr-IN" sz="1400" dirty="0" err="1" smtClean="0">
+                <a:solidFill>
+                  <a:srgbClr val="C814C9"/>
+                </a:solidFill>
+                <a:latin typeface="Courier" charset="0"/>
+                <a:ea typeface="Courier" charset="0"/>
+                <a:cs typeface="Courier" charset="0"/>
+              </a:rPr>
+              <a:t>n</a:t>
+            </a:r>
+            <a:r>
+              <a:rPr lang="mr-IN" sz="1400" dirty="0" smtClean="0">
+                <a:solidFill>
+                  <a:srgbClr val="B42419"/>
+                </a:solidFill>
+                <a:latin typeface="Courier" charset="0"/>
+                <a:ea typeface="Courier" charset="0"/>
+                <a:cs typeface="Courier" charset="0"/>
+              </a:rPr>
+              <a:t>"</a:t>
+            </a:r>
+            <a:endParaRPr lang="mr-IN" sz="1400" dirty="0" smtClean="0">
+              <a:solidFill>
+                <a:srgbClr val="000000"/>
+              </a:solidFill>
+              <a:latin typeface="Courier" charset="0"/>
+              <a:ea typeface="Courier" charset="0"/>
+              <a:cs typeface="Courier" charset="0"/>
+            </a:endParaRPr>
+          </a:p>
+          <a:p>
+            <a:r>
+              <a:rPr lang="mr-IN" sz="1400" dirty="0" smtClean="0">
+                <a:solidFill>
+                  <a:srgbClr val="000000"/>
+                </a:solidFill>
+                <a:latin typeface="Courier" charset="0"/>
+                <a:ea typeface="Courier" charset="0"/>
+                <a:cs typeface="Courier" charset="0"/>
+              </a:rPr>
+              <a:t>        </a:t>
+            </a:r>
+            <a:r>
+              <a:rPr lang="mr-IN" sz="1400" dirty="0" err="1" smtClean="0">
+                <a:solidFill>
+                  <a:srgbClr val="000000"/>
+                </a:solidFill>
+                <a:latin typeface="Courier" charset="0"/>
+                <a:ea typeface="Courier" charset="0"/>
+                <a:cs typeface="Courier" charset="0"/>
+              </a:rPr>
+              <a:t>resp</a:t>
+            </a:r>
+            <a:r>
+              <a:rPr lang="mr-IN" sz="1400" dirty="0" smtClean="0">
+                <a:solidFill>
+                  <a:srgbClr val="000000"/>
+                </a:solidFill>
+                <a:latin typeface="Courier" charset="0"/>
+                <a:ea typeface="Courier" charset="0"/>
+                <a:cs typeface="Courier" charset="0"/>
+              </a:rPr>
+              <a:t> += </a:t>
+            </a:r>
+            <a:r>
+              <a:rPr lang="mr-IN" sz="1400" dirty="0" smtClean="0">
+                <a:solidFill>
+                  <a:srgbClr val="B42419"/>
+                </a:solidFill>
+                <a:latin typeface="Courier" charset="0"/>
+                <a:ea typeface="Courier" charset="0"/>
+                <a:cs typeface="Courier" charset="0"/>
+              </a:rPr>
+              <a:t>"&lt;/</a:t>
+            </a:r>
+            <a:r>
+              <a:rPr lang="mr-IN" sz="1400" dirty="0" err="1" smtClean="0">
+                <a:solidFill>
+                  <a:srgbClr val="B42419"/>
+                </a:solidFill>
+                <a:latin typeface="Courier" charset="0"/>
+                <a:ea typeface="Courier" charset="0"/>
+                <a:cs typeface="Courier" charset="0"/>
+              </a:rPr>
+              <a:t>pre</a:t>
+            </a:r>
+            <a:r>
+              <a:rPr lang="mr-IN" sz="1400" dirty="0" smtClean="0">
+                <a:solidFill>
+                  <a:srgbClr val="B42419"/>
+                </a:solidFill>
+                <a:latin typeface="Courier" charset="0"/>
+                <a:ea typeface="Courier" charset="0"/>
+                <a:cs typeface="Courier" charset="0"/>
+              </a:rPr>
+              <a:t>&gt;</a:t>
+            </a:r>
+            <a:r>
+              <a:rPr lang="mr-IN" sz="1400" dirty="0" smtClean="0">
+                <a:solidFill>
+                  <a:srgbClr val="C814C9"/>
+                </a:solidFill>
+                <a:latin typeface="Courier" charset="0"/>
+                <a:ea typeface="Courier" charset="0"/>
+                <a:cs typeface="Courier" charset="0"/>
+              </a:rPr>
+              <a:t>\</a:t>
+            </a:r>
+            <a:r>
+              <a:rPr lang="mr-IN" sz="1400" dirty="0" err="1" smtClean="0">
+                <a:solidFill>
+                  <a:srgbClr val="C814C9"/>
+                </a:solidFill>
+                <a:latin typeface="Courier" charset="0"/>
+                <a:ea typeface="Courier" charset="0"/>
+                <a:cs typeface="Courier" charset="0"/>
+              </a:rPr>
+              <a:t>n</a:t>
+            </a:r>
+            <a:r>
+              <a:rPr lang="mr-IN" sz="1400" dirty="0" smtClean="0">
+                <a:solidFill>
+                  <a:srgbClr val="B42419"/>
+                </a:solidFill>
+                <a:latin typeface="Courier" charset="0"/>
+                <a:ea typeface="Courier" charset="0"/>
+                <a:cs typeface="Courier" charset="0"/>
+              </a:rPr>
+              <a:t>"</a:t>
+            </a:r>
+            <a:endParaRPr lang="mr-IN" sz="1400" dirty="0" smtClean="0">
+              <a:solidFill>
+                <a:srgbClr val="000000"/>
+              </a:solidFill>
+              <a:latin typeface="Courier" charset="0"/>
+              <a:ea typeface="Courier" charset="0"/>
+              <a:cs typeface="Courier" charset="0"/>
+            </a:endParaRPr>
+          </a:p>
+          <a:p>
+            <a:r>
+              <a:rPr lang="mr-IN" sz="1400" dirty="0" smtClean="0">
+                <a:solidFill>
+                  <a:srgbClr val="000000"/>
+                </a:solidFill>
+                <a:latin typeface="Courier" charset="0"/>
+                <a:ea typeface="Courier" charset="0"/>
+                <a:cs typeface="Courier" charset="0"/>
+              </a:rPr>
+              <a:t>        </a:t>
+            </a:r>
+            <a:r>
+              <a:rPr lang="mr-IN" sz="1400" dirty="0" err="1" smtClean="0">
+                <a:solidFill>
+                  <a:srgbClr val="000000"/>
+                </a:solidFill>
+                <a:latin typeface="Courier" charset="0"/>
+                <a:ea typeface="Courier" charset="0"/>
+                <a:cs typeface="Courier" charset="0"/>
+              </a:rPr>
+              <a:t>resp</a:t>
+            </a:r>
+            <a:r>
+              <a:rPr lang="mr-IN" sz="1400" dirty="0" smtClean="0">
+                <a:solidFill>
+                  <a:srgbClr val="000000"/>
+                </a:solidFill>
+                <a:latin typeface="Courier" charset="0"/>
+                <a:ea typeface="Courier" charset="0"/>
+                <a:cs typeface="Courier" charset="0"/>
+              </a:rPr>
+              <a:t> += </a:t>
+            </a:r>
+            <a:r>
+              <a:rPr lang="mr-IN" sz="1400" dirty="0" smtClean="0">
+                <a:solidFill>
+                  <a:srgbClr val="B42419"/>
+                </a:solidFill>
+                <a:latin typeface="Courier" charset="0"/>
+                <a:ea typeface="Courier" charset="0"/>
+                <a:cs typeface="Courier" charset="0"/>
+              </a:rPr>
+              <a:t>"""&lt;</a:t>
+            </a:r>
+            <a:r>
+              <a:rPr lang="mr-IN" sz="1400" dirty="0" err="1" smtClean="0">
+                <a:solidFill>
+                  <a:srgbClr val="B42419"/>
+                </a:solidFill>
+                <a:latin typeface="Courier" charset="0"/>
+                <a:ea typeface="Courier" charset="0"/>
+                <a:cs typeface="Courier" charset="0"/>
+              </a:rPr>
+              <a:t>a</a:t>
+            </a:r>
+            <a:r>
+              <a:rPr lang="mr-IN" sz="1400" dirty="0" smtClean="0">
+                <a:solidFill>
+                  <a:srgbClr val="B42419"/>
+                </a:solidFill>
+                <a:latin typeface="Courier" charset="0"/>
+                <a:ea typeface="Courier" charset="0"/>
+                <a:cs typeface="Courier" charset="0"/>
+              </a:rPr>
+              <a:t> </a:t>
+            </a:r>
+            <a:r>
+              <a:rPr lang="mr-IN" sz="1400" dirty="0" err="1" smtClean="0">
+                <a:solidFill>
+                  <a:srgbClr val="B42419"/>
+                </a:solidFill>
+                <a:latin typeface="Courier" charset="0"/>
+                <a:ea typeface="Courier" charset="0"/>
+                <a:cs typeface="Courier" charset="0"/>
+              </a:rPr>
+              <a:t>href</a:t>
+            </a:r>
+            <a:r>
+              <a:rPr lang="mr-IN" sz="1400" dirty="0" smtClean="0">
+                <a:solidFill>
+                  <a:srgbClr val="B42419"/>
+                </a:solidFill>
+                <a:latin typeface="Courier" charset="0"/>
+                <a:ea typeface="Courier" charset="0"/>
+                <a:cs typeface="Courier" charset="0"/>
+              </a:rPr>
+              <a:t>="/</a:t>
+            </a:r>
+            <a:r>
+              <a:rPr lang="mr-IN" sz="1400" dirty="0" err="1" smtClean="0">
+                <a:solidFill>
+                  <a:srgbClr val="B42419"/>
+                </a:solidFill>
+                <a:latin typeface="Courier" charset="0"/>
+                <a:ea typeface="Courier" charset="0"/>
+                <a:cs typeface="Courier" charset="0"/>
+              </a:rPr>
+              <a:t>authz</a:t>
+            </a:r>
+            <a:r>
+              <a:rPr lang="mr-IN" sz="1400" dirty="0" smtClean="0">
+                <a:solidFill>
+                  <a:srgbClr val="B42419"/>
+                </a:solidFill>
+                <a:latin typeface="Courier" charset="0"/>
+                <a:ea typeface="Courier" charset="0"/>
+                <a:cs typeface="Courier" charset="0"/>
+              </a:rPr>
+              <a:t>"&gt;</a:t>
+            </a:r>
+            <a:r>
+              <a:rPr lang="mr-IN" sz="1400" dirty="0" err="1" smtClean="0">
+                <a:solidFill>
+                  <a:srgbClr val="B42419"/>
+                </a:solidFill>
+                <a:latin typeface="Courier" charset="0"/>
+                <a:ea typeface="Courier" charset="0"/>
+                <a:cs typeface="Courier" charset="0"/>
+              </a:rPr>
+              <a:t>Go</a:t>
+            </a:r>
+            <a:r>
+              <a:rPr lang="mr-IN" sz="1400" dirty="0" smtClean="0">
+                <a:solidFill>
+                  <a:srgbClr val="B42419"/>
+                </a:solidFill>
+                <a:latin typeface="Courier" charset="0"/>
+                <a:ea typeface="Courier" charset="0"/>
+                <a:cs typeface="Courier" charset="0"/>
+              </a:rPr>
+              <a:t> </a:t>
+            </a:r>
+            <a:r>
+              <a:rPr lang="mr-IN" sz="1400" dirty="0" err="1" smtClean="0">
+                <a:solidFill>
+                  <a:srgbClr val="B42419"/>
+                </a:solidFill>
+                <a:latin typeface="Courier" charset="0"/>
+                <a:ea typeface="Courier" charset="0"/>
+                <a:cs typeface="Courier" charset="0"/>
+              </a:rPr>
+              <a:t>back</a:t>
+            </a:r>
+            <a:r>
+              <a:rPr lang="mr-IN" sz="1400" dirty="0" smtClean="0">
+                <a:solidFill>
+                  <a:srgbClr val="B42419"/>
+                </a:solidFill>
+                <a:latin typeface="Courier" charset="0"/>
+                <a:ea typeface="Courier" charset="0"/>
+                <a:cs typeface="Courier" charset="0"/>
+              </a:rPr>
+              <a:t>&lt;/</a:t>
+            </a:r>
+            <a:r>
+              <a:rPr lang="mr-IN" sz="1400" dirty="0" err="1" smtClean="0">
+                <a:solidFill>
+                  <a:srgbClr val="B42419"/>
+                </a:solidFill>
+                <a:latin typeface="Courier" charset="0"/>
+                <a:ea typeface="Courier" charset="0"/>
+                <a:cs typeface="Courier" charset="0"/>
+              </a:rPr>
+              <a:t>a</a:t>
+            </a:r>
+            <a:r>
+              <a:rPr lang="mr-IN" sz="1400" dirty="0" smtClean="0">
+                <a:solidFill>
+                  <a:srgbClr val="B42419"/>
+                </a:solidFill>
+                <a:latin typeface="Courier" charset="0"/>
+                <a:ea typeface="Courier" charset="0"/>
+                <a:cs typeface="Courier" charset="0"/>
+              </a:rPr>
+              <a:t>&gt;"""</a:t>
+            </a:r>
+            <a:endParaRPr lang="mr-IN" sz="1400" dirty="0" smtClean="0">
+              <a:solidFill>
+                <a:srgbClr val="000000"/>
+              </a:solidFill>
+              <a:latin typeface="Courier" charset="0"/>
+              <a:ea typeface="Courier" charset="0"/>
+              <a:cs typeface="Courier" charset="0"/>
+            </a:endParaRPr>
+          </a:p>
+          <a:p>
+            <a:r>
+              <a:rPr lang="en-US" sz="1400" dirty="0" smtClean="0">
+                <a:solidFill>
+                  <a:srgbClr val="000000"/>
+                </a:solidFill>
+                <a:latin typeface="Courier" charset="0"/>
+                <a:ea typeface="Courier" charset="0"/>
+                <a:cs typeface="Courier" charset="0"/>
+              </a:rPr>
+              <a:t>        </a:t>
+            </a:r>
+            <a:r>
+              <a:rPr lang="en-US" sz="1400" dirty="0" smtClean="0">
+                <a:solidFill>
+                  <a:srgbClr val="C1651C"/>
+                </a:solidFill>
+                <a:latin typeface="Courier" charset="0"/>
+                <a:ea typeface="Courier" charset="0"/>
+                <a:cs typeface="Courier" charset="0"/>
+              </a:rPr>
+              <a:t>return</a:t>
+            </a:r>
+            <a:r>
+              <a:rPr lang="en-US" sz="1400" dirty="0" smtClean="0">
+                <a:solidFill>
+                  <a:srgbClr val="000000"/>
+                </a:solidFill>
+                <a:latin typeface="Courier" charset="0"/>
+                <a:ea typeface="Courier" charset="0"/>
+                <a:cs typeface="Courier" charset="0"/>
+              </a:rPr>
+              <a:t> </a:t>
+            </a:r>
+            <a:r>
+              <a:rPr lang="en-US" sz="1400" dirty="0" err="1" smtClean="0">
+                <a:solidFill>
+                  <a:srgbClr val="000000"/>
+                </a:solidFill>
+                <a:latin typeface="Courier" charset="0"/>
+                <a:ea typeface="Courier" charset="0"/>
+                <a:cs typeface="Courier" charset="0"/>
+              </a:rPr>
+              <a:t>HttpResponse</a:t>
+            </a:r>
+            <a:r>
+              <a:rPr lang="en-US" sz="1400" dirty="0" smtClean="0">
+                <a:solidFill>
+                  <a:srgbClr val="000000"/>
+                </a:solidFill>
+                <a:latin typeface="Courier" charset="0"/>
+                <a:ea typeface="Courier" charset="0"/>
+                <a:cs typeface="Courier" charset="0"/>
+              </a:rPr>
+              <a:t>(</a:t>
+            </a:r>
+            <a:r>
+              <a:rPr lang="en-US" sz="1400" dirty="0" err="1" smtClean="0">
+                <a:solidFill>
+                  <a:srgbClr val="000000"/>
+                </a:solidFill>
+                <a:latin typeface="Courier" charset="0"/>
+                <a:ea typeface="Courier" charset="0"/>
+                <a:cs typeface="Courier" charset="0"/>
+              </a:rPr>
+              <a:t>resp</a:t>
+            </a:r>
+            <a:r>
+              <a:rPr lang="en-US" sz="1400" dirty="0" smtClean="0">
+                <a:solidFill>
+                  <a:srgbClr val="000000"/>
+                </a:solidFill>
+                <a:latin typeface="Courier" charset="0"/>
+                <a:ea typeface="Courier" charset="0"/>
+                <a:cs typeface="Courier" charset="0"/>
+              </a:rPr>
+              <a:t>)</a:t>
+            </a:r>
+            <a:endParaRPr lang="en-US" sz="1400" dirty="0">
+              <a:latin typeface="Courier" charset="0"/>
+              <a:ea typeface="Courier" charset="0"/>
+              <a:cs typeface="Courier" charset="0"/>
+            </a:endParaRPr>
+          </a:p>
+        </p:txBody>
+      </p:sp>
+      <p:sp>
+        <p:nvSpPr>
+          <p:cNvPr id="5" name="Rectangle 4">
+            <a:hlinkClick r:id="rId2"/>
+          </p:cNvPr>
+          <p:cNvSpPr/>
+          <p:nvPr/>
+        </p:nvSpPr>
+        <p:spPr>
+          <a:xfrm>
+            <a:off x="7448142" y="1604716"/>
+            <a:ext cx="4302870" cy="2031325"/>
+          </a:xfrm>
+          <a:prstGeom prst="rect">
+            <a:avLst/>
+          </a:prstGeom>
+          <a:solidFill>
+            <a:schemeClr val="tx2"/>
+          </a:solidFill>
+        </p:spPr>
+        <p:txBody>
+          <a:bodyPr wrap="square">
+            <a:spAutoFit/>
+          </a:bodyPr>
+          <a:lstStyle/>
+          <a:p>
+            <a:r>
+              <a:rPr lang="en-US" dirty="0" smtClean="0">
+                <a:solidFill>
+                  <a:schemeClr val="bg1"/>
+                </a:solidFill>
+                <a:latin typeface="Courier" charset="0"/>
+              </a:rPr>
+              <a:t>User Data in Python:</a:t>
+            </a:r>
+          </a:p>
+          <a:p>
+            <a:endParaRPr lang="en-US" dirty="0" smtClean="0">
+              <a:solidFill>
+                <a:schemeClr val="bg1"/>
+              </a:solidFill>
+              <a:latin typeface="Courier" charset="0"/>
+            </a:endParaRPr>
+          </a:p>
+          <a:p>
+            <a:r>
+              <a:rPr lang="en-US" dirty="0" smtClean="0">
+                <a:solidFill>
+                  <a:schemeClr val="bg1"/>
+                </a:solidFill>
+                <a:latin typeface="Courier" charset="0"/>
+              </a:rPr>
+              <a:t>Login </a:t>
+            </a:r>
+            <a:r>
+              <a:rPr lang="en-US" dirty="0" err="1" smtClean="0">
+                <a:solidFill>
+                  <a:schemeClr val="bg1"/>
+                </a:solidFill>
+                <a:latin typeface="Courier" charset="0"/>
+              </a:rPr>
+              <a:t>url</a:t>
+            </a:r>
+            <a:r>
+              <a:rPr lang="en-US" dirty="0" smtClean="0">
+                <a:solidFill>
+                  <a:schemeClr val="bg1"/>
+                </a:solidFill>
+                <a:latin typeface="Courier" charset="0"/>
+              </a:rPr>
+              <a:t>: /accounts/login/</a:t>
+            </a:r>
+          </a:p>
+          <a:p>
+            <a:r>
+              <a:rPr lang="en-US" dirty="0" smtClean="0">
+                <a:solidFill>
+                  <a:schemeClr val="bg1"/>
+                </a:solidFill>
+                <a:latin typeface="Courier" charset="0"/>
+              </a:rPr>
+              <a:t>Logout </a:t>
+            </a:r>
+            <a:r>
+              <a:rPr lang="en-US" dirty="0" err="1" smtClean="0">
+                <a:solidFill>
+                  <a:schemeClr val="bg1"/>
+                </a:solidFill>
+                <a:latin typeface="Courier" charset="0"/>
+              </a:rPr>
+              <a:t>url</a:t>
+            </a:r>
+            <a:r>
+              <a:rPr lang="en-US" dirty="0" smtClean="0">
+                <a:solidFill>
+                  <a:schemeClr val="bg1"/>
+                </a:solidFill>
+                <a:latin typeface="Courier" charset="0"/>
+              </a:rPr>
+              <a:t>: /accounts/logout/</a:t>
+            </a:r>
+          </a:p>
+          <a:p>
+            <a:endParaRPr lang="en-US" dirty="0" smtClean="0">
+              <a:solidFill>
+                <a:schemeClr val="bg1"/>
+              </a:solidFill>
+              <a:latin typeface="Courier" charset="0"/>
+            </a:endParaRPr>
+          </a:p>
+          <a:p>
+            <a:r>
+              <a:rPr lang="en-US" dirty="0" smtClean="0">
+                <a:solidFill>
+                  <a:schemeClr val="bg1"/>
+                </a:solidFill>
+                <a:latin typeface="Courier" charset="0"/>
+              </a:rPr>
+              <a:t>User: dj4e-samples</a:t>
+            </a:r>
+          </a:p>
+          <a:p>
+            <a:r>
+              <a:rPr lang="en-US" dirty="0" smtClean="0">
+                <a:solidFill>
+                  <a:schemeClr val="bg1"/>
+                </a:solidFill>
+                <a:latin typeface="Courier" charset="0"/>
+              </a:rPr>
+              <a:t>Email: </a:t>
+            </a:r>
+            <a:r>
+              <a:rPr lang="en-US" dirty="0" err="1" smtClean="0">
+                <a:solidFill>
+                  <a:schemeClr val="bg1"/>
+                </a:solidFill>
+                <a:latin typeface="Courier" charset="0"/>
+              </a:rPr>
+              <a:t>csev@umich.edu</a:t>
+            </a:r>
+            <a:endParaRPr lang="en-US" dirty="0">
+              <a:solidFill>
+                <a:schemeClr val="bg1"/>
+              </a:solidFill>
+              <a:latin typeface="Courier" charset="0"/>
+            </a:endParaRPr>
+          </a:p>
+        </p:txBody>
+      </p:sp>
+      <p:sp>
+        <p:nvSpPr>
+          <p:cNvPr id="6" name="Rectangle 5"/>
+          <p:cNvSpPr/>
+          <p:nvPr/>
+        </p:nvSpPr>
+        <p:spPr>
+          <a:xfrm>
+            <a:off x="838200" y="2251047"/>
+            <a:ext cx="3906839" cy="369332"/>
+          </a:xfrm>
+          <a:prstGeom prst="rect">
+            <a:avLst/>
+          </a:prstGeom>
+        </p:spPr>
+        <p:txBody>
+          <a:bodyPr wrap="none">
+            <a:spAutoFit/>
+          </a:bodyPr>
+          <a:lstStyle/>
+          <a:p>
+            <a:r>
+              <a:rPr lang="en-US" dirty="0" smtClean="0">
+                <a:solidFill>
+                  <a:srgbClr val="FFFF00"/>
+                </a:solidFill>
+                <a:latin typeface="Courier" charset="0"/>
+                <a:ea typeface="Courier" charset="0"/>
+                <a:cs typeface="Courier" charset="0"/>
+              </a:rPr>
+              <a:t>dj4e-samples/</a:t>
+            </a:r>
+            <a:r>
+              <a:rPr lang="en-US" dirty="0" err="1" smtClean="0">
+                <a:solidFill>
+                  <a:srgbClr val="FFFF00"/>
+                </a:solidFill>
+                <a:latin typeface="Courier" charset="0"/>
+                <a:ea typeface="Courier" charset="0"/>
+                <a:cs typeface="Courier" charset="0"/>
+              </a:rPr>
+              <a:t>authz</a:t>
+            </a:r>
+            <a:r>
+              <a:rPr lang="en-US" dirty="0" smtClean="0">
+                <a:solidFill>
+                  <a:srgbClr val="FFFF00"/>
+                </a:solidFill>
+                <a:latin typeface="Courier" charset="0"/>
+                <a:ea typeface="Courier" charset="0"/>
+                <a:cs typeface="Courier" charset="0"/>
+              </a:rPr>
+              <a:t>/</a:t>
+            </a:r>
+            <a:r>
+              <a:rPr lang="en-US" dirty="0" err="1" smtClean="0">
+                <a:solidFill>
+                  <a:srgbClr val="FFFF00"/>
+                </a:solidFill>
+                <a:latin typeface="Courier" charset="0"/>
+                <a:ea typeface="Courier" charset="0"/>
+                <a:cs typeface="Courier" charset="0"/>
+              </a:rPr>
+              <a:t>views.py</a:t>
+            </a:r>
+            <a:endParaRPr lang="en-US" dirty="0">
+              <a:solidFill>
+                <a:srgbClr val="FFFF00"/>
+              </a:solidFill>
+              <a:effectLst/>
+              <a:latin typeface="Courier" charset="0"/>
+              <a:ea typeface="Courier" charset="0"/>
+              <a:cs typeface="Courier" charset="0"/>
+            </a:endParaRPr>
+          </a:p>
+        </p:txBody>
+      </p:sp>
+      <p:sp>
+        <p:nvSpPr>
+          <p:cNvPr id="7" name="Rectangle 6"/>
+          <p:cNvSpPr/>
+          <p:nvPr/>
+        </p:nvSpPr>
+        <p:spPr>
+          <a:xfrm>
+            <a:off x="6579110" y="968474"/>
+            <a:ext cx="5285421" cy="369332"/>
+          </a:xfrm>
+          <a:prstGeom prst="rect">
+            <a:avLst/>
+          </a:prstGeom>
+        </p:spPr>
+        <p:txBody>
+          <a:bodyPr wrap="none">
+            <a:spAutoFit/>
+          </a:bodyPr>
+          <a:lstStyle/>
+          <a:p>
+            <a:r>
+              <a:rPr lang="en-US" dirty="0">
+                <a:solidFill>
+                  <a:srgbClr val="FFFF00"/>
+                </a:solidFill>
+                <a:latin typeface="Courier" charset="0"/>
+                <a:ea typeface="Courier" charset="0"/>
+                <a:cs typeface="Courier" charset="0"/>
+              </a:rPr>
+              <a:t>https://samples.dj4e.com/</a:t>
+            </a:r>
+            <a:r>
+              <a:rPr lang="en-US" dirty="0" err="1">
+                <a:solidFill>
+                  <a:srgbClr val="FFFF00"/>
+                </a:solidFill>
+                <a:latin typeface="Courier" charset="0"/>
+                <a:ea typeface="Courier" charset="0"/>
+                <a:cs typeface="Courier" charset="0"/>
+              </a:rPr>
+              <a:t>authz</a:t>
+            </a:r>
+            <a:r>
+              <a:rPr lang="en-US" dirty="0">
+                <a:solidFill>
+                  <a:srgbClr val="FFFF00"/>
+                </a:solidFill>
+                <a:latin typeface="Courier" charset="0"/>
+                <a:ea typeface="Courier" charset="0"/>
+                <a:cs typeface="Courier" charset="0"/>
+              </a:rPr>
+              <a:t>/python</a:t>
+            </a:r>
+          </a:p>
+        </p:txBody>
+      </p:sp>
+    </p:spTree>
+    <p:extLst>
+      <p:ext uri="{BB962C8B-B14F-4D97-AF65-F5344CB8AC3E}">
+        <p14:creationId xmlns:p14="http://schemas.microsoft.com/office/powerpoint/2010/main" val="668741108"/>
+      </p:ext>
+    </p:extLst>
+  </p:cSld>
+  <p:clrMapOvr>
+    <a:masterClrMapping/>
+  </p:clrMapOvr>
+</p:sld>
+</file>
+
+<file path=ppt/slides/slide23.xml><?xml version="1.0" encoding="utf-8"?>
+<p:sld xmlns:a="http://schemas.openxmlformats.org/drawingml/2006/main" xmlns:r="http://schemas.openxmlformats.org/officeDocument/2006/relationships" xmlns:p="http://schemas.openxmlformats.org/presentationml/2006/main">
+  <p:cSld>
+    <p:spTree>
+      <p:nvGrpSpPr>
+        <p:cNvPr id="1" name=""/>
+        <p:cNvGrpSpPr/>
+        <p:nvPr/>
+      </p:nvGrpSpPr>
+      <p:grpSpPr>
+        <a:xfrm>
+          <a:off x="0" y="0"/>
+          <a:ext cx="0" cy="0"/>
+          <a:chOff x="0" y="0"/>
+          <a:chExt cx="0" cy="0"/>
+        </a:xfrm>
+      </p:grpSpPr>
+      <p:sp>
+        <p:nvSpPr>
+          <p:cNvPr id="2" name="Title 1"/>
+          <p:cNvSpPr>
+            <a:spLocks noGrp="1"/>
+          </p:cNvSpPr>
+          <p:nvPr>
+            <p:ph type="title"/>
+          </p:nvPr>
+        </p:nvSpPr>
         <p:spPr/>
         <p:txBody>
           <a:bodyPr/>
@@ -16496,7 +16664,7 @@
 </p:sld>
 </file>
 
-<file path=ppt/slides/slide23.xml><?xml version="1.0" encoding="utf-8"?>
+<file path=ppt/slides/slide24.xml><?xml version="1.0" encoding="utf-8"?>
 <p:sld xmlns:a="http://schemas.openxmlformats.org/drawingml/2006/main" xmlns:r="http://schemas.openxmlformats.org/officeDocument/2006/relationships" xmlns:p="http://schemas.openxmlformats.org/presentationml/2006/main">
   <p:cSld>
     <p:spTree>
@@ -17586,7 +17754,7 @@
 </p:sld>
 </file>
 
-<file path=ppt/slides/slide24.xml><?xml version="1.0" encoding="utf-8"?>
+<file path=ppt/slides/slide25.xml><?xml version="1.0" encoding="utf-8"?>
 <p:sld xmlns:a="http://schemas.openxmlformats.org/drawingml/2006/main" xmlns:r="http://schemas.openxmlformats.org/officeDocument/2006/relationships" xmlns:p="http://schemas.openxmlformats.org/presentationml/2006/main">
   <p:cSld>
     <p:spTree>
@@ -17823,7 +17991,7 @@
 </p:sld>
 </file>
 
-<file path=ppt/slides/slide25.xml><?xml version="1.0" encoding="utf-8"?>
+<file path=ppt/slides/slide26.xml><?xml version="1.0" encoding="utf-8"?>
 <p:sld xmlns:a="http://schemas.openxmlformats.org/drawingml/2006/main" xmlns:r="http://schemas.openxmlformats.org/officeDocument/2006/relationships" xmlns:p="http://schemas.openxmlformats.org/presentationml/2006/main">
   <p:cSld>
     <p:spTree>
@@ -18590,7 +18758,7 @@
       </p:grpSpPr>
       <p:sp>
         <p:nvSpPr>
-          <p:cNvPr id="2" name="Title 1"/>
+          <p:cNvPr id="4" name="Title 3"/>
           <p:cNvSpPr>
             <a:spLocks noGrp="1"/>
           </p:cNvSpPr>
@@ -18604,8 +18772,12 @@
           <a:lstStyle/>
           <a:p>
             <a:r>
+              <a:rPr lang="en-US" dirty="0"/>
+              <a:t>User authentication in </a:t>
+            </a:r>
+            <a:r>
               <a:rPr lang="en-US" dirty="0" smtClean="0"/>
-              <a:t>Making the super user</a:t>
+              <a:t>Django</a:t>
             </a:r>
             <a:endParaRPr lang="en-US" dirty="0"/>
           </a:p>
@@ -18613,88 +18785,258 @@
       </p:sp>
       <p:sp>
         <p:nvSpPr>
-          <p:cNvPr id="3" name="Content Placeholder 2"/>
-          <p:cNvSpPr>
-            <a:spLocks noGrp="1"/>
-          </p:cNvSpPr>
-          <p:nvPr>
-            <p:ph idx="1"/>
-          </p:nvPr>
-        </p:nvSpPr>
-        <p:spPr>
-          <a:xfrm>
-            <a:off x="838200" y="1825625"/>
-            <a:ext cx="6931090" cy="1436559"/>
-          </a:xfrm>
-        </p:spPr>
-        <p:txBody>
-          <a:bodyPr/>
-          <a:lstStyle/>
-          <a:p>
-            <a:r>
-              <a:rPr lang="en-US" dirty="0" smtClean="0"/>
-              <a:t>We need to "bootstrap" our system and make a user that can log into the admin </a:t>
-            </a:r>
-            <a:r>
-              <a:rPr lang="en-US" smtClean="0"/>
-              <a:t>page and make more users</a:t>
-            </a:r>
-          </a:p>
-        </p:txBody>
-      </p:sp>
-      <p:pic>
-        <p:nvPicPr>
-          <p:cNvPr id="1026" name="Picture 2" descr="[[ A man is sitting on a couch, talking to another man.  They are both stick figures. ]]&#10;First man:  Make me a sandwich.&#10;Second man:  What?  Make it yourself.&#10;First man:  Sudo make me a sandwich.&#10;Second man:  Okay" title="Comic about super users from https://xkcd.com/149/">
-            <a:hlinkClick r:id="rId2"/>
-          </p:cNvPr>
-          <p:cNvPicPr>
-            <a:picLocks noChangeAspect="1" noChangeArrowheads="1"/>
-          </p:cNvPicPr>
-          <p:nvPr/>
-        </p:nvPicPr>
-        <p:blipFill>
-          <a:blip r:embed="rId3">
-            <a:extLst>
-              <a:ext uri="{28A0092B-C50C-407E-A947-70E740481C1C}">
-                <a14:useLocalDpi xmlns:a14="http://schemas.microsoft.com/office/drawing/2010/main" val="0"/>
-              </a:ext>
-            </a:extLst>
-          </a:blip>
-          <a:srcRect/>
-          <a:stretch>
-            <a:fillRect/>
-          </a:stretch>
-        </p:blipFill>
-        <p:spPr bwMode="auto">
-          <a:xfrm>
-            <a:off x="8260699" y="1690688"/>
-            <a:ext cx="3429000" cy="2847975"/>
-          </a:xfrm>
-          <a:prstGeom prst="rect">
-            <a:avLst/>
-          </a:prstGeom>
-          <a:noFill/>
-          <a:extLst>
-            <a:ext uri="{909E8E84-426E-40DD-AFC4-6F175D3DCCD1}">
-              <a14:hiddenFill xmlns:a14="http://schemas.microsoft.com/office/drawing/2010/main">
-                <a:solidFill>
-                  <a:srgbClr val="FFFFFF"/>
-                </a:solidFill>
-              </a14:hiddenFill>
-            </a:ext>
-          </a:extLst>
-        </p:spPr>
-      </p:pic>
-      <p:sp>
-        <p:nvSpPr>
-          <p:cNvPr id="4" name="Rectangle 3"/>
+          <p:cNvPr id="5" name="Rectangle 4"/>
           <p:cNvSpPr/>
           <p:nvPr/>
         </p:nvSpPr>
         <p:spPr>
           <a:xfrm>
-            <a:off x="8817125" y="4702718"/>
-            <a:ext cx="2316147" cy="369332"/>
+            <a:off x="949035" y="1668125"/>
+            <a:ext cx="10293927" cy="3785652"/>
+          </a:xfrm>
+          <a:prstGeom prst="rect">
+            <a:avLst/>
+          </a:prstGeom>
+          <a:solidFill>
+            <a:schemeClr val="tx1"/>
+          </a:solidFill>
+        </p:spPr>
+        <p:txBody>
+          <a:bodyPr wrap="square">
+            <a:spAutoFit/>
+          </a:bodyPr>
+          <a:lstStyle/>
+          <a:p>
+            <a:r>
+              <a:rPr lang="en-US" sz="2000" dirty="0" smtClean="0">
+                <a:solidFill>
+                  <a:srgbClr val="084429"/>
+                </a:solidFill>
+              </a:rPr>
+              <a:t>Django </a:t>
+            </a:r>
+            <a:r>
+              <a:rPr lang="en-US" sz="2000" dirty="0">
+                <a:solidFill>
+                  <a:srgbClr val="084429"/>
+                </a:solidFill>
+              </a:rPr>
+              <a:t>comes with a user authentication system. It handles user accounts, groups, permissions and cookie-based user sessions</a:t>
+            </a:r>
+            <a:r>
+              <a:rPr lang="en-US" sz="2000" dirty="0" smtClean="0">
+                <a:solidFill>
+                  <a:srgbClr val="084429"/>
+                </a:solidFill>
+              </a:rPr>
+              <a:t>.  The authentication </a:t>
+            </a:r>
+            <a:r>
+              <a:rPr lang="en-US" sz="2000" dirty="0">
+                <a:solidFill>
+                  <a:srgbClr val="084429"/>
+                </a:solidFill>
+              </a:rPr>
+              <a:t>system consists of</a:t>
+            </a:r>
+            <a:r>
+              <a:rPr lang="en-US" sz="2000" dirty="0" smtClean="0">
+                <a:solidFill>
+                  <a:srgbClr val="084429"/>
+                </a:solidFill>
+              </a:rPr>
+              <a:t>:</a:t>
+            </a:r>
+          </a:p>
+          <a:p>
+            <a:endParaRPr lang="en-US" sz="2000" dirty="0">
+              <a:solidFill>
+                <a:srgbClr val="084429"/>
+              </a:solidFill>
+            </a:endParaRPr>
+          </a:p>
+          <a:p>
+            <a:pPr marL="342900" indent="-342900">
+              <a:buFont typeface="Arial" charset="0"/>
+              <a:buChar char="•"/>
+            </a:pPr>
+            <a:r>
+              <a:rPr lang="en-US" sz="2000" dirty="0">
+                <a:solidFill>
+                  <a:srgbClr val="084429"/>
+                </a:solidFill>
+              </a:rPr>
+              <a:t>Users</a:t>
+            </a:r>
+          </a:p>
+          <a:p>
+            <a:pPr marL="342900" indent="-342900">
+              <a:buFont typeface="Arial" charset="0"/>
+              <a:buChar char="•"/>
+            </a:pPr>
+            <a:r>
+              <a:rPr lang="en-US" sz="2000" dirty="0">
+                <a:solidFill>
+                  <a:srgbClr val="084429"/>
+                </a:solidFill>
+              </a:rPr>
+              <a:t>Permissions: Binary (yes/no) flags designating whether a user may perform a certain task.</a:t>
+            </a:r>
+          </a:p>
+          <a:p>
+            <a:pPr marL="342900" indent="-342900">
+              <a:buFont typeface="Arial" charset="0"/>
+              <a:buChar char="•"/>
+            </a:pPr>
+            <a:r>
+              <a:rPr lang="en-US" sz="2000" dirty="0">
+                <a:solidFill>
+                  <a:srgbClr val="084429"/>
+                </a:solidFill>
+              </a:rPr>
+              <a:t>Groups: A generic way of applying labels and permissions to more than one user.</a:t>
+            </a:r>
+          </a:p>
+          <a:p>
+            <a:pPr marL="342900" indent="-342900">
+              <a:buFont typeface="Arial" charset="0"/>
+              <a:buChar char="•"/>
+            </a:pPr>
+            <a:r>
+              <a:rPr lang="en-US" sz="2000" dirty="0">
+                <a:solidFill>
+                  <a:srgbClr val="084429"/>
+                </a:solidFill>
+              </a:rPr>
+              <a:t>A configurable password hashing system</a:t>
+            </a:r>
+          </a:p>
+          <a:p>
+            <a:pPr marL="342900" indent="-342900">
+              <a:buFont typeface="Arial" charset="0"/>
+              <a:buChar char="•"/>
+            </a:pPr>
+            <a:r>
+              <a:rPr lang="en-US" sz="2000" dirty="0">
+                <a:solidFill>
+                  <a:srgbClr val="084429"/>
+                </a:solidFill>
+              </a:rPr>
+              <a:t>Forms and view tools for logging in users, or restricting content</a:t>
+            </a:r>
+          </a:p>
+          <a:p>
+            <a:pPr marL="342900" indent="-342900">
+              <a:buFont typeface="Arial" charset="0"/>
+              <a:buChar char="•"/>
+            </a:pPr>
+            <a:r>
+              <a:rPr lang="en-US" sz="2000" dirty="0">
+                <a:solidFill>
+                  <a:srgbClr val="084429"/>
+                </a:solidFill>
+              </a:rPr>
+              <a:t>A pluggable backend </a:t>
+            </a:r>
+            <a:r>
+              <a:rPr lang="en-US" sz="2000" dirty="0" smtClean="0">
+                <a:solidFill>
+                  <a:srgbClr val="084429"/>
+                </a:solidFill>
+              </a:rPr>
+              <a:t>system</a:t>
+            </a:r>
+          </a:p>
+          <a:p>
+            <a:endParaRPr lang="en-US" sz="2000" dirty="0" smtClean="0">
+              <a:solidFill>
+                <a:srgbClr val="084429"/>
+              </a:solidFill>
+            </a:endParaRPr>
+          </a:p>
+          <a:p>
+            <a:r>
+              <a:rPr lang="en-US" sz="2000" dirty="0" smtClean="0">
+                <a:solidFill>
+                  <a:srgbClr val="084429"/>
+                </a:solidFill>
+              </a:rPr>
+              <a:t>Authentication </a:t>
+            </a:r>
+            <a:r>
+              <a:rPr lang="en-US" sz="2000" dirty="0">
+                <a:solidFill>
+                  <a:srgbClr val="084429"/>
+                </a:solidFill>
+              </a:rPr>
+              <a:t>support is bundled as a Django </a:t>
+            </a:r>
+            <a:r>
+              <a:rPr lang="en-US" sz="2000" b="1" dirty="0" err="1">
+                <a:solidFill>
+                  <a:srgbClr val="084429"/>
+                </a:solidFill>
+              </a:rPr>
+              <a:t>contrib</a:t>
+            </a:r>
+            <a:r>
+              <a:rPr lang="en-US" sz="2000" dirty="0">
+                <a:solidFill>
+                  <a:srgbClr val="084429"/>
+                </a:solidFill>
+              </a:rPr>
+              <a:t> module in </a:t>
+            </a:r>
+            <a:r>
+              <a:rPr lang="en-US" sz="2000" b="1" dirty="0" err="1">
+                <a:solidFill>
+                  <a:srgbClr val="084429"/>
+                </a:solidFill>
+              </a:rPr>
+              <a:t>django.contrib.auth</a:t>
+            </a:r>
+            <a:r>
+              <a:rPr lang="en-US" sz="2000" dirty="0">
+                <a:solidFill>
+                  <a:srgbClr val="084429"/>
+                </a:solidFill>
+              </a:rPr>
+              <a:t>. By default, the required configuration is already included in </a:t>
+            </a:r>
+            <a:r>
+              <a:rPr lang="en-US" sz="2000" b="1" dirty="0" err="1" smtClean="0">
+                <a:solidFill>
+                  <a:srgbClr val="084429"/>
+                </a:solidFill>
+              </a:rPr>
+              <a:t>settings.py</a:t>
+            </a:r>
+            <a:r>
+              <a:rPr lang="en-US" sz="2000" dirty="0">
+                <a:solidFill>
+                  <a:srgbClr val="084429"/>
+                </a:solidFill>
+              </a:rPr>
+              <a:t>.</a:t>
+            </a:r>
+            <a:endParaRPr lang="en-US" sz="2000" dirty="0" smtClean="0">
+              <a:solidFill>
+                <a:srgbClr val="084429"/>
+              </a:solidFill>
+            </a:endParaRPr>
+          </a:p>
+        </p:txBody>
+      </p:sp>
+      <p:sp>
+        <p:nvSpPr>
+          <p:cNvPr id="6" name="Rectangle 5"/>
+          <p:cNvSpPr/>
+          <p:nvPr/>
+        </p:nvSpPr>
+        <p:spPr>
+          <a:xfrm>
+            <a:off x="949035" y="5716600"/>
+            <a:ext cx="5119222" cy="369332"/>
           </a:xfrm>
           <a:prstGeom prst="rect">
             <a:avLst/>
@@ -18712,203 +19054,27 @@
             </a:r>
             <a:r>
               <a:rPr lang="en-US" dirty="0" err="1"/>
-              <a:t>xkcd.com</a:t>
+              <a:t>docs.djangoproject.com</a:t>
             </a:r>
             <a:r>
               <a:rPr lang="en-US" dirty="0"/>
-              <a:t>/149/</a:t>
-            </a:r>
-          </a:p>
-        </p:txBody>
-      </p:sp>
-      <p:sp>
-        <p:nvSpPr>
-          <p:cNvPr id="5" name="Rectangle 4"/>
-          <p:cNvSpPr/>
-          <p:nvPr/>
-        </p:nvSpPr>
-        <p:spPr>
-          <a:xfrm>
-            <a:off x="993710" y="3661500"/>
-            <a:ext cx="6775580" cy="1754326"/>
-          </a:xfrm>
-          <a:prstGeom prst="rect">
-            <a:avLst/>
-          </a:prstGeom>
-          <a:noFill/>
-        </p:spPr>
-        <p:txBody>
-          <a:bodyPr wrap="square">
-            <a:spAutoFit/>
-          </a:bodyPr>
-          <a:lstStyle/>
-          <a:p>
-            <a:r>
-              <a:rPr lang="en-US" dirty="0" smtClean="0">
-                <a:solidFill>
-                  <a:srgbClr val="00FDFF"/>
-                </a:solidFill>
-                <a:latin typeface="Courier" charset="0"/>
-                <a:ea typeface="Courier" charset="0"/>
-                <a:cs typeface="Courier" charset="0"/>
-              </a:rPr>
-              <a:t>dj4e-samples$ </a:t>
-            </a:r>
-            <a:r>
-              <a:rPr lang="en-US" dirty="0">
-                <a:solidFill>
-                  <a:srgbClr val="FFFF00"/>
-                </a:solidFill>
-                <a:latin typeface="Courier" charset="0"/>
-                <a:ea typeface="Courier" charset="0"/>
-                <a:cs typeface="Courier" charset="0"/>
-              </a:rPr>
-              <a:t>python3 </a:t>
-            </a:r>
-            <a:r>
-              <a:rPr lang="en-US" dirty="0" err="1">
-                <a:solidFill>
-                  <a:srgbClr val="FFFF00"/>
-                </a:solidFill>
-                <a:latin typeface="Courier" charset="0"/>
-                <a:ea typeface="Courier" charset="0"/>
-                <a:cs typeface="Courier" charset="0"/>
-              </a:rPr>
-              <a:t>manage.py</a:t>
-            </a:r>
-            <a:r>
-              <a:rPr lang="en-US" dirty="0">
-                <a:solidFill>
-                  <a:srgbClr val="FFFF00"/>
-                </a:solidFill>
-                <a:latin typeface="Courier" charset="0"/>
-                <a:ea typeface="Courier" charset="0"/>
-                <a:cs typeface="Courier" charset="0"/>
-              </a:rPr>
-              <a:t> </a:t>
-            </a:r>
-            <a:r>
-              <a:rPr lang="en-US" dirty="0" err="1">
-                <a:solidFill>
-                  <a:srgbClr val="FFFF00"/>
-                </a:solidFill>
-                <a:latin typeface="Courier" charset="0"/>
-                <a:ea typeface="Courier" charset="0"/>
-                <a:cs typeface="Courier" charset="0"/>
-              </a:rPr>
-              <a:t>createsuperuser</a:t>
-            </a:r>
-            <a:endParaRPr lang="en-US" dirty="0">
-              <a:solidFill>
-                <a:srgbClr val="FFFF00"/>
-              </a:solidFill>
-              <a:latin typeface="Courier" charset="0"/>
-              <a:ea typeface="Courier" charset="0"/>
-              <a:cs typeface="Courier" charset="0"/>
-            </a:endParaRPr>
-          </a:p>
-          <a:p>
-            <a:r>
-              <a:rPr lang="en-US" dirty="0" smtClean="0">
-                <a:latin typeface="Courier" charset="0"/>
-                <a:ea typeface="Courier" charset="0"/>
-                <a:cs typeface="Courier" charset="0"/>
-              </a:rPr>
-              <a:t>Username: </a:t>
-            </a:r>
-            <a:r>
-              <a:rPr lang="en-US" dirty="0" smtClean="0">
-                <a:solidFill>
-                  <a:srgbClr val="FFFF00"/>
-                </a:solidFill>
-                <a:latin typeface="Courier" charset="0"/>
-                <a:ea typeface="Courier" charset="0"/>
-                <a:cs typeface="Courier" charset="0"/>
-              </a:rPr>
-              <a:t>dj4e-samples</a:t>
-            </a:r>
-            <a:endParaRPr lang="en-US" dirty="0">
-              <a:solidFill>
-                <a:srgbClr val="FFFF00"/>
-              </a:solidFill>
-              <a:latin typeface="Courier" charset="0"/>
-              <a:ea typeface="Courier" charset="0"/>
-              <a:cs typeface="Courier" charset="0"/>
-            </a:endParaRPr>
-          </a:p>
-          <a:p>
-            <a:r>
-              <a:rPr lang="en-US" dirty="0">
-                <a:latin typeface="Courier" charset="0"/>
-                <a:ea typeface="Courier" charset="0"/>
-                <a:cs typeface="Courier" charset="0"/>
-              </a:rPr>
-              <a:t>Email address: </a:t>
-            </a:r>
-            <a:r>
-              <a:rPr lang="en-US" dirty="0" err="1">
-                <a:solidFill>
-                  <a:srgbClr val="FFFF00"/>
-                </a:solidFill>
-                <a:latin typeface="Courier" charset="0"/>
-                <a:ea typeface="Courier" charset="0"/>
-                <a:cs typeface="Courier" charset="0"/>
-              </a:rPr>
-              <a:t>csev@umich.edu</a:t>
-            </a:r>
-            <a:endParaRPr lang="en-US" dirty="0">
-              <a:solidFill>
-                <a:srgbClr val="FFFF00"/>
-              </a:solidFill>
-              <a:latin typeface="Courier" charset="0"/>
-              <a:ea typeface="Courier" charset="0"/>
-              <a:cs typeface="Courier" charset="0"/>
-            </a:endParaRPr>
-          </a:p>
-          <a:p>
-            <a:r>
-              <a:rPr lang="en-US" dirty="0" smtClean="0">
-                <a:latin typeface="Courier" charset="0"/>
-                <a:ea typeface="Courier" charset="0"/>
-                <a:cs typeface="Courier" charset="0"/>
-              </a:rPr>
-              <a:t>Password</a:t>
-            </a:r>
-            <a:r>
-              <a:rPr lang="en-US" dirty="0">
-                <a:latin typeface="Courier" charset="0"/>
-                <a:ea typeface="Courier" charset="0"/>
-                <a:cs typeface="Courier" charset="0"/>
-              </a:rPr>
-              <a:t>: </a:t>
-            </a:r>
-          </a:p>
-          <a:p>
-            <a:r>
-              <a:rPr lang="en-US" dirty="0">
-                <a:latin typeface="Courier" charset="0"/>
-                <a:ea typeface="Courier" charset="0"/>
-                <a:cs typeface="Courier" charset="0"/>
-              </a:rPr>
-              <a:t>Password (again): </a:t>
-            </a:r>
-          </a:p>
-          <a:p>
-            <a:r>
-              <a:rPr lang="en-US" dirty="0" err="1">
-                <a:latin typeface="Courier" charset="0"/>
-                <a:ea typeface="Courier" charset="0"/>
-                <a:cs typeface="Courier" charset="0"/>
-              </a:rPr>
-              <a:t>Superuser</a:t>
-            </a:r>
-            <a:r>
-              <a:rPr lang="en-US" dirty="0">
-                <a:latin typeface="Courier" charset="0"/>
-                <a:ea typeface="Courier" charset="0"/>
-                <a:cs typeface="Courier" charset="0"/>
-              </a:rPr>
-              <a:t> created successfully.</a:t>
+              <a:t>/</a:t>
+            </a:r>
+            <a:r>
+              <a:rPr lang="en-US" dirty="0" err="1"/>
+              <a:t>en</a:t>
+            </a:r>
+            <a:r>
+              <a:rPr lang="en-US" dirty="0"/>
+              <a:t>/2.2/topics/</a:t>
+            </a:r>
+            <a:r>
+              <a:rPr lang="en-US" dirty="0" err="1"/>
+              <a:t>auth</a:t>
+            </a:r>
+            <a:r>
+              <a:rPr lang="en-US" dirty="0"/>
+              <a:t>/</a:t>
             </a:r>
           </a:p>
         </p:txBody>
@@ -18916,7 +19082,7 @@
     </p:spTree>
     <p:extLst>
       <p:ext uri="{BB962C8B-B14F-4D97-AF65-F5344CB8AC3E}">
-        <p14:creationId xmlns:p14="http://schemas.microsoft.com/office/powerpoint/2010/main" val="1117775998"/>
+        <p14:creationId xmlns:p14="http://schemas.microsoft.com/office/powerpoint/2010/main" val="1105176643"/>
       </p:ext>
     </p:extLst>
   </p:cSld>
@@ -18960,6 +19126,361 @@
           <a:p>
             <a:r>
               <a:rPr lang="en-US" dirty="0" smtClean="0"/>
+              <a:t>Making the super user</a:t>
+            </a:r>
+            <a:endParaRPr lang="en-US" dirty="0"/>
+          </a:p>
+        </p:txBody>
+      </p:sp>
+      <p:sp>
+        <p:nvSpPr>
+          <p:cNvPr id="3" name="Content Placeholder 2"/>
+          <p:cNvSpPr>
+            <a:spLocks noGrp="1"/>
+          </p:cNvSpPr>
+          <p:nvPr>
+            <p:ph idx="1"/>
+          </p:nvPr>
+        </p:nvSpPr>
+        <p:spPr>
+          <a:xfrm>
+            <a:off x="838200" y="1825625"/>
+            <a:ext cx="6931090" cy="1436559"/>
+          </a:xfrm>
+        </p:spPr>
+        <p:txBody>
+          <a:bodyPr/>
+          <a:lstStyle/>
+          <a:p>
+            <a:r>
+              <a:rPr lang="en-US" dirty="0" smtClean="0"/>
+              <a:t>We need to "bootstrap" our system and make a user that can log into the admin </a:t>
+            </a:r>
+            <a:r>
+              <a:rPr lang="en-US" smtClean="0"/>
+              <a:t>page and make more users</a:t>
+            </a:r>
+          </a:p>
+        </p:txBody>
+      </p:sp>
+      <p:pic>
+        <p:nvPicPr>
+          <p:cNvPr id="1026" name="Picture 2" descr="[[ A man is sitting on a couch, talking to another man.  They are both stick figures. ]]&#10;First man:  Make me a sandwich.&#10;Second man:  What?  Make it yourself.&#10;First man:  Sudo make me a sandwich.&#10;Second man:  Okay" title="Comic about super users from https://xkcd.com/149/">
+            <a:hlinkClick r:id="rId2"/>
+          </p:cNvPr>
+          <p:cNvPicPr>
+            <a:picLocks noChangeAspect="1" noChangeArrowheads="1"/>
+          </p:cNvPicPr>
+          <p:nvPr/>
+        </p:nvPicPr>
+        <p:blipFill>
+          <a:blip r:embed="rId3">
+            <a:extLst>
+              <a:ext uri="{28A0092B-C50C-407E-A947-70E740481C1C}">
+                <a14:useLocalDpi xmlns:a14="http://schemas.microsoft.com/office/drawing/2010/main" val="0"/>
+              </a:ext>
+            </a:extLst>
+          </a:blip>
+          <a:srcRect/>
+          <a:stretch>
+            <a:fillRect/>
+          </a:stretch>
+        </p:blipFill>
+        <p:spPr bwMode="auto">
+          <a:xfrm>
+            <a:off x="8260699" y="1690688"/>
+            <a:ext cx="3429000" cy="2847975"/>
+          </a:xfrm>
+          <a:prstGeom prst="rect">
+            <a:avLst/>
+          </a:prstGeom>
+          <a:noFill/>
+          <a:extLst>
+            <a:ext uri="{909E8E84-426E-40DD-AFC4-6F175D3DCCD1}">
+              <a14:hiddenFill xmlns:a14="http://schemas.microsoft.com/office/drawing/2010/main">
+                <a:solidFill>
+                  <a:srgbClr val="FFFFFF"/>
+                </a:solidFill>
+              </a14:hiddenFill>
+            </a:ext>
+          </a:extLst>
+        </p:spPr>
+      </p:pic>
+      <p:sp>
+        <p:nvSpPr>
+          <p:cNvPr id="4" name="Rectangle 3"/>
+          <p:cNvSpPr/>
+          <p:nvPr/>
+        </p:nvSpPr>
+        <p:spPr>
+          <a:xfrm>
+            <a:off x="8817125" y="4702718"/>
+            <a:ext cx="2316147" cy="369332"/>
+          </a:xfrm>
+          <a:prstGeom prst="rect">
+            <a:avLst/>
+          </a:prstGeom>
+        </p:spPr>
+        <p:txBody>
+          <a:bodyPr wrap="none">
+            <a:spAutoFit/>
+          </a:bodyPr>
+          <a:lstStyle/>
+          <a:p>
+            <a:r>
+              <a:rPr lang="en-US" dirty="0"/>
+              <a:t>https://</a:t>
+            </a:r>
+            <a:r>
+              <a:rPr lang="en-US" dirty="0" err="1"/>
+              <a:t>xkcd.com</a:t>
+            </a:r>
+            <a:r>
+              <a:rPr lang="en-US" dirty="0"/>
+              <a:t>/149/</a:t>
+            </a:r>
+          </a:p>
+        </p:txBody>
+      </p:sp>
+      <p:sp>
+        <p:nvSpPr>
+          <p:cNvPr id="5" name="Rectangle 4"/>
+          <p:cNvSpPr/>
+          <p:nvPr/>
+        </p:nvSpPr>
+        <p:spPr>
+          <a:xfrm>
+            <a:off x="993710" y="3661500"/>
+            <a:ext cx="6775580" cy="1754326"/>
+          </a:xfrm>
+          <a:prstGeom prst="rect">
+            <a:avLst/>
+          </a:prstGeom>
+          <a:noFill/>
+        </p:spPr>
+        <p:txBody>
+          <a:bodyPr wrap="square">
+            <a:spAutoFit/>
+          </a:bodyPr>
+          <a:lstStyle/>
+          <a:p>
+            <a:r>
+              <a:rPr lang="en-US" dirty="0" smtClean="0">
+                <a:solidFill>
+                  <a:srgbClr val="00FDFF"/>
+                </a:solidFill>
+                <a:latin typeface="Courier" charset="0"/>
+                <a:ea typeface="Courier" charset="0"/>
+                <a:cs typeface="Courier" charset="0"/>
+              </a:rPr>
+              <a:t>dj4e-samples$ </a:t>
+            </a:r>
+            <a:r>
+              <a:rPr lang="en-US" dirty="0">
+                <a:solidFill>
+                  <a:srgbClr val="FFFF00"/>
+                </a:solidFill>
+                <a:latin typeface="Courier" charset="0"/>
+                <a:ea typeface="Courier" charset="0"/>
+                <a:cs typeface="Courier" charset="0"/>
+              </a:rPr>
+              <a:t>python3 </a:t>
+            </a:r>
+            <a:r>
+              <a:rPr lang="en-US" dirty="0" err="1">
+                <a:solidFill>
+                  <a:srgbClr val="FFFF00"/>
+                </a:solidFill>
+                <a:latin typeface="Courier" charset="0"/>
+                <a:ea typeface="Courier" charset="0"/>
+                <a:cs typeface="Courier" charset="0"/>
+              </a:rPr>
+              <a:t>manage.py</a:t>
+            </a:r>
+            <a:r>
+              <a:rPr lang="en-US" dirty="0">
+                <a:solidFill>
+                  <a:srgbClr val="FFFF00"/>
+                </a:solidFill>
+                <a:latin typeface="Courier" charset="0"/>
+                <a:ea typeface="Courier" charset="0"/>
+                <a:cs typeface="Courier" charset="0"/>
+              </a:rPr>
+              <a:t> </a:t>
+            </a:r>
+            <a:r>
+              <a:rPr lang="en-US" dirty="0" err="1">
+                <a:solidFill>
+                  <a:srgbClr val="FFFF00"/>
+                </a:solidFill>
+                <a:latin typeface="Courier" charset="0"/>
+                <a:ea typeface="Courier" charset="0"/>
+                <a:cs typeface="Courier" charset="0"/>
+              </a:rPr>
+              <a:t>createsuperuser</a:t>
+            </a:r>
+            <a:endParaRPr lang="en-US" dirty="0">
+              <a:solidFill>
+                <a:srgbClr val="FFFF00"/>
+              </a:solidFill>
+              <a:latin typeface="Courier" charset="0"/>
+              <a:ea typeface="Courier" charset="0"/>
+              <a:cs typeface="Courier" charset="0"/>
+            </a:endParaRPr>
+          </a:p>
+          <a:p>
+            <a:r>
+              <a:rPr lang="en-US" dirty="0" smtClean="0">
+                <a:latin typeface="Courier" charset="0"/>
+                <a:ea typeface="Courier" charset="0"/>
+                <a:cs typeface="Courier" charset="0"/>
+              </a:rPr>
+              <a:t>Username: </a:t>
+            </a:r>
+            <a:r>
+              <a:rPr lang="en-US" dirty="0" smtClean="0">
+                <a:solidFill>
+                  <a:srgbClr val="FFFF00"/>
+                </a:solidFill>
+                <a:latin typeface="Courier" charset="0"/>
+                <a:ea typeface="Courier" charset="0"/>
+                <a:cs typeface="Courier" charset="0"/>
+              </a:rPr>
+              <a:t>dj4e-samples</a:t>
+            </a:r>
+            <a:endParaRPr lang="en-US" dirty="0">
+              <a:solidFill>
+                <a:srgbClr val="FFFF00"/>
+              </a:solidFill>
+              <a:latin typeface="Courier" charset="0"/>
+              <a:ea typeface="Courier" charset="0"/>
+              <a:cs typeface="Courier" charset="0"/>
+            </a:endParaRPr>
+          </a:p>
+          <a:p>
+            <a:r>
+              <a:rPr lang="en-US" dirty="0">
+                <a:latin typeface="Courier" charset="0"/>
+                <a:ea typeface="Courier" charset="0"/>
+                <a:cs typeface="Courier" charset="0"/>
+              </a:rPr>
+              <a:t>Email address: </a:t>
+            </a:r>
+            <a:r>
+              <a:rPr lang="en-US" dirty="0" err="1">
+                <a:solidFill>
+                  <a:srgbClr val="FFFF00"/>
+                </a:solidFill>
+                <a:latin typeface="Courier" charset="0"/>
+                <a:ea typeface="Courier" charset="0"/>
+                <a:cs typeface="Courier" charset="0"/>
+              </a:rPr>
+              <a:t>csev@umich.edu</a:t>
+            </a:r>
+            <a:endParaRPr lang="en-US" dirty="0">
+              <a:solidFill>
+                <a:srgbClr val="FFFF00"/>
+              </a:solidFill>
+              <a:latin typeface="Courier" charset="0"/>
+              <a:ea typeface="Courier" charset="0"/>
+              <a:cs typeface="Courier" charset="0"/>
+            </a:endParaRPr>
+          </a:p>
+          <a:p>
+            <a:r>
+              <a:rPr lang="en-US" dirty="0" smtClean="0">
+                <a:latin typeface="Courier" charset="0"/>
+                <a:ea typeface="Courier" charset="0"/>
+                <a:cs typeface="Courier" charset="0"/>
+              </a:rPr>
+              <a:t>Password</a:t>
+            </a:r>
+            <a:r>
+              <a:rPr lang="en-US" dirty="0">
+                <a:latin typeface="Courier" charset="0"/>
+                <a:ea typeface="Courier" charset="0"/>
+                <a:cs typeface="Courier" charset="0"/>
+              </a:rPr>
+              <a:t>: </a:t>
+            </a:r>
+          </a:p>
+          <a:p>
+            <a:r>
+              <a:rPr lang="en-US" dirty="0">
+                <a:latin typeface="Courier" charset="0"/>
+                <a:ea typeface="Courier" charset="0"/>
+                <a:cs typeface="Courier" charset="0"/>
+              </a:rPr>
+              <a:t>Password (again): </a:t>
+            </a:r>
+          </a:p>
+          <a:p>
+            <a:r>
+              <a:rPr lang="en-US" dirty="0" err="1">
+                <a:latin typeface="Courier" charset="0"/>
+                <a:ea typeface="Courier" charset="0"/>
+                <a:cs typeface="Courier" charset="0"/>
+              </a:rPr>
+              <a:t>Superuser</a:t>
+            </a:r>
+            <a:r>
+              <a:rPr lang="en-US" dirty="0">
+                <a:latin typeface="Courier" charset="0"/>
+                <a:ea typeface="Courier" charset="0"/>
+                <a:cs typeface="Courier" charset="0"/>
+              </a:rPr>
+              <a:t> created successfully.</a:t>
+            </a:r>
+          </a:p>
+        </p:txBody>
+      </p:sp>
+    </p:spTree>
+    <p:extLst>
+      <p:ext uri="{BB962C8B-B14F-4D97-AF65-F5344CB8AC3E}">
+        <p14:creationId xmlns:p14="http://schemas.microsoft.com/office/powerpoint/2010/main" val="1117775998"/>
+      </p:ext>
+    </p:extLst>
+  </p:cSld>
+  <p:clrMapOvr>
+    <a:masterClrMapping/>
+  </p:clrMapOvr>
+</p:sld>
+</file>
+
+<file path=ppt/slides/slide5.xml><?xml version="1.0" encoding="utf-8"?>
+<p:sld xmlns:a="http://schemas.openxmlformats.org/drawingml/2006/main" xmlns:r="http://schemas.openxmlformats.org/officeDocument/2006/relationships" xmlns:p="http://schemas.openxmlformats.org/presentationml/2006/main">
+  <p:cSld>
+    <p:spTree>
+      <p:nvGrpSpPr>
+        <p:cNvPr id="1" name=""/>
+        <p:cNvGrpSpPr/>
+        <p:nvPr/>
+      </p:nvGrpSpPr>
+      <p:grpSpPr>
+        <a:xfrm>
+          <a:off x="0" y="0"/>
+          <a:ext cx="0" cy="0"/>
+          <a:chOff x="0" y="0"/>
+          <a:chExt cx="0" cy="0"/>
+        </a:xfrm>
+      </p:grpSpPr>
+      <p:sp>
+        <p:nvSpPr>
+          <p:cNvPr id="2" name="Title 1"/>
+          <p:cNvSpPr>
+            <a:spLocks noGrp="1"/>
+          </p:cNvSpPr>
+          <p:nvPr>
+            <p:ph type="title"/>
+          </p:nvPr>
+        </p:nvSpPr>
+        <p:spPr/>
+        <p:txBody>
+          <a:bodyPr/>
+          <a:lstStyle/>
+          <a:p>
+            <a:r>
+              <a:rPr lang="en-US" dirty="0" smtClean="0"/>
               <a:t>Restarting the database</a:t>
             </a:r>
             <a:endParaRPr lang="en-US" dirty="0"/>
@@ -19313,7 +19834,7 @@
 </p:sld>
 </file>
 
-<file path=ppt/slides/slide5.xml><?xml version="1.0" encoding="utf-8"?>
+<file path=ppt/slides/slide6.xml><?xml version="1.0" encoding="utf-8"?>
 <p:sld xmlns:a="http://schemas.openxmlformats.org/drawingml/2006/main" xmlns:r="http://schemas.openxmlformats.org/officeDocument/2006/relationships" xmlns:p="http://schemas.openxmlformats.org/presentationml/2006/main">
   <p:cSld>
     <p:spTree>
@@ -19441,7 +19962,7 @@
 </p:sld>
 </file>
 
-<file path=ppt/slides/slide6.xml><?xml version="1.0" encoding="utf-8"?>
+<file path=ppt/slides/slide7.xml><?xml version="1.0" encoding="utf-8"?>
 <p:sld xmlns:a="http://schemas.openxmlformats.org/drawingml/2006/main" xmlns:r="http://schemas.openxmlformats.org/officeDocument/2006/relationships" xmlns:p="http://schemas.openxmlformats.org/presentationml/2006/main">
   <p:cSld>
     <p:spTree>
@@ -19513,7 +20034,7 @@
 </p:sld>
 </file>
 
-<file path=ppt/slides/slide7.xml><?xml version="1.0" encoding="utf-8"?>
+<file path=ppt/slides/slide8.xml><?xml version="1.0" encoding="utf-8"?>
 <p:sld xmlns:a="http://schemas.openxmlformats.org/drawingml/2006/main" xmlns:r="http://schemas.openxmlformats.org/officeDocument/2006/relationships" xmlns:p="http://schemas.openxmlformats.org/presentationml/2006/main">
   <p:cSld>
     <p:spTree>
@@ -19607,327 +20128,6 @@
     <p:extLst>
       <p:ext uri="{BB962C8B-B14F-4D97-AF65-F5344CB8AC3E}">
         <p14:creationId xmlns:p14="http://schemas.microsoft.com/office/powerpoint/2010/main" val="1715133740"/>
-      </p:ext>
-    </p:extLst>
-  </p:cSld>
-  <p:clrMapOvr>
-    <a:masterClrMapping/>
-  </p:clrMapOvr>
-</p:sld>
-</file>
-
-<file path=ppt/slides/slide8.xml><?xml version="1.0" encoding="utf-8"?>
-<p:sld xmlns:a="http://schemas.openxmlformats.org/drawingml/2006/main" xmlns:r="http://schemas.openxmlformats.org/officeDocument/2006/relationships" xmlns:p="http://schemas.openxmlformats.org/presentationml/2006/main">
-  <p:cSld>
-    <p:spTree>
-      <p:nvGrpSpPr>
-        <p:cNvPr id="1" name=""/>
-        <p:cNvGrpSpPr/>
-        <p:nvPr/>
-      </p:nvGrpSpPr>
-      <p:grpSpPr>
-        <a:xfrm>
-          <a:off x="0" y="0"/>
-          <a:ext cx="0" cy="0"/>
-          <a:chOff x="0" y="0"/>
-          <a:chExt cx="0" cy="0"/>
-        </a:xfrm>
-      </p:grpSpPr>
-      <p:sp>
-        <p:nvSpPr>
-          <p:cNvPr id="2" name="Title 1"/>
-          <p:cNvSpPr>
-            <a:spLocks noGrp="1"/>
-          </p:cNvSpPr>
-          <p:nvPr>
-            <p:ph type="title"/>
-          </p:nvPr>
-        </p:nvSpPr>
-        <p:spPr/>
-        <p:txBody>
-          <a:bodyPr/>
-          <a:lstStyle/>
-          <a:p>
-            <a:r>
-              <a:rPr lang="en-US" dirty="0" smtClean="0"/>
-              <a:t>Sessions, Users, Login, and Django</a:t>
-            </a:r>
-            <a:endParaRPr lang="en-US" dirty="0"/>
-          </a:p>
-        </p:txBody>
-      </p:sp>
-      <p:sp>
-        <p:nvSpPr>
-          <p:cNvPr id="3" name="Content Placeholder 2"/>
-          <p:cNvSpPr>
-            <a:spLocks noGrp="1"/>
-          </p:cNvSpPr>
-          <p:nvPr>
-            <p:ph idx="1"/>
-          </p:nvPr>
-        </p:nvSpPr>
-        <p:spPr>
-          <a:xfrm>
-            <a:off x="838200" y="1625719"/>
-            <a:ext cx="10515600" cy="1214137"/>
-          </a:xfrm>
-        </p:spPr>
-        <p:txBody>
-          <a:bodyPr/>
-          <a:lstStyle/>
-          <a:p>
-            <a:r>
-              <a:rPr lang="en-US" dirty="0" smtClean="0"/>
-              <a:t>Login functionality is built into Django and included in your </a:t>
-            </a:r>
-            <a:r>
-              <a:rPr lang="en-US" b="1" dirty="0" err="1" smtClean="0"/>
-              <a:t>settings.py</a:t>
-            </a:r>
-            <a:r>
-              <a:rPr lang="en-US" dirty="0" smtClean="0"/>
-              <a:t> by default</a:t>
-            </a:r>
-            <a:endParaRPr lang="en-US" dirty="0"/>
-          </a:p>
-        </p:txBody>
-      </p:sp>
-      <p:sp>
-        <p:nvSpPr>
-          <p:cNvPr id="4" name="Rectangle 3"/>
-          <p:cNvSpPr/>
-          <p:nvPr/>
-        </p:nvSpPr>
-        <p:spPr>
-          <a:xfrm>
-            <a:off x="838200" y="5542691"/>
-            <a:ext cx="5783058" cy="369332"/>
-          </a:xfrm>
-          <a:prstGeom prst="rect">
-            <a:avLst/>
-          </a:prstGeom>
-        </p:spPr>
-        <p:txBody>
-          <a:bodyPr wrap="none">
-            <a:spAutoFit/>
-          </a:bodyPr>
-          <a:lstStyle/>
-          <a:p>
-            <a:r>
-              <a:rPr lang="en-US" dirty="0"/>
-              <a:t>https://</a:t>
-            </a:r>
-            <a:r>
-              <a:rPr lang="en-US" dirty="0" err="1"/>
-              <a:t>docs.djangoproject.com</a:t>
-            </a:r>
-            <a:r>
-              <a:rPr lang="en-US" dirty="0"/>
-              <a:t>/</a:t>
-            </a:r>
-            <a:r>
-              <a:rPr lang="en-US" dirty="0" err="1"/>
-              <a:t>en</a:t>
-            </a:r>
-            <a:r>
-              <a:rPr lang="en-US" dirty="0"/>
-              <a:t>/2.2/topics/</a:t>
-            </a:r>
-            <a:r>
-              <a:rPr lang="en-US" dirty="0" err="1"/>
-              <a:t>auth</a:t>
-            </a:r>
-            <a:r>
-              <a:rPr lang="en-US" dirty="0"/>
-              <a:t>/default</a:t>
-            </a:r>
-          </a:p>
-        </p:txBody>
-      </p:sp>
-      <p:sp>
-        <p:nvSpPr>
-          <p:cNvPr id="5" name="Rectangle 4"/>
-          <p:cNvSpPr/>
-          <p:nvPr/>
-        </p:nvSpPr>
-        <p:spPr>
-          <a:xfrm>
-            <a:off x="2565963" y="3361786"/>
-            <a:ext cx="5008605" cy="1477328"/>
-          </a:xfrm>
-          <a:prstGeom prst="rect">
-            <a:avLst/>
-          </a:prstGeom>
-        </p:spPr>
-        <p:txBody>
-          <a:bodyPr wrap="square">
-            <a:spAutoFit/>
-          </a:bodyPr>
-          <a:lstStyle/>
-          <a:p>
-            <a:r>
-              <a:rPr lang="en-US" dirty="0">
-                <a:latin typeface="Courier" charset="0"/>
-                <a:ea typeface="Courier" charset="0"/>
-                <a:cs typeface="Courier" charset="0"/>
-              </a:rPr>
-              <a:t>INSTALLED_APPS = [</a:t>
-            </a:r>
-          </a:p>
-          <a:p>
-            <a:r>
-              <a:rPr lang="en-US" dirty="0">
-                <a:latin typeface="Courier" charset="0"/>
-                <a:ea typeface="Courier" charset="0"/>
-                <a:cs typeface="Courier" charset="0"/>
-              </a:rPr>
-              <a:t>    '</a:t>
-            </a:r>
-            <a:r>
-              <a:rPr lang="en-US" dirty="0" err="1">
-                <a:latin typeface="Courier" charset="0"/>
-                <a:ea typeface="Courier" charset="0"/>
-                <a:cs typeface="Courier" charset="0"/>
-              </a:rPr>
-              <a:t>django.contrib.admin</a:t>
-            </a:r>
-            <a:r>
-              <a:rPr lang="en-US" dirty="0">
-                <a:latin typeface="Courier" charset="0"/>
-                <a:ea typeface="Courier" charset="0"/>
-                <a:cs typeface="Courier" charset="0"/>
-              </a:rPr>
-              <a:t>',</a:t>
-            </a:r>
-          </a:p>
-          <a:p>
-            <a:r>
-              <a:rPr lang="en-US" dirty="0">
-                <a:solidFill>
-                  <a:srgbClr val="FFFF00"/>
-                </a:solidFill>
-                <a:latin typeface="Courier" charset="0"/>
-                <a:ea typeface="Courier" charset="0"/>
-                <a:cs typeface="Courier" charset="0"/>
-              </a:rPr>
-              <a:t>    '</a:t>
-            </a:r>
-            <a:r>
-              <a:rPr lang="en-US" dirty="0" err="1">
-                <a:solidFill>
-                  <a:srgbClr val="FFFF00"/>
-                </a:solidFill>
-                <a:latin typeface="Courier" charset="0"/>
-                <a:ea typeface="Courier" charset="0"/>
-                <a:cs typeface="Courier" charset="0"/>
-              </a:rPr>
-              <a:t>django.contrib.auth</a:t>
-            </a:r>
-            <a:r>
-              <a:rPr lang="en-US" dirty="0">
-                <a:solidFill>
-                  <a:srgbClr val="FFFF00"/>
-                </a:solidFill>
-                <a:latin typeface="Courier" charset="0"/>
-                <a:ea typeface="Courier" charset="0"/>
-                <a:cs typeface="Courier" charset="0"/>
-              </a:rPr>
-              <a:t>',</a:t>
-            </a:r>
-          </a:p>
-          <a:p>
-            <a:r>
-              <a:rPr lang="en-US" dirty="0">
-                <a:latin typeface="Courier" charset="0"/>
-                <a:ea typeface="Courier" charset="0"/>
-                <a:cs typeface="Courier" charset="0"/>
-              </a:rPr>
-              <a:t>    '</a:t>
-            </a:r>
-            <a:r>
-              <a:rPr lang="en-US" dirty="0" err="1">
-                <a:latin typeface="Courier" charset="0"/>
-                <a:ea typeface="Courier" charset="0"/>
-                <a:cs typeface="Courier" charset="0"/>
-              </a:rPr>
-              <a:t>django.contrib.contenttypes</a:t>
-            </a:r>
-            <a:r>
-              <a:rPr lang="en-US" dirty="0" smtClean="0">
-                <a:latin typeface="Courier" charset="0"/>
-                <a:ea typeface="Courier" charset="0"/>
-                <a:cs typeface="Courier" charset="0"/>
-              </a:rPr>
-              <a:t>',</a:t>
-            </a:r>
-          </a:p>
-          <a:p>
-            <a:r>
-              <a:rPr lang="en-US" dirty="0" smtClean="0">
-                <a:latin typeface="Courier" charset="0"/>
-                <a:ea typeface="Courier" charset="0"/>
-                <a:cs typeface="Courier" charset="0"/>
-              </a:rPr>
-              <a:t>...</a:t>
-            </a:r>
-            <a:endParaRPr lang="en-US" dirty="0">
-              <a:latin typeface="Courier" charset="0"/>
-              <a:ea typeface="Courier" charset="0"/>
-              <a:cs typeface="Courier" charset="0"/>
-            </a:endParaRPr>
-          </a:p>
-        </p:txBody>
-      </p:sp>
-      <p:sp>
-        <p:nvSpPr>
-          <p:cNvPr id="6" name="TextBox 5"/>
-          <p:cNvSpPr txBox="1"/>
-          <p:nvPr/>
-        </p:nvSpPr>
-        <p:spPr>
-          <a:xfrm>
-            <a:off x="6868394" y="2581950"/>
-            <a:ext cx="3858749" cy="369332"/>
-          </a:xfrm>
-          <a:prstGeom prst="rect">
-            <a:avLst/>
-          </a:prstGeom>
-          <a:noFill/>
-        </p:spPr>
-        <p:txBody>
-          <a:bodyPr wrap="none" rtlCol="0">
-            <a:spAutoFit/>
-          </a:bodyPr>
-          <a:lstStyle/>
-          <a:p>
-            <a:r>
-              <a:rPr lang="en-US" dirty="0" smtClean="0">
-                <a:solidFill>
-                  <a:srgbClr val="FFFF00"/>
-                </a:solidFill>
-              </a:rPr>
-              <a:t>dj4e-samples/dj4e-samples/</a:t>
-            </a:r>
-            <a:r>
-              <a:rPr lang="en-US" dirty="0" err="1" smtClean="0">
-                <a:solidFill>
-                  <a:srgbClr val="FFFF00"/>
-                </a:solidFill>
-              </a:rPr>
-              <a:t>settings.py</a:t>
-            </a:r>
-            <a:endParaRPr lang="en-US" dirty="0">
-              <a:solidFill>
-                <a:srgbClr val="FFFF00"/>
-              </a:solidFill>
-            </a:endParaRPr>
-          </a:p>
-        </p:txBody>
-      </p:sp>
-    </p:spTree>
-    <p:extLst>
-      <p:ext uri="{BB962C8B-B14F-4D97-AF65-F5344CB8AC3E}">
-        <p14:creationId xmlns:p14="http://schemas.microsoft.com/office/powerpoint/2010/main" val="663881882"/>
       </p:ext>
     </p:extLst>
   </p:cSld>
@@ -19990,37 +20190,24 @@
         <p:spPr>
           <a:xfrm>
             <a:off x="838200" y="1625719"/>
-            <a:ext cx="10515600" cy="1451589"/>
+            <a:ext cx="10515600" cy="1214137"/>
           </a:xfrm>
         </p:spPr>
         <p:txBody>
-          <a:bodyPr>
-            <a:normAutofit/>
-          </a:bodyPr>
+          <a:bodyPr/>
           <a:lstStyle/>
           <a:p>
             <a:r>
               <a:rPr lang="en-US" dirty="0" smtClean="0"/>
-              <a:t>We need to add a path to the code that gives us login and logout </a:t>
-            </a:r>
-            <a:r>
-              <a:rPr lang="en-US" dirty="0" err="1" smtClean="0"/>
-              <a:t>urls</a:t>
-            </a:r>
-            <a:endParaRPr lang="en-US" dirty="0" smtClean="0"/>
-          </a:p>
-          <a:p>
+              <a:t>Login functionality is built into Django and included in your </a:t>
+            </a:r>
+            <a:r>
+              <a:rPr lang="en-US" b="1" dirty="0" err="1" smtClean="0"/>
+              <a:t>settings.py</a:t>
+            </a:r>
             <a:r>
               <a:rPr lang="en-US" dirty="0" smtClean="0"/>
-              <a:t>We can reverse lookup these </a:t>
-            </a:r>
-            <a:r>
-              <a:rPr lang="en-US" dirty="0" err="1" smtClean="0"/>
-              <a:t>urls</a:t>
-            </a:r>
-            <a:r>
-              <a:rPr lang="en-US" dirty="0" smtClean="0"/>
-              <a:t> using the 'login' and 'logout' view names</a:t>
+              <a:t> by default</a:t>
             </a:r>
             <a:endParaRPr lang="en-US" dirty="0"/>
           </a:p>
@@ -20086,8 +20273,8 @@
         </p:nvSpPr>
         <p:spPr>
           <a:xfrm>
-            <a:off x="1799166" y="3320614"/>
-            <a:ext cx="8593667" cy="1754326"/>
+            <a:off x="2565963" y="3361786"/>
+            <a:ext cx="5008605" cy="1477328"/>
           </a:xfrm>
           <a:prstGeom prst="rect">
             <a:avLst/>
@@ -20100,38 +20287,91 @@
           <a:lstStyle/>
           <a:p>
             <a:r>
+              <a:rPr lang="en-US" dirty="0">
+                <a:latin typeface="Courier" charset="0"/>
+                <a:ea typeface="Courier" charset="0"/>
+                <a:cs typeface="Courier" charset="0"/>
+              </a:rPr>
+              <a:t>INSTALLED_APPS = [</a:t>
+            </a:r>
+          </a:p>
+          <a:p>
+            <a:r>
+              <a:rPr lang="en-US" dirty="0">
+                <a:latin typeface="Courier" charset="0"/>
+                <a:ea typeface="Courier" charset="0"/>
+                <a:cs typeface="Courier" charset="0"/>
+              </a:rPr>
+              <a:t>    '</a:t>
+            </a:r>
+            <a:r>
               <a:rPr lang="en-US" dirty="0" err="1">
                 <a:latin typeface="Courier" charset="0"/>
                 <a:ea typeface="Courier" charset="0"/>
                 <a:cs typeface="Courier" charset="0"/>
               </a:rPr>
-              <a:t>urlpatterns</a:t>
-            </a:r>
-            <a:r>
-              <a:rPr lang="en-US" dirty="0">
-                <a:latin typeface="Courier" charset="0"/>
-                <a:ea typeface="Courier" charset="0"/>
-                <a:cs typeface="Courier" charset="0"/>
-              </a:rPr>
-              <a:t> = [</a:t>
-            </a:r>
-          </a:p>
-          <a:p>
-            <a:r>
-              <a:rPr lang="en-US" dirty="0">
-                <a:latin typeface="Courier" charset="0"/>
-                <a:ea typeface="Courier" charset="0"/>
-                <a:cs typeface="Courier" charset="0"/>
-              </a:rPr>
-              <a:t>    path('', include('</a:t>
+              <a:t>django.contrib.admin</a:t>
+            </a:r>
+            <a:r>
+              <a:rPr lang="en-US" dirty="0">
+                <a:latin typeface="Courier" charset="0"/>
+                <a:ea typeface="Courier" charset="0"/>
+                <a:cs typeface="Courier" charset="0"/>
+              </a:rPr>
+              <a:t>',</a:t>
+            </a:r>
+          </a:p>
+          <a:p>
+            <a:r>
+              <a:rPr lang="en-US" dirty="0">
+                <a:solidFill>
+                  <a:srgbClr val="FFFF00"/>
+                </a:solidFill>
+                <a:latin typeface="Courier" charset="0"/>
+                <a:ea typeface="Courier" charset="0"/>
+                <a:cs typeface="Courier" charset="0"/>
+              </a:rPr>
+              <a:t>    '</a:t>
             </a:r>
             <a:r>
               <a:rPr lang="en-US" dirty="0" err="1">
-                <a:latin typeface="Courier" charset="0"/>
-                <a:ea typeface="Courier" charset="0"/>
-                <a:cs typeface="Courier" charset="0"/>
-              </a:rPr>
-              <a:t>home.urls</a:t>
+                <a:solidFill>
+                  <a:srgbClr val="FFFF00"/>
+                </a:solidFill>
+                <a:latin typeface="Courier" charset="0"/>
+                <a:ea typeface="Courier" charset="0"/>
+                <a:cs typeface="Courier" charset="0"/>
+              </a:rPr>
+              <a:t>django.contrib.auth</a:t>
+            </a:r>
+            <a:r>
+              <a:rPr lang="en-US" dirty="0">
+                <a:solidFill>
+                  <a:srgbClr val="FFFF00"/>
+                </a:solidFill>
+                <a:latin typeface="Courier" charset="0"/>
+                <a:ea typeface="Courier" charset="0"/>
+                <a:cs typeface="Courier" charset="0"/>
+              </a:rPr>
+              <a:t>',</a:t>
+            </a:r>
+          </a:p>
+          <a:p>
+            <a:r>
+              <a:rPr lang="en-US" dirty="0">
+                <a:latin typeface="Courier" charset="0"/>
+                <a:ea typeface="Courier" charset="0"/>
+                <a:cs typeface="Courier" charset="0"/>
+              </a:rPr>
+              <a:t>    '</a:t>
+            </a:r>
+            <a:r>
+              <a:rPr lang="en-US" dirty="0" err="1">
+                <a:latin typeface="Courier" charset="0"/>
+                <a:ea typeface="Courier" charset="0"/>
+                <a:cs typeface="Courier" charset="0"/>
+              </a:rPr>
+              <a:t>django.contrib.contenttypes</a:t>
             </a:r>
             <a:r>
               <a:rPr lang="en-US" dirty="0" smtClean="0">
@@ -20139,103 +20379,8 @@
                 <a:ea typeface="Courier" charset="0"/>
                 <a:cs typeface="Courier" charset="0"/>
               </a:rPr>
-              <a:t>')),</a:t>
-            </a:r>
-            <a:endParaRPr lang="en-US" dirty="0">
-              <a:latin typeface="Courier" charset="0"/>
-              <a:ea typeface="Courier" charset="0"/>
-              <a:cs typeface="Courier" charset="0"/>
-            </a:endParaRPr>
-          </a:p>
-          <a:p>
-            <a:r>
-              <a:rPr lang="en-US" dirty="0">
-                <a:latin typeface="Courier" charset="0"/>
-                <a:ea typeface="Courier" charset="0"/>
-                <a:cs typeface="Courier" charset="0"/>
-              </a:rPr>
-              <a:t>    path('admin/', </a:t>
-            </a:r>
-            <a:r>
-              <a:rPr lang="en-US" dirty="0" err="1">
-                <a:latin typeface="Courier" charset="0"/>
-                <a:ea typeface="Courier" charset="0"/>
-                <a:cs typeface="Courier" charset="0"/>
-              </a:rPr>
-              <a:t>admin.site.urls</a:t>
-            </a:r>
-            <a:r>
-              <a:rPr lang="en-US" dirty="0" smtClean="0">
-                <a:latin typeface="Courier" charset="0"/>
-                <a:ea typeface="Courier" charset="0"/>
-                <a:cs typeface="Courier" charset="0"/>
-              </a:rPr>
-              <a:t>),</a:t>
-            </a:r>
-          </a:p>
-          <a:p>
-            <a:r>
-              <a:rPr lang="en-US" dirty="0">
-                <a:solidFill>
-                  <a:srgbClr val="FFFF00"/>
-                </a:solidFill>
-                <a:latin typeface="Courier" charset="0"/>
-                <a:ea typeface="Courier" charset="0"/>
-                <a:cs typeface="Courier" charset="0"/>
-              </a:rPr>
-              <a:t> </a:t>
-            </a:r>
-            <a:r>
-              <a:rPr lang="en-US" dirty="0" smtClean="0">
-                <a:solidFill>
-                  <a:srgbClr val="FFFF00"/>
-                </a:solidFill>
-                <a:latin typeface="Courier" charset="0"/>
-                <a:ea typeface="Courier" charset="0"/>
-                <a:cs typeface="Courier" charset="0"/>
-              </a:rPr>
-              <a:t>   path</a:t>
-            </a:r>
-            <a:r>
-              <a:rPr lang="en-US" dirty="0">
-                <a:solidFill>
-                  <a:srgbClr val="FFFF00"/>
-                </a:solidFill>
-                <a:latin typeface="Courier" charset="0"/>
-                <a:ea typeface="Courier" charset="0"/>
-                <a:cs typeface="Courier" charset="0"/>
-              </a:rPr>
-              <a:t>('accounts/', include('</a:t>
-            </a:r>
-            <a:r>
-              <a:rPr lang="en-US" dirty="0" err="1">
-                <a:solidFill>
-                  <a:srgbClr val="FFFF00"/>
-                </a:solidFill>
-                <a:latin typeface="Courier" charset="0"/>
-                <a:ea typeface="Courier" charset="0"/>
-                <a:cs typeface="Courier" charset="0"/>
-              </a:rPr>
-              <a:t>django.contrib.auth.urls</a:t>
-            </a:r>
-            <a:r>
-              <a:rPr lang="en-US" dirty="0" smtClean="0">
-                <a:solidFill>
-                  <a:srgbClr val="FFFF00"/>
-                </a:solidFill>
-                <a:latin typeface="Courier" charset="0"/>
-                <a:ea typeface="Courier" charset="0"/>
-                <a:cs typeface="Courier" charset="0"/>
-              </a:rPr>
-              <a:t>')),</a:t>
-            </a:r>
-          </a:p>
-          <a:p>
-            <a:endParaRPr lang="en-US" dirty="0">
-              <a:latin typeface="Courier" charset="0"/>
-              <a:ea typeface="Courier" charset="0"/>
-              <a:cs typeface="Courier" charset="0"/>
-            </a:endParaRPr>
+              <a:t>',</a:t>
+            </a:r>
           </a:p>
           <a:p>
             <a:r>
@@ -20262,8 +20407,8 @@
         </p:nvSpPr>
         <p:spPr>
           <a:xfrm>
-            <a:off x="7578943" y="2983518"/>
-            <a:ext cx="3479542" cy="369332"/>
+            <a:off x="6868394" y="2581950"/>
+            <a:ext cx="3858749" cy="369332"/>
           </a:xfrm>
           <a:prstGeom prst="rect">
             <a:avLst/>
@@ -20290,7 +20435,7 @@
                   <a:srgbClr val="FFFF00"/>
                 </a:solidFill>
               </a:rPr>
-              <a:t>urls.py</a:t>
+              <a:t>settings.py</a:t>
             </a:r>
             <a:endParaRPr lang="en-US" dirty="0">
               <a:solidFill>
@@ -20303,7 +20448,7 @@
     </p:spTree>
     <p:extLst>
       <p:ext uri="{BB962C8B-B14F-4D97-AF65-F5344CB8AC3E}">
-        <p14:creationId xmlns:p14="http://schemas.microsoft.com/office/powerpoint/2010/main" val="646750620"/>
+        <p14:creationId xmlns:p14="http://schemas.microsoft.com/office/powerpoint/2010/main" val="663881882"/>
       </p:ext>
     </p:extLst>
   </p:cSld>

--- a/lectures/DJ-08-Login.pptx
+++ b/lectures/DJ-08-Login.pptx
@@ -222,7 +222,7 @@
           <a:p>
             <a:fld id="{C97B56FC-7D2E-F343-9D09-0D14B00AA564}" type="datetimeFigureOut">
               <a:rPr lang="en-US" smtClean="0"/>
-              <a:t>9/29/19</a:t>
+              <a:t>9/30/19</a:t>
             </a:fld>
             <a:endParaRPr lang="en-US"/>
           </a:p>
@@ -619,7 +619,7 @@
           <a:p>
             <a:fld id="{EEE7C04C-7AF8-1445-A186-502B631B934F}" type="datetimeFigureOut">
               <a:rPr lang="en-US" smtClean="0"/>
-              <a:t>9/29/19</a:t>
+              <a:t>9/30/19</a:t>
             </a:fld>
             <a:endParaRPr lang="en-US"/>
           </a:p>
@@ -784,7 +784,7 @@
           <a:p>
             <a:fld id="{EEE7C04C-7AF8-1445-A186-502B631B934F}" type="datetimeFigureOut">
               <a:rPr lang="en-US" smtClean="0"/>
-              <a:t>9/29/19</a:t>
+              <a:t>9/30/19</a:t>
             </a:fld>
             <a:endParaRPr lang="en-US"/>
           </a:p>
@@ -959,7 +959,7 @@
           <a:p>
             <a:fld id="{EEE7C04C-7AF8-1445-A186-502B631B934F}" type="datetimeFigureOut">
               <a:rPr lang="en-US" smtClean="0"/>
-              <a:t>9/29/19</a:t>
+              <a:t>9/30/19</a:t>
             </a:fld>
             <a:endParaRPr lang="en-US"/>
           </a:p>
@@ -1124,7 +1124,7 @@
           <a:p>
             <a:fld id="{EEE7C04C-7AF8-1445-A186-502B631B934F}" type="datetimeFigureOut">
               <a:rPr lang="en-US" smtClean="0"/>
-              <a:t>9/29/19</a:t>
+              <a:t>9/30/19</a:t>
             </a:fld>
             <a:endParaRPr lang="en-US"/>
           </a:p>
@@ -1365,7 +1365,7 @@
           <a:p>
             <a:fld id="{EEE7C04C-7AF8-1445-A186-502B631B934F}" type="datetimeFigureOut">
               <a:rPr lang="en-US" smtClean="0"/>
-              <a:t>9/29/19</a:t>
+              <a:t>9/30/19</a:t>
             </a:fld>
             <a:endParaRPr lang="en-US"/>
           </a:p>
@@ -1592,7 +1592,7 @@
           <a:p>
             <a:fld id="{EEE7C04C-7AF8-1445-A186-502B631B934F}" type="datetimeFigureOut">
               <a:rPr lang="en-US" smtClean="0"/>
-              <a:t>9/29/19</a:t>
+              <a:t>9/30/19</a:t>
             </a:fld>
             <a:endParaRPr lang="en-US"/>
           </a:p>
@@ -1954,7 +1954,7 @@
           <a:p>
             <a:fld id="{EEE7C04C-7AF8-1445-A186-502B631B934F}" type="datetimeFigureOut">
               <a:rPr lang="en-US" smtClean="0"/>
-              <a:t>9/29/19</a:t>
+              <a:t>9/30/19</a:t>
             </a:fld>
             <a:endParaRPr lang="en-US"/>
           </a:p>
@@ -2067,7 +2067,7 @@
           <a:p>
             <a:fld id="{EEE7C04C-7AF8-1445-A186-502B631B934F}" type="datetimeFigureOut">
               <a:rPr lang="en-US" smtClean="0"/>
-              <a:t>9/29/19</a:t>
+              <a:t>9/30/19</a:t>
             </a:fld>
             <a:endParaRPr lang="en-US"/>
           </a:p>
@@ -2157,7 +2157,7 @@
           <a:p>
             <a:fld id="{EEE7C04C-7AF8-1445-A186-502B631B934F}" type="datetimeFigureOut">
               <a:rPr lang="en-US" smtClean="0"/>
-              <a:t>9/29/19</a:t>
+              <a:t>9/30/19</a:t>
             </a:fld>
             <a:endParaRPr lang="en-US"/>
           </a:p>
@@ -2429,7 +2429,7 @@
           <a:p>
             <a:fld id="{EEE7C04C-7AF8-1445-A186-502B631B934F}" type="datetimeFigureOut">
               <a:rPr lang="en-US" smtClean="0"/>
-              <a:t>9/29/19</a:t>
+              <a:t>9/30/19</a:t>
             </a:fld>
             <a:endParaRPr lang="en-US"/>
           </a:p>
@@ -2681,7 +2681,7 @@
           <a:p>
             <a:fld id="{EEE7C04C-7AF8-1445-A186-502B631B934F}" type="datetimeFigureOut">
               <a:rPr lang="en-US" smtClean="0"/>
-              <a:t>9/29/19</a:t>
+              <a:t>9/30/19</a:t>
             </a:fld>
             <a:endParaRPr lang="en-US"/>
           </a:p>
@@ -2888,7 +2888,7 @@
           <a:p>
             <a:fld id="{EEE7C04C-7AF8-1445-A186-502B631B934F}" type="datetimeFigureOut">
               <a:rPr lang="en-US" smtClean="0"/>
-              <a:t>9/29/19</a:t>
+              <a:t>9/30/19</a:t>
             </a:fld>
             <a:endParaRPr lang="en-US"/>
           </a:p>
@@ -3306,10 +3306,10 @@
           <p:cNvPr id="10" name="Rectangle 9">
             <a:extLst>
               <a:ext uri="{FF2B5EF4-FFF2-40B4-BE49-F238E27FC236}">
-                <a16:creationId xmlns:a16="http://schemas.microsoft.com/office/drawing/2014/main" xmlns="" id="{E20EB187-900F-4AF5-813B-101456D9FD39}"/>
+                <a16:creationId xmlns="" xmlns:a16="http://schemas.microsoft.com/office/drawing/2014/main" id="{E20EB187-900F-4AF5-813B-101456D9FD39}"/>
               </a:ext>
               <a:ext uri="{C183D7F6-B498-43B3-948B-1728B52AA6E4}">
-                <adec:decorative xmlns:adec="http://schemas.microsoft.com/office/drawing/2017/decorative" xmlns="" val="1"/>
+                <adec:decorative xmlns="" xmlns:adec="http://schemas.microsoft.com/office/drawing/2017/decorative" val="1"/>
               </a:ext>
             </a:extLst>
           </p:cNvPr>
@@ -3453,10 +3453,10 @@
           <p:cNvPr id="12" name="Straight Connector 11">
             <a:extLst>
               <a:ext uri="{FF2B5EF4-FFF2-40B4-BE49-F238E27FC236}">
-                <a16:creationId xmlns:a16="http://schemas.microsoft.com/office/drawing/2014/main" xmlns="" id="{624D17C8-E9C2-48A4-AA36-D7048A6CCC41}"/>
+                <a16:creationId xmlns="" xmlns:a16="http://schemas.microsoft.com/office/drawing/2014/main" id="{624D17C8-E9C2-48A4-AA36-D7048A6CCC41}"/>
               </a:ext>
               <a:ext uri="{C183D7F6-B498-43B3-948B-1728B52AA6E4}">
-                <adec:decorative xmlns:adec="http://schemas.microsoft.com/office/drawing/2017/decorative" xmlns="" val="1"/>
+                <adec:decorative xmlns="" xmlns:adec="http://schemas.microsoft.com/office/drawing/2017/decorative" val="1"/>
               </a:ext>
             </a:extLst>
           </p:cNvPr>
@@ -20103,7 +20103,19 @@
           <a:p>
             <a:r>
               <a:rPr lang="en-US" dirty="0" smtClean="0"/>
-              <a:t>When the user passes the login check, the server adds markers to the session identifying the user</a:t>
+              <a:t>When the user passes the login check, the server </a:t>
+            </a:r>
+            <a:r>
+              <a:rPr lang="en-US" smtClean="0"/>
+              <a:t>adds </a:t>
+            </a:r>
+            <a:r>
+              <a:rPr lang="en-US" smtClean="0"/>
+              <a:t>data to </a:t>
+            </a:r>
+            <a:r>
+              <a:rPr lang="en-US" dirty="0" smtClean="0"/>
+              <a:t>the session identifying the user</a:t>
             </a:r>
           </a:p>
           <a:p>

--- a/lectures/DJ-08-Login.pptx
+++ b/lectures/DJ-08-Login.pptx
@@ -5,7 +5,7 @@
     <p:sldMasterId id="2147483660" r:id="rId1"/>
   </p:sldMasterIdLst>
   <p:notesMasterIdLst>
-    <p:notesMasterId r:id="rId28"/>
+    <p:notesMasterId r:id="rId29"/>
   </p:notesMasterIdLst>
   <p:sldIdLst>
     <p:sldId id="258" r:id="rId2"/>
@@ -32,8 +32,9 @@
     <p:sldId id="298" r:id="rId23"/>
     <p:sldId id="301" r:id="rId24"/>
     <p:sldId id="302" r:id="rId25"/>
-    <p:sldId id="300" r:id="rId26"/>
-    <p:sldId id="273" r:id="rId27"/>
+    <p:sldId id="308" r:id="rId26"/>
+    <p:sldId id="300" r:id="rId27"/>
+    <p:sldId id="273" r:id="rId28"/>
   </p:sldIdLst>
   <p:sldSz cx="12192000" cy="6858000"/>
   <p:notesSz cx="6858000" cy="9144000"/>
@@ -222,7 +223,7 @@
           <a:p>
             <a:fld id="{C97B56FC-7D2E-F343-9D09-0D14B00AA564}" type="datetimeFigureOut">
               <a:rPr lang="en-US" smtClean="0"/>
-              <a:t>9/30/19</a:t>
+              <a:t>10/1/19</a:t>
             </a:fld>
             <a:endParaRPr lang="en-US"/>
           </a:p>
@@ -619,7 +620,7 @@
           <a:p>
             <a:fld id="{EEE7C04C-7AF8-1445-A186-502B631B934F}" type="datetimeFigureOut">
               <a:rPr lang="en-US" smtClean="0"/>
-              <a:t>9/30/19</a:t>
+              <a:t>10/1/19</a:t>
             </a:fld>
             <a:endParaRPr lang="en-US"/>
           </a:p>
@@ -784,7 +785,7 @@
           <a:p>
             <a:fld id="{EEE7C04C-7AF8-1445-A186-502B631B934F}" type="datetimeFigureOut">
               <a:rPr lang="en-US" smtClean="0"/>
-              <a:t>9/30/19</a:t>
+              <a:t>10/1/19</a:t>
             </a:fld>
             <a:endParaRPr lang="en-US"/>
           </a:p>
@@ -959,7 +960,7 @@
           <a:p>
             <a:fld id="{EEE7C04C-7AF8-1445-A186-502B631B934F}" type="datetimeFigureOut">
               <a:rPr lang="en-US" smtClean="0"/>
-              <a:t>9/30/19</a:t>
+              <a:t>10/1/19</a:t>
             </a:fld>
             <a:endParaRPr lang="en-US"/>
           </a:p>
@@ -1124,7 +1125,7 @@
           <a:p>
             <a:fld id="{EEE7C04C-7AF8-1445-A186-502B631B934F}" type="datetimeFigureOut">
               <a:rPr lang="en-US" smtClean="0"/>
-              <a:t>9/30/19</a:t>
+              <a:t>10/1/19</a:t>
             </a:fld>
             <a:endParaRPr lang="en-US"/>
           </a:p>
@@ -1365,7 +1366,7 @@
           <a:p>
             <a:fld id="{EEE7C04C-7AF8-1445-A186-502B631B934F}" type="datetimeFigureOut">
               <a:rPr lang="en-US" smtClean="0"/>
-              <a:t>9/30/19</a:t>
+              <a:t>10/1/19</a:t>
             </a:fld>
             <a:endParaRPr lang="en-US"/>
           </a:p>
@@ -1592,7 +1593,7 @@
           <a:p>
             <a:fld id="{EEE7C04C-7AF8-1445-A186-502B631B934F}" type="datetimeFigureOut">
               <a:rPr lang="en-US" smtClean="0"/>
-              <a:t>9/30/19</a:t>
+              <a:t>10/1/19</a:t>
             </a:fld>
             <a:endParaRPr lang="en-US"/>
           </a:p>
@@ -1954,7 +1955,7 @@
           <a:p>
             <a:fld id="{EEE7C04C-7AF8-1445-A186-502B631B934F}" type="datetimeFigureOut">
               <a:rPr lang="en-US" smtClean="0"/>
-              <a:t>9/30/19</a:t>
+              <a:t>10/1/19</a:t>
             </a:fld>
             <a:endParaRPr lang="en-US"/>
           </a:p>
@@ -2067,7 +2068,7 @@
           <a:p>
             <a:fld id="{EEE7C04C-7AF8-1445-A186-502B631B934F}" type="datetimeFigureOut">
               <a:rPr lang="en-US" smtClean="0"/>
-              <a:t>9/30/19</a:t>
+              <a:t>10/1/19</a:t>
             </a:fld>
             <a:endParaRPr lang="en-US"/>
           </a:p>
@@ -2157,7 +2158,7 @@
           <a:p>
             <a:fld id="{EEE7C04C-7AF8-1445-A186-502B631B934F}" type="datetimeFigureOut">
               <a:rPr lang="en-US" smtClean="0"/>
-              <a:t>9/30/19</a:t>
+              <a:t>10/1/19</a:t>
             </a:fld>
             <a:endParaRPr lang="en-US"/>
           </a:p>
@@ -2429,7 +2430,7 @@
           <a:p>
             <a:fld id="{EEE7C04C-7AF8-1445-A186-502B631B934F}" type="datetimeFigureOut">
               <a:rPr lang="en-US" smtClean="0"/>
-              <a:t>9/30/19</a:t>
+              <a:t>10/1/19</a:t>
             </a:fld>
             <a:endParaRPr lang="en-US"/>
           </a:p>
@@ -2681,7 +2682,7 @@
           <a:p>
             <a:fld id="{EEE7C04C-7AF8-1445-A186-502B631B934F}" type="datetimeFigureOut">
               <a:rPr lang="en-US" smtClean="0"/>
-              <a:t>9/30/19</a:t>
+              <a:t>10/1/19</a:t>
             </a:fld>
             <a:endParaRPr lang="en-US"/>
           </a:p>
@@ -2888,7 +2889,7 @@
           <a:p>
             <a:fld id="{EEE7C04C-7AF8-1445-A186-502B631B934F}" type="datetimeFigureOut">
               <a:rPr lang="en-US" smtClean="0"/>
-              <a:t>9/30/19</a:t>
+              <a:t>10/1/19</a:t>
             </a:fld>
             <a:endParaRPr lang="en-US"/>
           </a:p>
@@ -3306,10 +3307,10 @@
           <p:cNvPr id="10" name="Rectangle 9">
             <a:extLst>
               <a:ext uri="{FF2B5EF4-FFF2-40B4-BE49-F238E27FC236}">
-                <a16:creationId xmlns="" xmlns:a16="http://schemas.microsoft.com/office/drawing/2014/main" id="{E20EB187-900F-4AF5-813B-101456D9FD39}"/>
+                <a16:creationId xmlns:a16="http://schemas.microsoft.com/office/drawing/2014/main" xmlns="" id="{E20EB187-900F-4AF5-813B-101456D9FD39}"/>
               </a:ext>
               <a:ext uri="{C183D7F6-B498-43B3-948B-1728B52AA6E4}">
-                <adec:decorative xmlns="" xmlns:adec="http://schemas.microsoft.com/office/drawing/2017/decorative" val="1"/>
+                <adec:decorative xmlns:adec="http://schemas.microsoft.com/office/drawing/2017/decorative" xmlns="" val="1"/>
               </a:ext>
             </a:extLst>
           </p:cNvPr>
@@ -3453,10 +3454,10 @@
           <p:cNvPr id="12" name="Straight Connector 11">
             <a:extLst>
               <a:ext uri="{FF2B5EF4-FFF2-40B4-BE49-F238E27FC236}">
-                <a16:creationId xmlns="" xmlns:a16="http://schemas.microsoft.com/office/drawing/2014/main" id="{624D17C8-E9C2-48A4-AA36-D7048A6CCC41}"/>
+                <a16:creationId xmlns:a16="http://schemas.microsoft.com/office/drawing/2014/main" xmlns="" id="{624D17C8-E9C2-48A4-AA36-D7048A6CCC41}"/>
               </a:ext>
               <a:ext uri="{C183D7F6-B498-43B3-948B-1728B52AA6E4}">
-                <adec:decorative xmlns="" xmlns:adec="http://schemas.microsoft.com/office/drawing/2017/decorative" val="1"/>
+                <adec:decorative xmlns:adec="http://schemas.microsoft.com/office/drawing/2017/decorative" xmlns="" val="1"/>
               </a:ext>
             </a:extLst>
           </p:cNvPr>
@@ -3631,6 +3632,13 @@
   <p:clrMapOvr>
     <a:masterClrMapping/>
   </p:clrMapOvr>
+  <p:timing>
+    <p:tnLst>
+      <p:par>
+        <p:cTn id="1" dur="indefinite" restart="never" nodeType="tmRoot"/>
+      </p:par>
+    </p:tnLst>
+  </p:timing>
 </p:sld>
 </file>
 
@@ -4007,6 +4015,13 @@
   <p:clrMapOvr>
     <a:masterClrMapping/>
   </p:clrMapOvr>
+  <p:timing>
+    <p:tnLst>
+      <p:par>
+        <p:cTn id="1" dur="indefinite" restart="never" nodeType="tmRoot"/>
+      </p:par>
+    </p:tnLst>
+  </p:timing>
 </p:sld>
 </file>
 
@@ -4977,6 +4992,13 @@
   <p:clrMapOvr>
     <a:masterClrMapping/>
   </p:clrMapOvr>
+  <p:timing>
+    <p:tnLst>
+      <p:par>
+        <p:cTn id="1" dur="indefinite" restart="never" nodeType="tmRoot"/>
+      </p:par>
+    </p:tnLst>
+  </p:timing>
 </p:sld>
 </file>
 
@@ -5092,6 +5114,13 @@
   <p:clrMapOvr>
     <a:masterClrMapping/>
   </p:clrMapOvr>
+  <p:timing>
+    <p:tnLst>
+      <p:par>
+        <p:cTn id="1" dur="indefinite" restart="never" nodeType="tmRoot"/>
+      </p:par>
+    </p:tnLst>
+  </p:timing>
 </p:sld>
 </file>
 
@@ -5850,6 +5879,13 @@
   <p:clrMapOvr>
     <a:masterClrMapping/>
   </p:clrMapOvr>
+  <p:timing>
+    <p:tnLst>
+      <p:par>
+        <p:cTn id="1" dur="indefinite" restart="never" nodeType="tmRoot"/>
+      </p:par>
+    </p:tnLst>
+  </p:timing>
 </p:sld>
 </file>
 
@@ -5878,8 +5914,8 @@
         </p:nvSpPr>
         <p:spPr>
           <a:xfrm>
-            <a:off x="1180289" y="1354461"/>
-            <a:ext cx="10142706" cy="4524315"/>
+            <a:off x="314326" y="1354461"/>
+            <a:ext cx="11415712" cy="4247317"/>
           </a:xfrm>
           <a:prstGeom prst="rect">
             <a:avLst/>
@@ -6506,7 +6542,7 @@
               <a:t>authz:open</a:t>
             </a:r>
             <a:r>
-              <a:rPr lang="en-US" dirty="0">
+              <a:rPr lang="en-US" dirty="0" smtClean="0">
                 <a:solidFill>
                   <a:srgbClr val="B42419"/>
                 </a:solidFill>
@@ -6517,7 +6553,7 @@
               <a:t>' %}"</a:t>
             </a:r>
             <a:r>
-              <a:rPr lang="en-US" dirty="0">
+              <a:rPr lang="en-US" dirty="0" smtClean="0">
                 <a:solidFill>
                   <a:srgbClr val="2EAEBB"/>
                 </a:solidFill>
@@ -7111,6 +7147,13 @@
   <p:clrMapOvr>
     <a:masterClrMapping/>
   </p:clrMapOvr>
+  <p:timing>
+    <p:tnLst>
+      <p:par>
+        <p:cTn id="1" dur="indefinite" restart="never" nodeType="tmRoot"/>
+      </p:par>
+    </p:tnLst>
+  </p:timing>
 </p:sld>
 </file>
 
@@ -9312,6 +9355,13 @@
   <p:clrMapOvr>
     <a:masterClrMapping/>
   </p:clrMapOvr>
+  <p:timing>
+    <p:tnLst>
+      <p:par>
+        <p:cTn id="1" dur="indefinite" restart="never" nodeType="tmRoot"/>
+      </p:par>
+    </p:tnLst>
+  </p:timing>
 </p:sld>
 </file>
 
@@ -10215,6 +10265,13 @@
   <p:clrMapOvr>
     <a:masterClrMapping/>
   </p:clrMapOvr>
+  <p:timing>
+    <p:tnLst>
+      <p:par>
+        <p:cTn id="1" dur="indefinite" restart="never" nodeType="tmRoot"/>
+      </p:par>
+    </p:tnLst>
+  </p:timing>
 </p:sld>
 </file>
 
@@ -11121,6 +11178,13 @@
   <p:clrMapOvr>
     <a:masterClrMapping/>
   </p:clrMapOvr>
+  <p:timing>
+    <p:tnLst>
+      <p:par>
+        <p:cTn id="1" dur="indefinite" restart="never" nodeType="tmRoot"/>
+      </p:par>
+    </p:tnLst>
+  </p:timing>
 </p:sld>
 </file>
 
@@ -11193,6 +11257,13 @@
   <p:clrMapOvr>
     <a:masterClrMapping/>
   </p:clrMapOvr>
+  <p:timing>
+    <p:tnLst>
+      <p:par>
+        <p:cTn id="1" dur="indefinite" restart="never" nodeType="tmRoot"/>
+      </p:par>
+    </p:tnLst>
+  </p:timing>
 </p:sld>
 </file>
 
@@ -11441,6 +11512,13 @@
   <p:clrMapOvr>
     <a:masterClrMapping/>
   </p:clrMapOvr>
+  <p:timing>
+    <p:tnLst>
+      <p:par>
+        <p:cTn id="1" dur="indefinite" restart="never" nodeType="tmRoot"/>
+      </p:par>
+    </p:tnLst>
+  </p:timing>
 </p:sld>
 </file>
 
@@ -13222,6 +13300,13 @@
   <p:clrMapOvr>
     <a:masterClrMapping/>
   </p:clrMapOvr>
+  <p:timing>
+    <p:tnLst>
+      <p:par>
+        <p:cTn id="1" dur="indefinite" restart="never" nodeType="tmRoot"/>
+      </p:par>
+    </p:tnLst>
+  </p:timing>
 </p:sld>
 </file>
 
@@ -14339,6 +14424,13 @@
   <p:clrMapOvr>
     <a:masterClrMapping/>
   </p:clrMapOvr>
+  <p:timing>
+    <p:tnLst>
+      <p:par>
+        <p:cTn id="1" dur="indefinite" restart="never" nodeType="tmRoot"/>
+      </p:par>
+    </p:tnLst>
+  </p:timing>
 </p:sld>
 </file>
 
@@ -16474,6 +16566,13 @@
   <p:clrMapOvr>
     <a:masterClrMapping/>
   </p:clrMapOvr>
+  <p:timing>
+    <p:tnLst>
+      <p:par>
+        <p:cTn id="1" dur="indefinite" restart="never" nodeType="tmRoot"/>
+      </p:par>
+    </p:tnLst>
+  </p:timing>
 </p:sld>
 </file>
 
@@ -16661,6 +16760,13 @@
   <p:clrMapOvr>
     <a:masterClrMapping/>
   </p:clrMapOvr>
+  <p:timing>
+    <p:tnLst>
+      <p:par>
+        <p:cTn id="1" dur="indefinite" restart="never" nodeType="tmRoot"/>
+      </p:par>
+    </p:tnLst>
+  </p:timing>
 </p:sld>
 </file>
 
@@ -17751,10 +17857,1285 @@
   <p:clrMapOvr>
     <a:masterClrMapping/>
   </p:clrMapOvr>
+  <p:timing>
+    <p:tnLst>
+      <p:par>
+        <p:cTn id="1" dur="indefinite" restart="never" nodeType="tmRoot"/>
+      </p:par>
+    </p:tnLst>
+  </p:timing>
 </p:sld>
 </file>
 
 <file path=ppt/slides/slide25.xml><?xml version="1.0" encoding="utf-8"?>
+<p:sld xmlns:a="http://schemas.openxmlformats.org/drawingml/2006/main" xmlns:r="http://schemas.openxmlformats.org/officeDocument/2006/relationships" xmlns:p="http://schemas.openxmlformats.org/presentationml/2006/main">
+  <p:cSld>
+    <p:spTree>
+      <p:nvGrpSpPr>
+        <p:cNvPr id="1" name=""/>
+        <p:cNvGrpSpPr/>
+        <p:nvPr/>
+      </p:nvGrpSpPr>
+      <p:grpSpPr>
+        <a:xfrm>
+          <a:off x="0" y="0"/>
+          <a:ext cx="0" cy="0"/>
+          <a:chOff x="0" y="0"/>
+          <a:chExt cx="0" cy="0"/>
+        </a:xfrm>
+      </p:grpSpPr>
+      <p:sp>
+        <p:nvSpPr>
+          <p:cNvPr id="4" name="Rectangle 3"/>
+          <p:cNvSpPr/>
+          <p:nvPr/>
+        </p:nvSpPr>
+        <p:spPr>
+          <a:xfrm>
+            <a:off x="314326" y="1354461"/>
+            <a:ext cx="11415712" cy="4247317"/>
+          </a:xfrm>
+          <a:prstGeom prst="rect">
+            <a:avLst/>
+          </a:prstGeom>
+          <a:solidFill>
+            <a:schemeClr val="tx1"/>
+          </a:solidFill>
+        </p:spPr>
+        <p:txBody>
+          <a:bodyPr wrap="square">
+            <a:spAutoFit/>
+          </a:bodyPr>
+          <a:lstStyle/>
+          <a:p>
+            <a:r>
+              <a:rPr lang="en-US" dirty="0">
+                <a:solidFill>
+                  <a:srgbClr val="1396A3"/>
+                </a:solidFill>
+                <a:latin typeface="Courier" charset="0"/>
+                <a:ea typeface="Courier" charset="0"/>
+                <a:cs typeface="Courier" charset="0"/>
+              </a:rPr>
+              <a:t>&lt;</a:t>
+            </a:r>
+            <a:r>
+              <a:rPr lang="en-US" dirty="0">
+                <a:solidFill>
+                  <a:srgbClr val="C1651C"/>
+                </a:solidFill>
+                <a:latin typeface="Courier" charset="0"/>
+                <a:ea typeface="Courier" charset="0"/>
+                <a:cs typeface="Courier" charset="0"/>
+              </a:rPr>
+              <a:t>h1</a:t>
+            </a:r>
+            <a:r>
+              <a:rPr lang="en-US" dirty="0">
+                <a:solidFill>
+                  <a:srgbClr val="1396A3"/>
+                </a:solidFill>
+                <a:latin typeface="Courier" charset="0"/>
+                <a:ea typeface="Courier" charset="0"/>
+                <a:cs typeface="Courier" charset="0"/>
+              </a:rPr>
+              <a:t>&gt;</a:t>
+            </a:r>
+            <a:r>
+              <a:rPr lang="en-US" dirty="0">
+                <a:solidFill>
+                  <a:srgbClr val="C814C9"/>
+                </a:solidFill>
+                <a:latin typeface="Courier" charset="0"/>
+                <a:ea typeface="Courier" charset="0"/>
+                <a:cs typeface="Courier" charset="0"/>
+              </a:rPr>
+              <a:t>Current </a:t>
+            </a:r>
+            <a:r>
+              <a:rPr lang="en-US" dirty="0" err="1">
+                <a:solidFill>
+                  <a:srgbClr val="C814C9"/>
+                </a:solidFill>
+                <a:latin typeface="Courier" charset="0"/>
+                <a:ea typeface="Courier" charset="0"/>
+                <a:cs typeface="Courier" charset="0"/>
+              </a:rPr>
+              <a:t>request.path</a:t>
+            </a:r>
+            <a:r>
+              <a:rPr lang="en-US" dirty="0">
+                <a:solidFill>
+                  <a:srgbClr val="C814C9"/>
+                </a:solidFill>
+                <a:latin typeface="Courier" charset="0"/>
+                <a:ea typeface="Courier" charset="0"/>
+                <a:cs typeface="Courier" charset="0"/>
+              </a:rPr>
+              <a:t> {{ </a:t>
+            </a:r>
+            <a:r>
+              <a:rPr lang="en-US" dirty="0" err="1">
+                <a:solidFill>
+                  <a:srgbClr val="C814C9"/>
+                </a:solidFill>
+                <a:latin typeface="Courier" charset="0"/>
+                <a:ea typeface="Courier" charset="0"/>
+                <a:cs typeface="Courier" charset="0"/>
+              </a:rPr>
+              <a:t>request.path</a:t>
+            </a:r>
+            <a:r>
+              <a:rPr lang="en-US" dirty="0">
+                <a:solidFill>
+                  <a:srgbClr val="C814C9"/>
+                </a:solidFill>
+                <a:latin typeface="Courier" charset="0"/>
+                <a:ea typeface="Courier" charset="0"/>
+                <a:cs typeface="Courier" charset="0"/>
+              </a:rPr>
+              <a:t> }}</a:t>
+            </a:r>
+            <a:r>
+              <a:rPr lang="en-US" dirty="0">
+                <a:solidFill>
+                  <a:srgbClr val="2EAEBB"/>
+                </a:solidFill>
+                <a:latin typeface="Courier" charset="0"/>
+                <a:ea typeface="Courier" charset="0"/>
+                <a:cs typeface="Courier" charset="0"/>
+              </a:rPr>
+              <a:t>&lt;/</a:t>
+            </a:r>
+            <a:r>
+              <a:rPr lang="en-US" dirty="0">
+                <a:solidFill>
+                  <a:srgbClr val="C1651C"/>
+                </a:solidFill>
+                <a:latin typeface="Courier" charset="0"/>
+                <a:ea typeface="Courier" charset="0"/>
+                <a:cs typeface="Courier" charset="0"/>
+              </a:rPr>
+              <a:t>h1</a:t>
+            </a:r>
+            <a:r>
+              <a:rPr lang="en-US" dirty="0">
+                <a:solidFill>
+                  <a:srgbClr val="2EAEBB"/>
+                </a:solidFill>
+                <a:latin typeface="Courier" charset="0"/>
+                <a:ea typeface="Courier" charset="0"/>
+                <a:cs typeface="Courier" charset="0"/>
+              </a:rPr>
+              <a:t>&gt;</a:t>
+            </a:r>
+            <a:endParaRPr lang="en-US" dirty="0">
+              <a:solidFill>
+                <a:srgbClr val="000000"/>
+              </a:solidFill>
+              <a:latin typeface="Courier" charset="0"/>
+              <a:ea typeface="Courier" charset="0"/>
+              <a:cs typeface="Courier" charset="0"/>
+            </a:endParaRPr>
+          </a:p>
+          <a:p>
+            <a:r>
+              <a:rPr lang="en-US" dirty="0">
+                <a:solidFill>
+                  <a:srgbClr val="000000"/>
+                </a:solidFill>
+                <a:latin typeface="Courier" charset="0"/>
+                <a:ea typeface="Courier" charset="0"/>
+                <a:cs typeface="Courier" charset="0"/>
+              </a:rPr>
+              <a:t>{% if </a:t>
+            </a:r>
+            <a:r>
+              <a:rPr lang="en-US" dirty="0" err="1">
+                <a:solidFill>
+                  <a:srgbClr val="000000"/>
+                </a:solidFill>
+                <a:latin typeface="Courier" charset="0"/>
+                <a:ea typeface="Courier" charset="0"/>
+                <a:cs typeface="Courier" charset="0"/>
+              </a:rPr>
+              <a:t>user.is_authenticated</a:t>
+            </a:r>
+            <a:r>
+              <a:rPr lang="en-US" dirty="0">
+                <a:solidFill>
+                  <a:srgbClr val="000000"/>
+                </a:solidFill>
+                <a:latin typeface="Courier" charset="0"/>
+                <a:ea typeface="Courier" charset="0"/>
+                <a:cs typeface="Courier" charset="0"/>
+              </a:rPr>
+              <a:t> %}</a:t>
+            </a:r>
+          </a:p>
+          <a:p>
+            <a:r>
+              <a:rPr lang="en-US" dirty="0">
+                <a:solidFill>
+                  <a:srgbClr val="2EAEBB"/>
+                </a:solidFill>
+                <a:latin typeface="Courier" charset="0"/>
+                <a:ea typeface="Courier" charset="0"/>
+                <a:cs typeface="Courier" charset="0"/>
+              </a:rPr>
+              <a:t>&lt;</a:t>
+            </a:r>
+            <a:r>
+              <a:rPr lang="en-US" dirty="0">
+                <a:solidFill>
+                  <a:srgbClr val="C1651C"/>
+                </a:solidFill>
+                <a:latin typeface="Courier" charset="0"/>
+                <a:ea typeface="Courier" charset="0"/>
+                <a:cs typeface="Courier" charset="0"/>
+              </a:rPr>
+              <a:t>p</a:t>
+            </a:r>
+            <a:r>
+              <a:rPr lang="en-US" dirty="0">
+                <a:solidFill>
+                  <a:srgbClr val="2EAEBB"/>
+                </a:solidFill>
+                <a:latin typeface="Courier" charset="0"/>
+                <a:ea typeface="Courier" charset="0"/>
+                <a:cs typeface="Courier" charset="0"/>
+              </a:rPr>
+              <a:t>&gt;</a:t>
+            </a:r>
+            <a:r>
+              <a:rPr lang="en-US" dirty="0">
+                <a:solidFill>
+                  <a:srgbClr val="000000"/>
+                </a:solidFill>
+                <a:latin typeface="Courier" charset="0"/>
+                <a:ea typeface="Courier" charset="0"/>
+                <a:cs typeface="Courier" charset="0"/>
+              </a:rPr>
+              <a:t>Authenticated as</a:t>
+            </a:r>
+          </a:p>
+          <a:p>
+            <a:r>
+              <a:rPr lang="mr-IN" dirty="0">
+                <a:solidFill>
+                  <a:srgbClr val="2EAEBB"/>
+                </a:solidFill>
+                <a:latin typeface="Courier" charset="0"/>
+                <a:ea typeface="Courier" charset="0"/>
+                <a:cs typeface="Courier" charset="0"/>
+              </a:rPr>
+              <a:t>&lt;</a:t>
+            </a:r>
+            <a:r>
+              <a:rPr lang="mr-IN" dirty="0" err="1">
+                <a:solidFill>
+                  <a:srgbClr val="C1651C"/>
+                </a:solidFill>
+                <a:latin typeface="Courier" charset="0"/>
+                <a:ea typeface="Courier" charset="0"/>
+                <a:cs typeface="Courier" charset="0"/>
+              </a:rPr>
+              <a:t>pre</a:t>
+            </a:r>
+            <a:r>
+              <a:rPr lang="mr-IN" dirty="0">
+                <a:solidFill>
+                  <a:srgbClr val="2EAEBB"/>
+                </a:solidFill>
+                <a:latin typeface="Courier" charset="0"/>
+                <a:ea typeface="Courier" charset="0"/>
+                <a:cs typeface="Courier" charset="0"/>
+              </a:rPr>
+              <a:t>&gt;</a:t>
+            </a:r>
+            <a:endParaRPr lang="mr-IN" dirty="0">
+              <a:solidFill>
+                <a:srgbClr val="000000"/>
+              </a:solidFill>
+              <a:latin typeface="Courier" charset="0"/>
+              <a:ea typeface="Courier" charset="0"/>
+              <a:cs typeface="Courier" charset="0"/>
+            </a:endParaRPr>
+          </a:p>
+          <a:p>
+            <a:r>
+              <a:rPr lang="en-US" dirty="0">
+                <a:solidFill>
+                  <a:srgbClr val="000000"/>
+                </a:solidFill>
+                <a:latin typeface="Courier" charset="0"/>
+                <a:ea typeface="Courier" charset="0"/>
+                <a:cs typeface="Courier" charset="0"/>
+              </a:rPr>
+              <a:t>Name: {{ </a:t>
+            </a:r>
+            <a:r>
+              <a:rPr lang="en-US" dirty="0" err="1">
+                <a:solidFill>
+                  <a:srgbClr val="000000"/>
+                </a:solidFill>
+                <a:latin typeface="Courier" charset="0"/>
+                <a:ea typeface="Courier" charset="0"/>
+                <a:cs typeface="Courier" charset="0"/>
+              </a:rPr>
+              <a:t>user.get_full_name</a:t>
+            </a:r>
+            <a:r>
+              <a:rPr lang="en-US" dirty="0">
+                <a:solidFill>
+                  <a:srgbClr val="000000"/>
+                </a:solidFill>
+                <a:latin typeface="Courier" charset="0"/>
+                <a:ea typeface="Courier" charset="0"/>
+                <a:cs typeface="Courier" charset="0"/>
+              </a:rPr>
+              <a:t> }}</a:t>
+            </a:r>
+          </a:p>
+          <a:p>
+            <a:r>
+              <a:rPr lang="en-US" dirty="0">
+                <a:solidFill>
+                  <a:srgbClr val="000000"/>
+                </a:solidFill>
+                <a:latin typeface="Courier" charset="0"/>
+                <a:ea typeface="Courier" charset="0"/>
+                <a:cs typeface="Courier" charset="0"/>
+              </a:rPr>
+              <a:t>Email: {{ </a:t>
+            </a:r>
+            <a:r>
+              <a:rPr lang="en-US" dirty="0" err="1">
+                <a:solidFill>
+                  <a:srgbClr val="000000"/>
+                </a:solidFill>
+                <a:latin typeface="Courier" charset="0"/>
+                <a:ea typeface="Courier" charset="0"/>
+                <a:cs typeface="Courier" charset="0"/>
+              </a:rPr>
+              <a:t>user.email</a:t>
+            </a:r>
+            <a:r>
+              <a:rPr lang="en-US" dirty="0">
+                <a:solidFill>
+                  <a:srgbClr val="000000"/>
+                </a:solidFill>
+                <a:latin typeface="Courier" charset="0"/>
+                <a:ea typeface="Courier" charset="0"/>
+                <a:cs typeface="Courier" charset="0"/>
+              </a:rPr>
+              <a:t> }}</a:t>
+            </a:r>
+          </a:p>
+          <a:p>
+            <a:r>
+              <a:rPr lang="nb-NO" dirty="0">
+                <a:solidFill>
+                  <a:srgbClr val="000000"/>
+                </a:solidFill>
+                <a:latin typeface="Courier" charset="0"/>
+                <a:ea typeface="Courier" charset="0"/>
+                <a:cs typeface="Courier" charset="0"/>
+              </a:rPr>
+              <a:t>Id: {{ </a:t>
+            </a:r>
+            <a:r>
+              <a:rPr lang="nb-NO" dirty="0" err="1">
+                <a:solidFill>
+                  <a:srgbClr val="000000"/>
+                </a:solidFill>
+                <a:latin typeface="Courier" charset="0"/>
+                <a:ea typeface="Courier" charset="0"/>
+                <a:cs typeface="Courier" charset="0"/>
+              </a:rPr>
+              <a:t>user.id</a:t>
+            </a:r>
+            <a:r>
+              <a:rPr lang="nb-NO" dirty="0">
+                <a:solidFill>
+                  <a:srgbClr val="000000"/>
+                </a:solidFill>
+                <a:latin typeface="Courier" charset="0"/>
+                <a:ea typeface="Courier" charset="0"/>
+                <a:cs typeface="Courier" charset="0"/>
+              </a:rPr>
+              <a:t> }}</a:t>
+            </a:r>
+          </a:p>
+          <a:p>
+            <a:r>
+              <a:rPr lang="mr-IN" dirty="0">
+                <a:solidFill>
+                  <a:srgbClr val="2EAEBB"/>
+                </a:solidFill>
+                <a:latin typeface="Courier" charset="0"/>
+                <a:ea typeface="Courier" charset="0"/>
+                <a:cs typeface="Courier" charset="0"/>
+              </a:rPr>
+              <a:t>&lt;/</a:t>
+            </a:r>
+            <a:r>
+              <a:rPr lang="mr-IN" dirty="0" err="1">
+                <a:solidFill>
+                  <a:srgbClr val="C1651C"/>
+                </a:solidFill>
+                <a:latin typeface="Courier" charset="0"/>
+                <a:ea typeface="Courier" charset="0"/>
+                <a:cs typeface="Courier" charset="0"/>
+              </a:rPr>
+              <a:t>pre</a:t>
+            </a:r>
+            <a:r>
+              <a:rPr lang="mr-IN" dirty="0">
+                <a:solidFill>
+                  <a:srgbClr val="2EAEBB"/>
+                </a:solidFill>
+                <a:latin typeface="Courier" charset="0"/>
+                <a:ea typeface="Courier" charset="0"/>
+                <a:cs typeface="Courier" charset="0"/>
+              </a:rPr>
+              <a:t>&gt;</a:t>
+            </a:r>
+            <a:endParaRPr lang="mr-IN" dirty="0">
+              <a:solidFill>
+                <a:srgbClr val="000000"/>
+              </a:solidFill>
+              <a:latin typeface="Courier" charset="0"/>
+              <a:ea typeface="Courier" charset="0"/>
+              <a:cs typeface="Courier" charset="0"/>
+            </a:endParaRPr>
+          </a:p>
+          <a:p>
+            <a:r>
+              <a:rPr lang="mr-IN" dirty="0">
+                <a:solidFill>
+                  <a:srgbClr val="2EAEBB"/>
+                </a:solidFill>
+                <a:latin typeface="Courier" charset="0"/>
+                <a:ea typeface="Courier" charset="0"/>
+                <a:cs typeface="Courier" charset="0"/>
+              </a:rPr>
+              <a:t>&lt;/</a:t>
+            </a:r>
+            <a:r>
+              <a:rPr lang="mr-IN" dirty="0" err="1">
+                <a:solidFill>
+                  <a:srgbClr val="C1651C"/>
+                </a:solidFill>
+                <a:latin typeface="Courier" charset="0"/>
+                <a:ea typeface="Courier" charset="0"/>
+                <a:cs typeface="Courier" charset="0"/>
+              </a:rPr>
+              <a:t>p</a:t>
+            </a:r>
+            <a:r>
+              <a:rPr lang="mr-IN" dirty="0">
+                <a:solidFill>
+                  <a:srgbClr val="2EAEBB"/>
+                </a:solidFill>
+                <a:latin typeface="Courier" charset="0"/>
+                <a:ea typeface="Courier" charset="0"/>
+                <a:cs typeface="Courier" charset="0"/>
+              </a:rPr>
+              <a:t>&gt;</a:t>
+            </a:r>
+            <a:endParaRPr lang="mr-IN" dirty="0">
+              <a:solidFill>
+                <a:srgbClr val="000000"/>
+              </a:solidFill>
+              <a:latin typeface="Courier" charset="0"/>
+              <a:ea typeface="Courier" charset="0"/>
+              <a:cs typeface="Courier" charset="0"/>
+            </a:endParaRPr>
+          </a:p>
+          <a:p>
+            <a:r>
+              <a:rPr lang="en-US" dirty="0">
+                <a:solidFill>
+                  <a:srgbClr val="2EAEBB"/>
+                </a:solidFill>
+                <a:latin typeface="Courier" charset="0"/>
+                <a:ea typeface="Courier" charset="0"/>
+                <a:cs typeface="Courier" charset="0"/>
+              </a:rPr>
+              <a:t>&lt;</a:t>
+            </a:r>
+            <a:r>
+              <a:rPr lang="en-US" dirty="0">
+                <a:solidFill>
+                  <a:srgbClr val="C1651C"/>
+                </a:solidFill>
+                <a:latin typeface="Courier" charset="0"/>
+                <a:ea typeface="Courier" charset="0"/>
+                <a:cs typeface="Courier" charset="0"/>
+              </a:rPr>
+              <a:t>p</a:t>
+            </a:r>
+            <a:r>
+              <a:rPr lang="en-US" dirty="0">
+                <a:solidFill>
+                  <a:srgbClr val="2EAEBB"/>
+                </a:solidFill>
+                <a:latin typeface="Courier" charset="0"/>
+                <a:ea typeface="Courier" charset="0"/>
+                <a:cs typeface="Courier" charset="0"/>
+              </a:rPr>
+              <a:t>&gt;</a:t>
+            </a:r>
+            <a:r>
+              <a:rPr lang="en-US" dirty="0">
+                <a:solidFill>
+                  <a:srgbClr val="000000"/>
+                </a:solidFill>
+                <a:latin typeface="Courier" charset="0"/>
+                <a:ea typeface="Courier" charset="0"/>
+                <a:cs typeface="Courier" charset="0"/>
+              </a:rPr>
+              <a:t>You can </a:t>
+            </a:r>
+            <a:r>
+              <a:rPr lang="en-US" dirty="0">
+                <a:solidFill>
+                  <a:srgbClr val="2EAEBB"/>
+                </a:solidFill>
+                <a:latin typeface="Courier" charset="0"/>
+                <a:ea typeface="Courier" charset="0"/>
+                <a:cs typeface="Courier" charset="0"/>
+              </a:rPr>
+              <a:t>&lt;</a:t>
+            </a:r>
+            <a:r>
+              <a:rPr lang="en-US" dirty="0">
+                <a:solidFill>
+                  <a:srgbClr val="C1651C"/>
+                </a:solidFill>
+                <a:latin typeface="Courier" charset="0"/>
+                <a:ea typeface="Courier" charset="0"/>
+                <a:cs typeface="Courier" charset="0"/>
+              </a:rPr>
+              <a:t>a</a:t>
+            </a:r>
+            <a:r>
+              <a:rPr lang="en-US" dirty="0">
+                <a:solidFill>
+                  <a:srgbClr val="2EAEBB"/>
+                </a:solidFill>
+                <a:latin typeface="Courier" charset="0"/>
+                <a:ea typeface="Courier" charset="0"/>
+                <a:cs typeface="Courier" charset="0"/>
+              </a:rPr>
+              <a:t> </a:t>
+            </a:r>
+            <a:r>
+              <a:rPr lang="en-US" dirty="0" err="1">
+                <a:solidFill>
+                  <a:srgbClr val="2FB41D"/>
+                </a:solidFill>
+                <a:latin typeface="Courier" charset="0"/>
+                <a:ea typeface="Courier" charset="0"/>
+                <a:cs typeface="Courier" charset="0"/>
+              </a:rPr>
+              <a:t>href</a:t>
+            </a:r>
+            <a:r>
+              <a:rPr lang="en-US" dirty="0">
+                <a:solidFill>
+                  <a:srgbClr val="2EAEBB"/>
+                </a:solidFill>
+                <a:latin typeface="Courier" charset="0"/>
+                <a:ea typeface="Courier" charset="0"/>
+                <a:cs typeface="Courier" charset="0"/>
+              </a:rPr>
+              <a:t>=</a:t>
+            </a:r>
+            <a:r>
+              <a:rPr lang="en-US" dirty="0">
+                <a:solidFill>
+                  <a:srgbClr val="B42419"/>
+                </a:solidFill>
+                <a:latin typeface="Courier" charset="0"/>
+                <a:ea typeface="Courier" charset="0"/>
+                <a:cs typeface="Courier" charset="0"/>
+              </a:rPr>
+              <a:t>"{% </a:t>
+            </a:r>
+            <a:r>
+              <a:rPr lang="en-US" dirty="0" err="1">
+                <a:solidFill>
+                  <a:srgbClr val="B42419"/>
+                </a:solidFill>
+                <a:latin typeface="Courier" charset="0"/>
+                <a:ea typeface="Courier" charset="0"/>
+                <a:cs typeface="Courier" charset="0"/>
+              </a:rPr>
+              <a:t>url</a:t>
+            </a:r>
+            <a:r>
+              <a:rPr lang="en-US" dirty="0">
+                <a:solidFill>
+                  <a:srgbClr val="B42419"/>
+                </a:solidFill>
+                <a:latin typeface="Courier" charset="0"/>
+                <a:ea typeface="Courier" charset="0"/>
+                <a:cs typeface="Courier" charset="0"/>
+              </a:rPr>
+              <a:t> 'logout' %}?next={% </a:t>
+            </a:r>
+            <a:r>
+              <a:rPr lang="en-US" dirty="0" err="1">
+                <a:solidFill>
+                  <a:srgbClr val="B42419"/>
+                </a:solidFill>
+                <a:latin typeface="Courier" charset="0"/>
+                <a:ea typeface="Courier" charset="0"/>
+                <a:cs typeface="Courier" charset="0"/>
+              </a:rPr>
+              <a:t>url</a:t>
+            </a:r>
+            <a:r>
+              <a:rPr lang="en-US" dirty="0">
+                <a:solidFill>
+                  <a:srgbClr val="B42419"/>
+                </a:solidFill>
+                <a:latin typeface="Courier" charset="0"/>
+                <a:ea typeface="Courier" charset="0"/>
+                <a:cs typeface="Courier" charset="0"/>
+              </a:rPr>
+              <a:t> '</a:t>
+            </a:r>
+            <a:r>
+              <a:rPr lang="en-US" dirty="0" err="1">
+                <a:solidFill>
+                  <a:srgbClr val="B42419"/>
+                </a:solidFill>
+                <a:latin typeface="Courier" charset="0"/>
+                <a:ea typeface="Courier" charset="0"/>
+                <a:cs typeface="Courier" charset="0"/>
+              </a:rPr>
+              <a:t>authz:open</a:t>
+            </a:r>
+            <a:r>
+              <a:rPr lang="en-US" dirty="0" smtClean="0">
+                <a:solidFill>
+                  <a:srgbClr val="B42419"/>
+                </a:solidFill>
+                <a:latin typeface="Courier" charset="0"/>
+                <a:ea typeface="Courier" charset="0"/>
+                <a:cs typeface="Courier" charset="0"/>
+              </a:rPr>
+              <a:t>' %}"</a:t>
+            </a:r>
+            <a:r>
+              <a:rPr lang="en-US" dirty="0" smtClean="0">
+                <a:solidFill>
+                  <a:srgbClr val="2EAEBB"/>
+                </a:solidFill>
+                <a:latin typeface="Courier" charset="0"/>
+                <a:ea typeface="Courier" charset="0"/>
+                <a:cs typeface="Courier" charset="0"/>
+              </a:rPr>
+              <a:t>&gt;</a:t>
+            </a:r>
+            <a:r>
+              <a:rPr lang="en-US" dirty="0">
+                <a:solidFill>
+                  <a:srgbClr val="C814C9"/>
+                </a:solidFill>
+                <a:latin typeface="Courier" charset="0"/>
+                <a:ea typeface="Courier" charset="0"/>
+                <a:cs typeface="Courier" charset="0"/>
+              </a:rPr>
+              <a:t>Logout</a:t>
+            </a:r>
+            <a:r>
+              <a:rPr lang="en-US" dirty="0">
+                <a:solidFill>
+                  <a:srgbClr val="2EAEBB"/>
+                </a:solidFill>
+                <a:latin typeface="Courier" charset="0"/>
+                <a:ea typeface="Courier" charset="0"/>
+                <a:cs typeface="Courier" charset="0"/>
+              </a:rPr>
+              <a:t>&lt;/</a:t>
+            </a:r>
+            <a:r>
+              <a:rPr lang="en-US" dirty="0">
+                <a:solidFill>
+                  <a:srgbClr val="C1651C"/>
+                </a:solidFill>
+                <a:latin typeface="Courier" charset="0"/>
+                <a:ea typeface="Courier" charset="0"/>
+                <a:cs typeface="Courier" charset="0"/>
+              </a:rPr>
+              <a:t>a</a:t>
+            </a:r>
+            <a:r>
+              <a:rPr lang="en-US" dirty="0">
+                <a:solidFill>
+                  <a:srgbClr val="2EAEBB"/>
+                </a:solidFill>
+                <a:latin typeface="Courier" charset="0"/>
+                <a:ea typeface="Courier" charset="0"/>
+                <a:cs typeface="Courier" charset="0"/>
+              </a:rPr>
+              <a:t>&gt;&lt;/</a:t>
+            </a:r>
+            <a:r>
+              <a:rPr lang="en-US" dirty="0">
+                <a:solidFill>
+                  <a:srgbClr val="C1651C"/>
+                </a:solidFill>
+                <a:latin typeface="Courier" charset="0"/>
+                <a:ea typeface="Courier" charset="0"/>
+                <a:cs typeface="Courier" charset="0"/>
+              </a:rPr>
+              <a:t>p</a:t>
+            </a:r>
+            <a:r>
+              <a:rPr lang="en-US" dirty="0">
+                <a:solidFill>
+                  <a:srgbClr val="2EAEBB"/>
+                </a:solidFill>
+                <a:latin typeface="Courier" charset="0"/>
+                <a:ea typeface="Courier" charset="0"/>
+                <a:cs typeface="Courier" charset="0"/>
+              </a:rPr>
+              <a:t>&gt;</a:t>
+            </a:r>
+            <a:endParaRPr lang="en-US" dirty="0">
+              <a:solidFill>
+                <a:srgbClr val="000000"/>
+              </a:solidFill>
+              <a:latin typeface="Courier" charset="0"/>
+              <a:ea typeface="Courier" charset="0"/>
+              <a:cs typeface="Courier" charset="0"/>
+            </a:endParaRPr>
+          </a:p>
+          <a:p>
+            <a:r>
+              <a:rPr lang="en-US" dirty="0">
+                <a:solidFill>
+                  <a:srgbClr val="000000"/>
+                </a:solidFill>
+                <a:latin typeface="Courier" charset="0"/>
+                <a:ea typeface="Courier" charset="0"/>
+                <a:cs typeface="Courier" charset="0"/>
+              </a:rPr>
+              <a:t>{% else %}</a:t>
+            </a:r>
+          </a:p>
+          <a:p>
+            <a:r>
+              <a:rPr lang="en-US" dirty="0">
+                <a:solidFill>
+                  <a:srgbClr val="2EAEBB"/>
+                </a:solidFill>
+                <a:latin typeface="Courier" charset="0"/>
+                <a:ea typeface="Courier" charset="0"/>
+                <a:cs typeface="Courier" charset="0"/>
+              </a:rPr>
+              <a:t>&lt;</a:t>
+            </a:r>
+            <a:r>
+              <a:rPr lang="en-US" dirty="0">
+                <a:solidFill>
+                  <a:srgbClr val="C1651C"/>
+                </a:solidFill>
+                <a:latin typeface="Courier" charset="0"/>
+                <a:ea typeface="Courier" charset="0"/>
+                <a:cs typeface="Courier" charset="0"/>
+              </a:rPr>
+              <a:t>p</a:t>
+            </a:r>
+            <a:r>
+              <a:rPr lang="en-US" dirty="0">
+                <a:solidFill>
+                  <a:srgbClr val="2EAEBB"/>
+                </a:solidFill>
+                <a:latin typeface="Courier" charset="0"/>
+                <a:ea typeface="Courier" charset="0"/>
+                <a:cs typeface="Courier" charset="0"/>
+              </a:rPr>
+              <a:t>&gt;</a:t>
+            </a:r>
+            <a:r>
+              <a:rPr lang="en-US" dirty="0">
+                <a:solidFill>
+                  <a:srgbClr val="000000"/>
+                </a:solidFill>
+                <a:latin typeface="Courier" charset="0"/>
+                <a:ea typeface="Courier" charset="0"/>
+                <a:cs typeface="Courier" charset="0"/>
+              </a:rPr>
+              <a:t>You are not logged in</a:t>
+            </a:r>
+            <a:r>
+              <a:rPr lang="en-US" dirty="0">
+                <a:solidFill>
+                  <a:srgbClr val="2EAEBB"/>
+                </a:solidFill>
+                <a:latin typeface="Courier" charset="0"/>
+                <a:ea typeface="Courier" charset="0"/>
+                <a:cs typeface="Courier" charset="0"/>
+              </a:rPr>
+              <a:t>&lt;/</a:t>
+            </a:r>
+            <a:r>
+              <a:rPr lang="en-US" dirty="0">
+                <a:solidFill>
+                  <a:srgbClr val="C1651C"/>
+                </a:solidFill>
+                <a:latin typeface="Courier" charset="0"/>
+                <a:ea typeface="Courier" charset="0"/>
+                <a:cs typeface="Courier" charset="0"/>
+              </a:rPr>
+              <a:t>p</a:t>
+            </a:r>
+            <a:r>
+              <a:rPr lang="en-US" dirty="0">
+                <a:solidFill>
+                  <a:srgbClr val="2EAEBB"/>
+                </a:solidFill>
+                <a:latin typeface="Courier" charset="0"/>
+                <a:ea typeface="Courier" charset="0"/>
+                <a:cs typeface="Courier" charset="0"/>
+              </a:rPr>
+              <a:t>&gt;</a:t>
+            </a:r>
+            <a:endParaRPr lang="en-US" dirty="0">
+              <a:solidFill>
+                <a:srgbClr val="000000"/>
+              </a:solidFill>
+              <a:latin typeface="Courier" charset="0"/>
+              <a:ea typeface="Courier" charset="0"/>
+              <a:cs typeface="Courier" charset="0"/>
+            </a:endParaRPr>
+          </a:p>
+          <a:p>
+            <a:r>
+              <a:rPr lang="en-US" dirty="0">
+                <a:solidFill>
+                  <a:srgbClr val="2EAEBB"/>
+                </a:solidFill>
+                <a:latin typeface="Courier" charset="0"/>
+                <a:ea typeface="Courier" charset="0"/>
+                <a:cs typeface="Courier" charset="0"/>
+              </a:rPr>
+              <a:t>&lt;</a:t>
+            </a:r>
+            <a:r>
+              <a:rPr lang="en-US" dirty="0">
+                <a:solidFill>
+                  <a:srgbClr val="C1651C"/>
+                </a:solidFill>
+                <a:latin typeface="Courier" charset="0"/>
+                <a:ea typeface="Courier" charset="0"/>
+                <a:cs typeface="Courier" charset="0"/>
+              </a:rPr>
+              <a:t>p</a:t>
+            </a:r>
+            <a:r>
+              <a:rPr lang="en-US" dirty="0">
+                <a:solidFill>
+                  <a:srgbClr val="2EAEBB"/>
+                </a:solidFill>
+                <a:latin typeface="Courier" charset="0"/>
+                <a:ea typeface="Courier" charset="0"/>
+                <a:cs typeface="Courier" charset="0"/>
+              </a:rPr>
+              <a:t>&gt;</a:t>
+            </a:r>
+            <a:r>
+              <a:rPr lang="en-US" dirty="0">
+                <a:solidFill>
+                  <a:srgbClr val="000000"/>
+                </a:solidFill>
+                <a:latin typeface="Courier" charset="0"/>
+                <a:ea typeface="Courier" charset="0"/>
+                <a:cs typeface="Courier" charset="0"/>
+              </a:rPr>
+              <a:t>You can </a:t>
+            </a:r>
+            <a:r>
+              <a:rPr lang="en-US" dirty="0">
+                <a:solidFill>
+                  <a:srgbClr val="2EAEBB"/>
+                </a:solidFill>
+                <a:latin typeface="Courier" charset="0"/>
+                <a:ea typeface="Courier" charset="0"/>
+                <a:cs typeface="Courier" charset="0"/>
+              </a:rPr>
+              <a:t>&lt;</a:t>
+            </a:r>
+            <a:r>
+              <a:rPr lang="en-US" dirty="0">
+                <a:solidFill>
+                  <a:srgbClr val="C1651C"/>
+                </a:solidFill>
+                <a:latin typeface="Courier" charset="0"/>
+                <a:ea typeface="Courier" charset="0"/>
+                <a:cs typeface="Courier" charset="0"/>
+              </a:rPr>
+              <a:t>a</a:t>
+            </a:r>
+            <a:r>
+              <a:rPr lang="en-US" dirty="0">
+                <a:solidFill>
+                  <a:srgbClr val="2EAEBB"/>
+                </a:solidFill>
+                <a:latin typeface="Courier" charset="0"/>
+                <a:ea typeface="Courier" charset="0"/>
+                <a:cs typeface="Courier" charset="0"/>
+              </a:rPr>
+              <a:t> </a:t>
+            </a:r>
+            <a:r>
+              <a:rPr lang="en-US" dirty="0" err="1">
+                <a:solidFill>
+                  <a:srgbClr val="2FB41D"/>
+                </a:solidFill>
+                <a:latin typeface="Courier" charset="0"/>
+                <a:ea typeface="Courier" charset="0"/>
+                <a:cs typeface="Courier" charset="0"/>
+              </a:rPr>
+              <a:t>href</a:t>
+            </a:r>
+            <a:r>
+              <a:rPr lang="en-US" dirty="0">
+                <a:solidFill>
+                  <a:srgbClr val="2EAEBB"/>
+                </a:solidFill>
+                <a:latin typeface="Courier" charset="0"/>
+                <a:ea typeface="Courier" charset="0"/>
+                <a:cs typeface="Courier" charset="0"/>
+              </a:rPr>
+              <a:t>=</a:t>
+            </a:r>
+            <a:r>
+              <a:rPr lang="en-US" dirty="0">
+                <a:solidFill>
+                  <a:srgbClr val="B42419"/>
+                </a:solidFill>
+                <a:latin typeface="Courier" charset="0"/>
+                <a:ea typeface="Courier" charset="0"/>
+                <a:cs typeface="Courier" charset="0"/>
+              </a:rPr>
+              <a:t>"{% </a:t>
+            </a:r>
+            <a:r>
+              <a:rPr lang="en-US" dirty="0" err="1">
+                <a:solidFill>
+                  <a:srgbClr val="B42419"/>
+                </a:solidFill>
+                <a:latin typeface="Courier" charset="0"/>
+                <a:ea typeface="Courier" charset="0"/>
+                <a:cs typeface="Courier" charset="0"/>
+              </a:rPr>
+              <a:t>url</a:t>
+            </a:r>
+            <a:r>
+              <a:rPr lang="en-US" dirty="0">
+                <a:solidFill>
+                  <a:srgbClr val="B42419"/>
+                </a:solidFill>
+                <a:latin typeface="Courier" charset="0"/>
+                <a:ea typeface="Courier" charset="0"/>
+                <a:cs typeface="Courier" charset="0"/>
+              </a:rPr>
+              <a:t> 'login' %}?next={{ </a:t>
+            </a:r>
+            <a:r>
+              <a:rPr lang="en-US" dirty="0" err="1">
+                <a:solidFill>
+                  <a:srgbClr val="B42419"/>
+                </a:solidFill>
+                <a:latin typeface="Courier" charset="0"/>
+                <a:ea typeface="Courier" charset="0"/>
+                <a:cs typeface="Courier" charset="0"/>
+              </a:rPr>
+              <a:t>request.path</a:t>
+            </a:r>
+            <a:r>
+              <a:rPr lang="en-US" dirty="0">
+                <a:solidFill>
+                  <a:srgbClr val="B42419"/>
+                </a:solidFill>
+                <a:latin typeface="Courier" charset="0"/>
+                <a:ea typeface="Courier" charset="0"/>
+                <a:cs typeface="Courier" charset="0"/>
+              </a:rPr>
+              <a:t> }}"</a:t>
+            </a:r>
+            <a:r>
+              <a:rPr lang="en-US" dirty="0">
+                <a:solidFill>
+                  <a:srgbClr val="2EAEBB"/>
+                </a:solidFill>
+                <a:latin typeface="Courier" charset="0"/>
+                <a:ea typeface="Courier" charset="0"/>
+                <a:cs typeface="Courier" charset="0"/>
+              </a:rPr>
+              <a:t>&gt;</a:t>
+            </a:r>
+            <a:r>
+              <a:rPr lang="en-US" dirty="0">
+                <a:solidFill>
+                  <a:srgbClr val="C814C9"/>
+                </a:solidFill>
+                <a:latin typeface="Courier" charset="0"/>
+                <a:ea typeface="Courier" charset="0"/>
+                <a:cs typeface="Courier" charset="0"/>
+              </a:rPr>
+              <a:t>Login</a:t>
+            </a:r>
+            <a:r>
+              <a:rPr lang="en-US" dirty="0">
+                <a:solidFill>
+                  <a:srgbClr val="2EAEBB"/>
+                </a:solidFill>
+                <a:latin typeface="Courier" charset="0"/>
+                <a:ea typeface="Courier" charset="0"/>
+                <a:cs typeface="Courier" charset="0"/>
+              </a:rPr>
+              <a:t>&lt;/</a:t>
+            </a:r>
+            <a:r>
+              <a:rPr lang="en-US" dirty="0">
+                <a:solidFill>
+                  <a:srgbClr val="C1651C"/>
+                </a:solidFill>
+                <a:latin typeface="Courier" charset="0"/>
+                <a:ea typeface="Courier" charset="0"/>
+                <a:cs typeface="Courier" charset="0"/>
+              </a:rPr>
+              <a:t>a</a:t>
+            </a:r>
+            <a:r>
+              <a:rPr lang="en-US" dirty="0">
+                <a:solidFill>
+                  <a:srgbClr val="2EAEBB"/>
+                </a:solidFill>
+                <a:latin typeface="Courier" charset="0"/>
+                <a:ea typeface="Courier" charset="0"/>
+                <a:cs typeface="Courier" charset="0"/>
+              </a:rPr>
+              <a:t>&gt;</a:t>
+            </a:r>
+            <a:r>
+              <a:rPr lang="en-US" dirty="0">
+                <a:solidFill>
+                  <a:srgbClr val="000000"/>
+                </a:solidFill>
+                <a:latin typeface="Courier" charset="0"/>
+                <a:ea typeface="Courier" charset="0"/>
+                <a:cs typeface="Courier" charset="0"/>
+              </a:rPr>
+              <a:t> if you like.</a:t>
+            </a:r>
+            <a:r>
+              <a:rPr lang="en-US" dirty="0">
+                <a:solidFill>
+                  <a:srgbClr val="2EAEBB"/>
+                </a:solidFill>
+                <a:latin typeface="Courier" charset="0"/>
+                <a:ea typeface="Courier" charset="0"/>
+                <a:cs typeface="Courier" charset="0"/>
+              </a:rPr>
+              <a:t>&lt;/</a:t>
+            </a:r>
+            <a:r>
+              <a:rPr lang="en-US" dirty="0">
+                <a:solidFill>
+                  <a:srgbClr val="C1651C"/>
+                </a:solidFill>
+                <a:latin typeface="Courier" charset="0"/>
+                <a:ea typeface="Courier" charset="0"/>
+                <a:cs typeface="Courier" charset="0"/>
+              </a:rPr>
+              <a:t>p</a:t>
+            </a:r>
+            <a:r>
+              <a:rPr lang="en-US" dirty="0">
+                <a:solidFill>
+                  <a:srgbClr val="2EAEBB"/>
+                </a:solidFill>
+                <a:latin typeface="Courier" charset="0"/>
+                <a:ea typeface="Courier" charset="0"/>
+                <a:cs typeface="Courier" charset="0"/>
+              </a:rPr>
+              <a:t>&gt;</a:t>
+            </a:r>
+            <a:endParaRPr lang="en-US" dirty="0">
+              <a:solidFill>
+                <a:srgbClr val="000000"/>
+              </a:solidFill>
+              <a:latin typeface="Courier" charset="0"/>
+              <a:ea typeface="Courier" charset="0"/>
+              <a:cs typeface="Courier" charset="0"/>
+            </a:endParaRPr>
+          </a:p>
+          <a:p>
+            <a:r>
+              <a:rPr lang="mr-IN" dirty="0">
+                <a:solidFill>
+                  <a:srgbClr val="000000"/>
+                </a:solidFill>
+                <a:latin typeface="Courier" charset="0"/>
+                <a:ea typeface="Courier" charset="0"/>
+                <a:cs typeface="Courier" charset="0"/>
+              </a:rPr>
+              <a:t>{% </a:t>
+            </a:r>
+            <a:r>
+              <a:rPr lang="mr-IN" dirty="0" err="1">
+                <a:solidFill>
+                  <a:srgbClr val="000000"/>
+                </a:solidFill>
+                <a:latin typeface="Courier" charset="0"/>
+                <a:ea typeface="Courier" charset="0"/>
+                <a:cs typeface="Courier" charset="0"/>
+              </a:rPr>
+              <a:t>endif</a:t>
+            </a:r>
+            <a:r>
+              <a:rPr lang="mr-IN" dirty="0">
+                <a:solidFill>
+                  <a:srgbClr val="000000"/>
+                </a:solidFill>
+                <a:latin typeface="Courier" charset="0"/>
+                <a:ea typeface="Courier" charset="0"/>
+                <a:cs typeface="Courier" charset="0"/>
+              </a:rPr>
+              <a:t> %}</a:t>
+            </a:r>
+          </a:p>
+        </p:txBody>
+      </p:sp>
+      <p:sp>
+        <p:nvSpPr>
+          <p:cNvPr id="5" name="Rectangle 4"/>
+          <p:cNvSpPr/>
+          <p:nvPr/>
+        </p:nvSpPr>
+        <p:spPr>
+          <a:xfrm>
+            <a:off x="1161947" y="723474"/>
+            <a:ext cx="6250429" cy="369332"/>
+          </a:xfrm>
+          <a:prstGeom prst="rect">
+            <a:avLst/>
+          </a:prstGeom>
+        </p:spPr>
+        <p:txBody>
+          <a:bodyPr wrap="none">
+            <a:spAutoFit/>
+          </a:bodyPr>
+          <a:lstStyle/>
+          <a:p>
+            <a:r>
+              <a:rPr lang="en-US" dirty="0" smtClean="0">
+                <a:solidFill>
+                  <a:srgbClr val="FFFF00"/>
+                </a:solidFill>
+                <a:latin typeface="Courier" charset="0"/>
+                <a:ea typeface="Courier" charset="0"/>
+                <a:cs typeface="Courier" charset="0"/>
+              </a:rPr>
+              <a:t>dj4e-samples/</a:t>
+            </a:r>
+            <a:r>
+              <a:rPr lang="en-US" dirty="0" err="1" smtClean="0">
+                <a:solidFill>
+                  <a:srgbClr val="FFFF00"/>
+                </a:solidFill>
+                <a:latin typeface="Courier" charset="0"/>
+                <a:ea typeface="Courier" charset="0"/>
+                <a:cs typeface="Courier" charset="0"/>
+              </a:rPr>
+              <a:t>authz</a:t>
+            </a:r>
+            <a:r>
+              <a:rPr lang="en-US" dirty="0" smtClean="0">
+                <a:solidFill>
+                  <a:srgbClr val="FFFF00"/>
+                </a:solidFill>
+                <a:latin typeface="Courier" charset="0"/>
+                <a:ea typeface="Courier" charset="0"/>
+                <a:cs typeface="Courier" charset="0"/>
+              </a:rPr>
+              <a:t>/templates/</a:t>
+            </a:r>
+            <a:r>
+              <a:rPr lang="en-US" dirty="0" err="1" smtClean="0">
+                <a:solidFill>
+                  <a:srgbClr val="FFFF00"/>
+                </a:solidFill>
+                <a:latin typeface="Courier" charset="0"/>
+                <a:ea typeface="Courier" charset="0"/>
+                <a:cs typeface="Courier" charset="0"/>
+              </a:rPr>
+              <a:t>authz</a:t>
+            </a:r>
+            <a:r>
+              <a:rPr lang="en-US" dirty="0" smtClean="0">
+                <a:solidFill>
+                  <a:srgbClr val="FFFF00"/>
+                </a:solidFill>
+                <a:latin typeface="Courier" charset="0"/>
+                <a:ea typeface="Courier" charset="0"/>
+                <a:cs typeface="Courier" charset="0"/>
+              </a:rPr>
+              <a:t>/</a:t>
+            </a:r>
+            <a:r>
+              <a:rPr lang="en-US" dirty="0" err="1" smtClean="0">
+                <a:solidFill>
+                  <a:srgbClr val="FFFF00"/>
+                </a:solidFill>
+                <a:latin typeface="Courier" charset="0"/>
+                <a:ea typeface="Courier" charset="0"/>
+                <a:cs typeface="Courier" charset="0"/>
+              </a:rPr>
+              <a:t>main.html</a:t>
+            </a:r>
+            <a:endParaRPr lang="en-US" dirty="0">
+              <a:solidFill>
+                <a:srgbClr val="FFFF00"/>
+              </a:solidFill>
+              <a:effectLst/>
+              <a:latin typeface="Courier" charset="0"/>
+              <a:ea typeface="Courier" charset="0"/>
+              <a:cs typeface="Courier" charset="0"/>
+            </a:endParaRPr>
+          </a:p>
+        </p:txBody>
+      </p:sp>
+    </p:spTree>
+    <p:extLst>
+      <p:ext uri="{BB962C8B-B14F-4D97-AF65-F5344CB8AC3E}">
+        <p14:creationId xmlns:p14="http://schemas.microsoft.com/office/powerpoint/2010/main" val="1841748040"/>
+      </p:ext>
+    </p:extLst>
+  </p:cSld>
+  <p:clrMapOvr>
+    <a:masterClrMapping/>
+  </p:clrMapOvr>
+  <p:timing>
+    <p:tnLst>
+      <p:par>
+        <p:cTn id="1" dur="indefinite" restart="never" nodeType="tmRoot"/>
+      </p:par>
+    </p:tnLst>
+  </p:timing>
+</p:sld>
+</file>
+
+<file path=ppt/slides/slide26.xml><?xml version="1.0" encoding="utf-8"?>
 <p:sld xmlns:a="http://schemas.openxmlformats.org/drawingml/2006/main" xmlns:r="http://schemas.openxmlformats.org/officeDocument/2006/relationships" xmlns:p="http://schemas.openxmlformats.org/presentationml/2006/main">
   <p:cSld>
     <p:spTree>
@@ -17988,10 +19369,17 @@
   <p:clrMapOvr>
     <a:masterClrMapping/>
   </p:clrMapOvr>
+  <p:timing>
+    <p:tnLst>
+      <p:par>
+        <p:cTn id="1" dur="indefinite" restart="never" nodeType="tmRoot"/>
+      </p:par>
+    </p:tnLst>
+  </p:timing>
 </p:sld>
 </file>
 
-<file path=ppt/slides/slide26.xml><?xml version="1.0" encoding="utf-8"?>
+<file path=ppt/slides/slide27.xml><?xml version="1.0" encoding="utf-8"?>
 <p:sld xmlns:a="http://schemas.openxmlformats.org/drawingml/2006/main" xmlns:r="http://schemas.openxmlformats.org/officeDocument/2006/relationships" xmlns:p="http://schemas.openxmlformats.org/presentationml/2006/main">
   <p:cSld>
     <p:spTree>
@@ -18736,6 +20124,13 @@
   <p:clrMapOvr>
     <a:masterClrMapping/>
   </p:clrMapOvr>
+  <p:timing>
+    <p:tnLst>
+      <p:par>
+        <p:cTn id="1" dur="indefinite" restart="never" nodeType="tmRoot"/>
+      </p:par>
+    </p:tnLst>
+  </p:timing>
 </p:sld>
 </file>
 
@@ -19089,6 +20484,13 @@
   <p:clrMapOvr>
     <a:masterClrMapping/>
   </p:clrMapOvr>
+  <p:timing>
+    <p:tnLst>
+      <p:par>
+        <p:cTn id="1" dur="indefinite" restart="never" nodeType="tmRoot"/>
+      </p:par>
+    </p:tnLst>
+  </p:timing>
 </p:sld>
 </file>
 
@@ -19444,6 +20846,13 @@
   <p:clrMapOvr>
     <a:masterClrMapping/>
   </p:clrMapOvr>
+  <p:timing>
+    <p:tnLst>
+      <p:par>
+        <p:cTn id="1" dur="indefinite" restart="never" nodeType="tmRoot"/>
+      </p:par>
+    </p:tnLst>
+  </p:timing>
 </p:sld>
 </file>
 
@@ -19481,7 +20890,7 @@
           <a:p>
             <a:r>
               <a:rPr lang="en-US" dirty="0" smtClean="0"/>
-              <a:t>Restarting the database</a:t>
+              <a:t>Wiping out your database</a:t>
             </a:r>
             <a:endParaRPr lang="en-US" dirty="0"/>
           </a:p>
@@ -19831,6 +21240,13 @@
   <p:clrMapOvr>
     <a:masterClrMapping/>
   </p:clrMapOvr>
+  <p:timing>
+    <p:tnLst>
+      <p:par>
+        <p:cTn id="1" dur="indefinite" restart="never" nodeType="tmRoot"/>
+      </p:par>
+    </p:tnLst>
+  </p:timing>
 </p:sld>
 </file>
 
@@ -19896,7 +21312,19 @@
           <a:p>
             <a:r>
               <a:rPr lang="en-US" dirty="0" smtClean="0"/>
-              <a:t>Once you have a super user you can log into your application and create additional new users, associate them with groups, and give them permissions in the "/admin" user interface</a:t>
+              <a:t>Once you have a super user you can log into your application and create additional new users, associate them with groups, and give them permissions in the </a:t>
+            </a:r>
+            <a:r>
+              <a:rPr lang="en-US" dirty="0" smtClean="0">
+                <a:solidFill>
+                  <a:srgbClr val="FFFF00"/>
+                </a:solidFill>
+              </a:rPr>
+              <a:t>"/admin</a:t>
+            </a:r>
+            <a:r>
+              <a:rPr lang="en-US" dirty="0" smtClean="0"/>
+              <a:t>" user interface</a:t>
             </a:r>
           </a:p>
           <a:p>
@@ -19959,6 +21387,13 @@
   <p:clrMapOvr>
     <a:masterClrMapping/>
   </p:clrMapOvr>
+  <p:timing>
+    <p:tnLst>
+      <p:par>
+        <p:cTn id="1" dur="indefinite" restart="never" nodeType="tmRoot"/>
+      </p:par>
+    </p:tnLst>
+  </p:timing>
 </p:sld>
 </file>
 
@@ -20031,6 +21466,13 @@
   <p:clrMapOvr>
     <a:masterClrMapping/>
   </p:clrMapOvr>
+  <p:timing>
+    <p:tnLst>
+      <p:par>
+        <p:cTn id="1" dur="indefinite" restart="never" nodeType="tmRoot"/>
+      </p:par>
+    </p:tnLst>
+  </p:timing>
 </p:sld>
 </file>
 
@@ -20107,11 +21549,7 @@
             </a:r>
             <a:r>
               <a:rPr lang="en-US" smtClean="0"/>
-              <a:t>adds </a:t>
-            </a:r>
-            <a:r>
-              <a:rPr lang="en-US" smtClean="0"/>
-              <a:t>data to </a:t>
+              <a:t>adds data to </a:t>
             </a:r>
             <a:r>
               <a:rPr lang="en-US" dirty="0" smtClean="0"/>
@@ -20146,6 +21584,13 @@
   <p:clrMapOvr>
     <a:masterClrMapping/>
   </p:clrMapOvr>
+  <p:timing>
+    <p:tnLst>
+      <p:par>
+        <p:cTn id="1" dur="indefinite" restart="never" nodeType="tmRoot"/>
+      </p:par>
+    </p:tnLst>
+  </p:timing>
 </p:sld>
 </file>
 
@@ -20467,6 +21912,13 @@
   <p:clrMapOvr>
     <a:masterClrMapping/>
   </p:clrMapOvr>
+  <p:timing>
+    <p:tnLst>
+      <p:par>
+        <p:cTn id="1" dur="indefinite" restart="never" nodeType="tmRoot"/>
+      </p:par>
+    </p:tnLst>
+  </p:timing>
 </p:sld>
 </file>
 

--- a/lectures/DJ-08-Login.pptx
+++ b/lectures/DJ-08-Login.pptx
@@ -223,7 +223,7 @@
           <a:p>
             <a:fld id="{C97B56FC-7D2E-F343-9D09-0D14B00AA564}" type="datetimeFigureOut">
               <a:rPr lang="en-US" smtClean="0"/>
-              <a:t>10/1/19</a:t>
+              <a:t>10/4/19</a:t>
             </a:fld>
             <a:endParaRPr lang="en-US"/>
           </a:p>
@@ -620,7 +620,7 @@
           <a:p>
             <a:fld id="{EEE7C04C-7AF8-1445-A186-502B631B934F}" type="datetimeFigureOut">
               <a:rPr lang="en-US" smtClean="0"/>
-              <a:t>10/1/19</a:t>
+              <a:t>10/4/19</a:t>
             </a:fld>
             <a:endParaRPr lang="en-US"/>
           </a:p>
@@ -785,7 +785,7 @@
           <a:p>
             <a:fld id="{EEE7C04C-7AF8-1445-A186-502B631B934F}" type="datetimeFigureOut">
               <a:rPr lang="en-US" smtClean="0"/>
-              <a:t>10/1/19</a:t>
+              <a:t>10/4/19</a:t>
             </a:fld>
             <a:endParaRPr lang="en-US"/>
           </a:p>
@@ -960,7 +960,7 @@
           <a:p>
             <a:fld id="{EEE7C04C-7AF8-1445-A186-502B631B934F}" type="datetimeFigureOut">
               <a:rPr lang="en-US" smtClean="0"/>
-              <a:t>10/1/19</a:t>
+              <a:t>10/4/19</a:t>
             </a:fld>
             <a:endParaRPr lang="en-US"/>
           </a:p>
@@ -1125,7 +1125,7 @@
           <a:p>
             <a:fld id="{EEE7C04C-7AF8-1445-A186-502B631B934F}" type="datetimeFigureOut">
               <a:rPr lang="en-US" smtClean="0"/>
-              <a:t>10/1/19</a:t>
+              <a:t>10/4/19</a:t>
             </a:fld>
             <a:endParaRPr lang="en-US"/>
           </a:p>
@@ -1366,7 +1366,7 @@
           <a:p>
             <a:fld id="{EEE7C04C-7AF8-1445-A186-502B631B934F}" type="datetimeFigureOut">
               <a:rPr lang="en-US" smtClean="0"/>
-              <a:t>10/1/19</a:t>
+              <a:t>10/4/19</a:t>
             </a:fld>
             <a:endParaRPr lang="en-US"/>
           </a:p>
@@ -1593,7 +1593,7 @@
           <a:p>
             <a:fld id="{EEE7C04C-7AF8-1445-A186-502B631B934F}" type="datetimeFigureOut">
               <a:rPr lang="en-US" smtClean="0"/>
-              <a:t>10/1/19</a:t>
+              <a:t>10/4/19</a:t>
             </a:fld>
             <a:endParaRPr lang="en-US"/>
           </a:p>
@@ -1955,7 +1955,7 @@
           <a:p>
             <a:fld id="{EEE7C04C-7AF8-1445-A186-502B631B934F}" type="datetimeFigureOut">
               <a:rPr lang="en-US" smtClean="0"/>
-              <a:t>10/1/19</a:t>
+              <a:t>10/4/19</a:t>
             </a:fld>
             <a:endParaRPr lang="en-US"/>
           </a:p>
@@ -2068,7 +2068,7 @@
           <a:p>
             <a:fld id="{EEE7C04C-7AF8-1445-A186-502B631B934F}" type="datetimeFigureOut">
               <a:rPr lang="en-US" smtClean="0"/>
-              <a:t>10/1/19</a:t>
+              <a:t>10/4/19</a:t>
             </a:fld>
             <a:endParaRPr lang="en-US"/>
           </a:p>
@@ -2158,7 +2158,7 @@
           <a:p>
             <a:fld id="{EEE7C04C-7AF8-1445-A186-502B631B934F}" type="datetimeFigureOut">
               <a:rPr lang="en-US" smtClean="0"/>
-              <a:t>10/1/19</a:t>
+              <a:t>10/4/19</a:t>
             </a:fld>
             <a:endParaRPr lang="en-US"/>
           </a:p>
@@ -2430,7 +2430,7 @@
           <a:p>
             <a:fld id="{EEE7C04C-7AF8-1445-A186-502B631B934F}" type="datetimeFigureOut">
               <a:rPr lang="en-US" smtClean="0"/>
-              <a:t>10/1/19</a:t>
+              <a:t>10/4/19</a:t>
             </a:fld>
             <a:endParaRPr lang="en-US"/>
           </a:p>
@@ -2682,7 +2682,7 @@
           <a:p>
             <a:fld id="{EEE7C04C-7AF8-1445-A186-502B631B934F}" type="datetimeFigureOut">
               <a:rPr lang="en-US" smtClean="0"/>
-              <a:t>10/1/19</a:t>
+              <a:t>10/4/19</a:t>
             </a:fld>
             <a:endParaRPr lang="en-US"/>
           </a:p>
@@ -2889,7 +2889,7 @@
           <a:p>
             <a:fld id="{EEE7C04C-7AF8-1445-A186-502B631B934F}" type="datetimeFigureOut">
               <a:rPr lang="en-US" smtClean="0"/>
-              <a:t>10/1/19</a:t>
+              <a:t>10/4/19</a:t>
             </a:fld>
             <a:endParaRPr lang="en-US"/>
           </a:p>
@@ -3307,10 +3307,10 @@
           <p:cNvPr id="10" name="Rectangle 9">
             <a:extLst>
               <a:ext uri="{FF2B5EF4-FFF2-40B4-BE49-F238E27FC236}">
-                <a16:creationId xmlns:a16="http://schemas.microsoft.com/office/drawing/2014/main" xmlns="" id="{E20EB187-900F-4AF5-813B-101456D9FD39}"/>
+                <a16:creationId xmlns="" xmlns:a16="http://schemas.microsoft.com/office/drawing/2014/main" id="{E20EB187-900F-4AF5-813B-101456D9FD39}"/>
               </a:ext>
               <a:ext uri="{C183D7F6-B498-43B3-948B-1728B52AA6E4}">
-                <adec:decorative xmlns:adec="http://schemas.microsoft.com/office/drawing/2017/decorative" xmlns="" val="1"/>
+                <adec:decorative xmlns="" xmlns:adec="http://schemas.microsoft.com/office/drawing/2017/decorative" val="1"/>
               </a:ext>
             </a:extLst>
           </p:cNvPr>
@@ -3454,10 +3454,10 @@
           <p:cNvPr id="12" name="Straight Connector 11">
             <a:extLst>
               <a:ext uri="{FF2B5EF4-FFF2-40B4-BE49-F238E27FC236}">
-                <a16:creationId xmlns:a16="http://schemas.microsoft.com/office/drawing/2014/main" xmlns="" id="{624D17C8-E9C2-48A4-AA36-D7048A6CCC41}"/>
+                <a16:creationId xmlns="" xmlns:a16="http://schemas.microsoft.com/office/drawing/2014/main" id="{624D17C8-E9C2-48A4-AA36-D7048A6CCC41}"/>
               </a:ext>
               <a:ext uri="{C183D7F6-B498-43B3-948B-1728B52AA6E4}">
-                <adec:decorative xmlns:adec="http://schemas.microsoft.com/office/drawing/2017/decorative" xmlns="" val="1"/>
+                <adec:decorative xmlns="" xmlns:adec="http://schemas.microsoft.com/office/drawing/2017/decorative" val="1"/>
               </a:ext>
             </a:extLst>
           </p:cNvPr>
@@ -19235,28 +19235,33 @@
           <a:p>
             <a:r>
               <a:rPr lang="en-US" dirty="0" smtClean="0"/>
-              <a:t>Create a template named '</a:t>
-            </a:r>
-            <a:r>
-              <a:rPr lang="en-US" dirty="0" smtClean="0">
-                <a:solidFill>
-                  <a:srgbClr val="FFFF00"/>
-                </a:solidFill>
-              </a:rPr>
-              <a:t>registration/</a:t>
-            </a:r>
-            <a:r>
-              <a:rPr lang="en-US" dirty="0" err="1" smtClean="0">
-                <a:solidFill>
-                  <a:srgbClr val="FFFF00"/>
-                </a:solidFill>
-              </a:rPr>
-              <a:t>login.htm</a:t>
+              <a:t>Create a template named </a:t>
             </a:r>
             <a:r>
               <a:rPr lang="en-US" dirty="0" smtClean="0"/>
               <a:t>'</a:t>
             </a:r>
+            <a:r>
+              <a:rPr lang="en-US" dirty="0" smtClean="0">
+                <a:solidFill>
+                  <a:srgbClr val="FFFF00"/>
+                </a:solidFill>
+              </a:rPr>
+              <a:t>registration/</a:t>
+            </a:r>
+            <a:r>
+              <a:rPr lang="en-US" dirty="0" err="1" smtClean="0">
+                <a:solidFill>
+                  <a:srgbClr val="FFFF00"/>
+                </a:solidFill>
+              </a:rPr>
+              <a:t>login.html</a:t>
+            </a:r>
+            <a:r>
+              <a:rPr lang="en-US" dirty="0" smtClean="0"/>
+              <a:t>'</a:t>
+            </a:r>
+            <a:endParaRPr lang="en-US" dirty="0" smtClean="0"/>
           </a:p>
           <a:p>
             <a:r>

--- a/lectures/DJ-08-Login.pptx
+++ b/lectures/DJ-08-Login.pptx
@@ -222,7 +222,7 @@
           <a:p>
             <a:fld id="{C97B56FC-7D2E-F343-9D09-0D14B00AA564}" type="datetimeFigureOut">
               <a:rPr lang="en-US" smtClean="0"/>
-              <a:t>10/4/19</a:t>
+              <a:t>1/20/20</a:t>
             </a:fld>
             <a:endParaRPr lang="en-US"/>
           </a:p>
@@ -619,7 +619,7 @@
           <a:p>
             <a:fld id="{EEE7C04C-7AF8-1445-A186-502B631B934F}" type="datetimeFigureOut">
               <a:rPr lang="en-US" smtClean="0"/>
-              <a:t>10/4/19</a:t>
+              <a:t>1/20/20</a:t>
             </a:fld>
             <a:endParaRPr lang="en-US"/>
           </a:p>
@@ -784,7 +784,7 @@
           <a:p>
             <a:fld id="{EEE7C04C-7AF8-1445-A186-502B631B934F}" type="datetimeFigureOut">
               <a:rPr lang="en-US" smtClean="0"/>
-              <a:t>10/4/19</a:t>
+              <a:t>1/20/20</a:t>
             </a:fld>
             <a:endParaRPr lang="en-US"/>
           </a:p>
@@ -959,7 +959,7 @@
           <a:p>
             <a:fld id="{EEE7C04C-7AF8-1445-A186-502B631B934F}" type="datetimeFigureOut">
               <a:rPr lang="en-US" smtClean="0"/>
-              <a:t>10/4/19</a:t>
+              <a:t>1/20/20</a:t>
             </a:fld>
             <a:endParaRPr lang="en-US"/>
           </a:p>
@@ -1124,7 +1124,7 @@
           <a:p>
             <a:fld id="{EEE7C04C-7AF8-1445-A186-502B631B934F}" type="datetimeFigureOut">
               <a:rPr lang="en-US" smtClean="0"/>
-              <a:t>10/4/19</a:t>
+              <a:t>1/20/20</a:t>
             </a:fld>
             <a:endParaRPr lang="en-US"/>
           </a:p>
@@ -1365,7 +1365,7 @@
           <a:p>
             <a:fld id="{EEE7C04C-7AF8-1445-A186-502B631B934F}" type="datetimeFigureOut">
               <a:rPr lang="en-US" smtClean="0"/>
-              <a:t>10/4/19</a:t>
+              <a:t>1/20/20</a:t>
             </a:fld>
             <a:endParaRPr lang="en-US"/>
           </a:p>
@@ -1592,7 +1592,7 @@
           <a:p>
             <a:fld id="{EEE7C04C-7AF8-1445-A186-502B631B934F}" type="datetimeFigureOut">
               <a:rPr lang="en-US" smtClean="0"/>
-              <a:t>10/4/19</a:t>
+              <a:t>1/20/20</a:t>
             </a:fld>
             <a:endParaRPr lang="en-US"/>
           </a:p>
@@ -1954,7 +1954,7 @@
           <a:p>
             <a:fld id="{EEE7C04C-7AF8-1445-A186-502B631B934F}" type="datetimeFigureOut">
               <a:rPr lang="en-US" smtClean="0"/>
-              <a:t>10/4/19</a:t>
+              <a:t>1/20/20</a:t>
             </a:fld>
             <a:endParaRPr lang="en-US"/>
           </a:p>
@@ -2067,7 +2067,7 @@
           <a:p>
             <a:fld id="{EEE7C04C-7AF8-1445-A186-502B631B934F}" type="datetimeFigureOut">
               <a:rPr lang="en-US" smtClean="0"/>
-              <a:t>10/4/19</a:t>
+              <a:t>1/20/20</a:t>
             </a:fld>
             <a:endParaRPr lang="en-US"/>
           </a:p>
@@ -2157,7 +2157,7 @@
           <a:p>
             <a:fld id="{EEE7C04C-7AF8-1445-A186-502B631B934F}" type="datetimeFigureOut">
               <a:rPr lang="en-US" smtClean="0"/>
-              <a:t>10/4/19</a:t>
+              <a:t>1/20/20</a:t>
             </a:fld>
             <a:endParaRPr lang="en-US"/>
           </a:p>
@@ -2429,7 +2429,7 @@
           <a:p>
             <a:fld id="{EEE7C04C-7AF8-1445-A186-502B631B934F}" type="datetimeFigureOut">
               <a:rPr lang="en-US" smtClean="0"/>
-              <a:t>10/4/19</a:t>
+              <a:t>1/20/20</a:t>
             </a:fld>
             <a:endParaRPr lang="en-US"/>
           </a:p>
@@ -2681,7 +2681,7 @@
           <a:p>
             <a:fld id="{EEE7C04C-7AF8-1445-A186-502B631B934F}" type="datetimeFigureOut">
               <a:rPr lang="en-US" smtClean="0"/>
-              <a:t>10/4/19</a:t>
+              <a:t>1/20/20</a:t>
             </a:fld>
             <a:endParaRPr lang="en-US"/>
           </a:p>
@@ -2888,7 +2888,7 @@
           <a:p>
             <a:fld id="{EEE7C04C-7AF8-1445-A186-502B631B934F}" type="datetimeFigureOut">
               <a:rPr lang="en-US" smtClean="0"/>
-              <a:t>10/4/19</a:t>
+              <a:t>1/20/20</a:t>
             </a:fld>
             <a:endParaRPr lang="en-US"/>
           </a:p>
@@ -3306,10 +3306,10 @@
           <p:cNvPr id="10" name="Rectangle 9">
             <a:extLst>
               <a:ext uri="{FF2B5EF4-FFF2-40B4-BE49-F238E27FC236}">
-                <a16:creationId xmlns:a16="http://schemas.microsoft.com/office/drawing/2014/main" xmlns="" id="{E20EB187-900F-4AF5-813B-101456D9FD39}"/>
+                <a16:creationId xmlns="" xmlns:a16="http://schemas.microsoft.com/office/drawing/2014/main" id="{E20EB187-900F-4AF5-813B-101456D9FD39}"/>
               </a:ext>
               <a:ext uri="{C183D7F6-B498-43B3-948B-1728B52AA6E4}">
-                <adec:decorative xmlns:adec="http://schemas.microsoft.com/office/drawing/2017/decorative" xmlns="" val="1"/>
+                <adec:decorative xmlns="" xmlns:adec="http://schemas.microsoft.com/office/drawing/2017/decorative" val="1"/>
               </a:ext>
             </a:extLst>
           </p:cNvPr>
@@ -3453,10 +3453,10 @@
           <p:cNvPr id="12" name="Straight Connector 11">
             <a:extLst>
               <a:ext uri="{FF2B5EF4-FFF2-40B4-BE49-F238E27FC236}">
-                <a16:creationId xmlns:a16="http://schemas.microsoft.com/office/drawing/2014/main" xmlns="" id="{624D17C8-E9C2-48A4-AA36-D7048A6CCC41}"/>
+                <a16:creationId xmlns="" xmlns:a16="http://schemas.microsoft.com/office/drawing/2014/main" id="{624D17C8-E9C2-48A4-AA36-D7048A6CCC41}"/>
               </a:ext>
               <a:ext uri="{C183D7F6-B498-43B3-948B-1728B52AA6E4}">
-                <adec:decorative xmlns:adec="http://schemas.microsoft.com/office/drawing/2017/decorative" xmlns="" val="1"/>
+                <adec:decorative xmlns="" xmlns:adec="http://schemas.microsoft.com/office/drawing/2017/decorative" val="1"/>
               </a:ext>
             </a:extLst>
           </p:cNvPr>
@@ -11016,28 +11016,40 @@
               <a:t>https://</a:t>
             </a:r>
             <a:r>
-              <a:rPr lang="en-US" dirty="0" err="1"/>
+              <a:rPr lang="en-US" dirty="0" err="1" smtClean="0"/>
               <a:t>docs.djangoproject.com</a:t>
             </a:r>
             <a:r>
+              <a:rPr lang="en-US" dirty="0" smtClean="0"/>
+              <a:t>/</a:t>
+            </a:r>
+            <a:r>
+              <a:rPr lang="en-US" dirty="0" err="1" smtClean="0"/>
+              <a:t>en</a:t>
+            </a:r>
+            <a:r>
+              <a:rPr lang="en-US" dirty="0" smtClean="0"/>
+              <a:t>/</a:t>
+            </a:r>
+            <a:r>
+              <a:rPr lang="hr-HR" dirty="0" smtClean="0"/>
+              <a:t>3.0</a:t>
+            </a:r>
+            <a:r>
+              <a:rPr lang="en-US" dirty="0" smtClean="0"/>
+              <a:t>/topics/</a:t>
+            </a:r>
+            <a:r>
+              <a:rPr lang="en-US" dirty="0" err="1" smtClean="0"/>
+              <a:t>auth</a:t>
+            </a:r>
+            <a:r>
+              <a:rPr lang="en-US" dirty="0" smtClean="0"/>
+              <a:t>/default</a:t>
+            </a:r>
+            <a:r>
               <a:rPr lang="en-US" dirty="0"/>
-              <a:t>/</a:t>
-            </a:r>
-            <a:r>
-              <a:rPr lang="en-US" dirty="0" err="1"/>
-              <a:t>en</a:t>
-            </a:r>
-            <a:r>
-              <a:rPr lang="en-US" dirty="0"/>
-              <a:t>/2.2/topics/</a:t>
-            </a:r>
-            <a:r>
-              <a:rPr lang="en-US" dirty="0" err="1"/>
-              <a:t>auth</a:t>
-            </a:r>
-            <a:r>
-              <a:rPr lang="en-US" dirty="0"/>
-              <a:t>/default/#</a:t>
+              <a:t>/#</a:t>
             </a:r>
             <a:r>
               <a:rPr lang="en-US" dirty="0" err="1"/>
@@ -12576,23 +12588,31 @@
               <a:t>https://</a:t>
             </a:r>
             <a:r>
-              <a:rPr lang="en-US" dirty="0" err="1"/>
+              <a:rPr lang="en-US" dirty="0" err="1" smtClean="0"/>
               <a:t>docs.djangoproject.com</a:t>
             </a:r>
             <a:r>
-              <a:rPr lang="en-US" dirty="0"/>
+              <a:rPr lang="en-US" dirty="0" smtClean="0"/>
               <a:t>/</a:t>
             </a:r>
             <a:r>
-              <a:rPr lang="en-US" dirty="0" err="1"/>
+              <a:rPr lang="en-US" dirty="0" err="1" smtClean="0"/>
               <a:t>en</a:t>
             </a:r>
             <a:r>
-              <a:rPr lang="en-US" dirty="0"/>
-              <a:t>/2.2/topics/</a:t>
-            </a:r>
-            <a:r>
-              <a:rPr lang="en-US" dirty="0" err="1"/>
+              <a:rPr lang="en-US" dirty="0" smtClean="0"/>
+              <a:t>/</a:t>
+            </a:r>
+            <a:r>
+              <a:rPr lang="hr-HR" dirty="0" smtClean="0"/>
+              <a:t>3.0</a:t>
+            </a:r>
+            <a:r>
+              <a:rPr lang="en-US" dirty="0" smtClean="0"/>
+              <a:t>/topics/</a:t>
+            </a:r>
+            <a:r>
+              <a:rPr lang="en-US" dirty="0" err="1" smtClean="0"/>
               <a:t>auth</a:t>
             </a:r>
             <a:r>
@@ -16023,28 +16043,40 @@
               <a:t>https://</a:t>
             </a:r>
             <a:r>
-              <a:rPr lang="en-US" dirty="0" err="1"/>
+              <a:rPr lang="en-US" dirty="0" err="1" smtClean="0"/>
               <a:t>docs.djangoproject.com</a:t>
             </a:r>
             <a:r>
+              <a:rPr lang="en-US" dirty="0" smtClean="0"/>
+              <a:t>/</a:t>
+            </a:r>
+            <a:r>
+              <a:rPr lang="en-US" dirty="0" err="1" smtClean="0"/>
+              <a:t>en</a:t>
+            </a:r>
+            <a:r>
+              <a:rPr lang="en-US" dirty="0" smtClean="0"/>
+              <a:t>/</a:t>
+            </a:r>
+            <a:r>
+              <a:rPr lang="hr-HR" dirty="0" smtClean="0"/>
+              <a:t>3.0</a:t>
+            </a:r>
+            <a:r>
+              <a:rPr lang="en-US" dirty="0" smtClean="0"/>
+              <a:t>/topics/</a:t>
+            </a:r>
+            <a:r>
+              <a:rPr lang="en-US" dirty="0" err="1" smtClean="0"/>
+              <a:t>auth</a:t>
+            </a:r>
+            <a:r>
+              <a:rPr lang="en-US" dirty="0" smtClean="0"/>
+              <a:t>/default</a:t>
+            </a:r>
+            <a:r>
               <a:rPr lang="en-US" dirty="0"/>
-              <a:t>/</a:t>
-            </a:r>
-            <a:r>
-              <a:rPr lang="en-US" dirty="0" err="1"/>
-              <a:t>en</a:t>
-            </a:r>
-            <a:r>
-              <a:rPr lang="en-US" dirty="0"/>
-              <a:t>/2.2/topics/</a:t>
-            </a:r>
-            <a:r>
-              <a:rPr lang="en-US" dirty="0" err="1"/>
-              <a:t>auth</a:t>
-            </a:r>
-            <a:r>
-              <a:rPr lang="en-US" dirty="0"/>
-              <a:t>/default/#the-</a:t>
+              <a:t>/#the-</a:t>
             </a:r>
             <a:r>
               <a:rPr lang="en-US" dirty="0" err="1"/>
@@ -17120,28 +17152,40 @@
               <a:t>https://</a:t>
             </a:r>
             <a:r>
-              <a:rPr lang="en-US" dirty="0" err="1"/>
+              <a:rPr lang="en-US" dirty="0" err="1" smtClean="0"/>
               <a:t>docs.djangoproject.com</a:t>
             </a:r>
             <a:r>
+              <a:rPr lang="en-US" dirty="0" smtClean="0"/>
+              <a:t>/</a:t>
+            </a:r>
+            <a:r>
+              <a:rPr lang="en-US" dirty="0" err="1" smtClean="0"/>
+              <a:t>en</a:t>
+            </a:r>
+            <a:r>
+              <a:rPr lang="en-US" dirty="0" smtClean="0"/>
+              <a:t>/</a:t>
+            </a:r>
+            <a:r>
+              <a:rPr lang="hr-HR" smtClean="0"/>
+              <a:t>3.0</a:t>
+            </a:r>
+            <a:r>
+              <a:rPr lang="en-US" smtClean="0"/>
+              <a:t>/topics/</a:t>
+            </a:r>
+            <a:r>
+              <a:rPr lang="en-US" dirty="0" err="1" smtClean="0"/>
+              <a:t>auth</a:t>
+            </a:r>
+            <a:r>
+              <a:rPr lang="en-US" dirty="0" smtClean="0"/>
+              <a:t>/default</a:t>
+            </a:r>
+            <a:r>
               <a:rPr lang="en-US" dirty="0"/>
-              <a:t>/</a:t>
-            </a:r>
-            <a:r>
-              <a:rPr lang="en-US" dirty="0" err="1"/>
-              <a:t>en</a:t>
-            </a:r>
-            <a:r>
-              <a:rPr lang="en-US" dirty="0"/>
-              <a:t>/2.2/topics/</a:t>
-            </a:r>
-            <a:r>
-              <a:rPr lang="en-US" dirty="0" err="1"/>
-              <a:t>auth</a:t>
-            </a:r>
-            <a:r>
-              <a:rPr lang="en-US" dirty="0"/>
-              <a:t>/default/#the-</a:t>
+              <a:t>/#the-</a:t>
             </a:r>
             <a:r>
               <a:rPr lang="en-US" dirty="0" err="1"/>
@@ -20648,29 +20692,38 @@
               <a:t>https://</a:t>
             </a:r>
             <a:r>
-              <a:rPr lang="en-US" dirty="0" err="1"/>
+              <a:rPr lang="en-US" dirty="0" err="1" smtClean="0"/>
               <a:t>docs.djangoproject.com</a:t>
             </a:r>
             <a:r>
-              <a:rPr lang="en-US" dirty="0"/>
+              <a:rPr lang="en-US" dirty="0" smtClean="0"/>
               <a:t>/</a:t>
             </a:r>
             <a:r>
-              <a:rPr lang="en-US" dirty="0" err="1"/>
+              <a:rPr lang="en-US" dirty="0" err="1" smtClean="0"/>
               <a:t>en</a:t>
             </a:r>
             <a:r>
-              <a:rPr lang="en-US" dirty="0"/>
-              <a:t>/2.2/topics/</a:t>
-            </a:r>
-            <a:r>
-              <a:rPr lang="en-US" dirty="0" err="1"/>
+              <a:rPr lang="en-US" dirty="0" smtClean="0"/>
+              <a:t>/</a:t>
+            </a:r>
+            <a:r>
+              <a:rPr lang="hr-HR" dirty="0" smtClean="0"/>
+              <a:t>3.0</a:t>
+            </a:r>
+            <a:r>
+              <a:rPr lang="en-US" dirty="0" smtClean="0"/>
+              <a:t>/topics/</a:t>
+            </a:r>
+            <a:r>
+              <a:rPr lang="en-US" dirty="0" err="1" smtClean="0"/>
               <a:t>auth</a:t>
             </a:r>
             <a:r>
-              <a:rPr lang="en-US" dirty="0"/>
+              <a:rPr lang="en-US" dirty="0" smtClean="0"/>
               <a:t>/default</a:t>
             </a:r>
+            <a:endParaRPr lang="en-US" dirty="0"/>
           </a:p>
         </p:txBody>
       </p:sp>
@@ -20989,29 +21042,38 @@
               <a:t>https://</a:t>
             </a:r>
             <a:r>
-              <a:rPr lang="en-US" dirty="0" err="1"/>
+              <a:rPr lang="en-US" dirty="0" err="1" smtClean="0"/>
               <a:t>docs.djangoproject.com</a:t>
             </a:r>
             <a:r>
-              <a:rPr lang="en-US" dirty="0"/>
+              <a:rPr lang="en-US" dirty="0" smtClean="0"/>
               <a:t>/</a:t>
             </a:r>
             <a:r>
-              <a:rPr lang="en-US" dirty="0" err="1"/>
+              <a:rPr lang="en-US" dirty="0" err="1" smtClean="0"/>
               <a:t>en</a:t>
             </a:r>
             <a:r>
-              <a:rPr lang="en-US" dirty="0"/>
-              <a:t>/2.2/topics/</a:t>
-            </a:r>
-            <a:r>
-              <a:rPr lang="en-US" dirty="0" err="1"/>
+              <a:rPr lang="en-US" dirty="0" smtClean="0"/>
+              <a:t>/</a:t>
+            </a:r>
+            <a:r>
+              <a:rPr lang="hr-HR" dirty="0" smtClean="0"/>
+              <a:t>3.0</a:t>
+            </a:r>
+            <a:r>
+              <a:rPr lang="en-US" dirty="0" smtClean="0"/>
+              <a:t>/topics/</a:t>
+            </a:r>
+            <a:r>
+              <a:rPr lang="en-US" dirty="0" err="1" smtClean="0"/>
               <a:t>auth</a:t>
             </a:r>
             <a:r>
-              <a:rPr lang="en-US" dirty="0"/>
+              <a:rPr lang="en-US" dirty="0" smtClean="0"/>
               <a:t>/default</a:t>
             </a:r>
+            <a:endParaRPr lang="en-US" dirty="0"/>
           </a:p>
         </p:txBody>
       </p:sp>
